--- a/verbanden en formules/AAAAverbanden en formules.pptx
+++ b/verbanden en formules/AAAAverbanden en formules.pptx
@@ -5,30 +5,36 @@
     <p:sldMasterId id="2147483648" r:id="rId1"/>
   </p:sldMasterIdLst>
   <p:sldIdLst>
-    <p:sldId id="287" r:id="rId2"/>
-    <p:sldId id="288" r:id="rId3"/>
-    <p:sldId id="289" r:id="rId4"/>
-    <p:sldId id="284" r:id="rId5"/>
-    <p:sldId id="285" r:id="rId6"/>
-    <p:sldId id="286" r:id="rId7"/>
-    <p:sldId id="281" r:id="rId8"/>
-    <p:sldId id="282" r:id="rId9"/>
-    <p:sldId id="283" r:id="rId10"/>
-    <p:sldId id="278" r:id="rId11"/>
-    <p:sldId id="279" r:id="rId12"/>
-    <p:sldId id="280" r:id="rId13"/>
-    <p:sldId id="275" r:id="rId14"/>
-    <p:sldId id="276" r:id="rId15"/>
-    <p:sldId id="277" r:id="rId16"/>
-    <p:sldId id="272" r:id="rId17"/>
-    <p:sldId id="273" r:id="rId18"/>
-    <p:sldId id="274" r:id="rId19"/>
-    <p:sldId id="269" r:id="rId20"/>
-    <p:sldId id="270" r:id="rId21"/>
-    <p:sldId id="271" r:id="rId22"/>
-    <p:sldId id="266" r:id="rId23"/>
-    <p:sldId id="267" r:id="rId24"/>
-    <p:sldId id="268" r:id="rId25"/>
+    <p:sldId id="293" r:id="rId2"/>
+    <p:sldId id="294" r:id="rId3"/>
+    <p:sldId id="295" r:id="rId4"/>
+    <p:sldId id="290" r:id="rId5"/>
+    <p:sldId id="291" r:id="rId6"/>
+    <p:sldId id="292" r:id="rId7"/>
+    <p:sldId id="287" r:id="rId8"/>
+    <p:sldId id="288" r:id="rId9"/>
+    <p:sldId id="289" r:id="rId10"/>
+    <p:sldId id="284" r:id="rId11"/>
+    <p:sldId id="285" r:id="rId12"/>
+    <p:sldId id="286" r:id="rId13"/>
+    <p:sldId id="281" r:id="rId14"/>
+    <p:sldId id="282" r:id="rId15"/>
+    <p:sldId id="283" r:id="rId16"/>
+    <p:sldId id="278" r:id="rId17"/>
+    <p:sldId id="279" r:id="rId18"/>
+    <p:sldId id="280" r:id="rId19"/>
+    <p:sldId id="275" r:id="rId20"/>
+    <p:sldId id="276" r:id="rId21"/>
+    <p:sldId id="277" r:id="rId22"/>
+    <p:sldId id="272" r:id="rId23"/>
+    <p:sldId id="273" r:id="rId24"/>
+    <p:sldId id="274" r:id="rId25"/>
+    <p:sldId id="269" r:id="rId26"/>
+    <p:sldId id="270" r:id="rId27"/>
+    <p:sldId id="271" r:id="rId28"/>
+    <p:sldId id="266" r:id="rId29"/>
+    <p:sldId id="267" r:id="rId30"/>
+    <p:sldId id="268" r:id="rId31"/>
   </p:sldIdLst>
   <p:sldSz cx="12192000" cy="6858000"/>
   <p:notesSz cx="6858000" cy="9144000"/>
@@ -138,7 +144,7 @@
 <file path=ppt/revisionInfo.xml><?xml version="1.0" encoding="utf-8"?>
 <p1510:revInfo xmlns:a="http://schemas.openxmlformats.org/drawingml/2006/main" xmlns:r="http://schemas.openxmlformats.org/officeDocument/2006/relationships" xmlns:p1510="http://schemas.microsoft.com/office/powerpoint/2015/10/main">
   <p1510:revLst>
-    <p1510:client id="{90D5BED6-7621-4159-A51C-B32EB1693C01}" v="129" dt="2023-11-07T20:36:10.281"/>
+    <p1510:client id="{90D5BED6-7621-4159-A51C-B32EB1693C01}" v="141" dt="2023-11-14T20:31:18.539"/>
   </p1510:revLst>
 </p1510:revInfo>
 </file>
@@ -2956,7 +2962,7 @@
   <pc:docChgLst>
     <pc:chgData name="Hein van Wanrooij" userId="ebcdd4c57331f9b2" providerId="LiveId" clId="{90D5BED6-7621-4159-A51C-B32EB1693C01}"/>
     <pc:docChg chg="undo custSel addSld delSld modSld">
-      <pc:chgData name="Hein van Wanrooij" userId="ebcdd4c57331f9b2" providerId="LiveId" clId="{90D5BED6-7621-4159-A51C-B32EB1693C01}" dt="2023-11-07T20:36:34.438" v="2907" actId="207"/>
+      <pc:chgData name="Hein van Wanrooij" userId="ebcdd4c57331f9b2" providerId="LiveId" clId="{90D5BED6-7621-4159-A51C-B32EB1693C01}" dt="2023-11-14T20:31:28.497" v="3444" actId="20577"/>
       <pc:docMkLst>
         <pc:docMk/>
       </pc:docMkLst>
@@ -3802,6 +3808,21 @@
           </ac:spMkLst>
         </pc:spChg>
       </pc:sldChg>
+      <pc:sldChg chg="modSp add mod">
+        <pc:chgData name="Hein van Wanrooij" userId="ebcdd4c57331f9b2" providerId="LiveId" clId="{90D5BED6-7621-4159-A51C-B32EB1693C01}" dt="2023-11-14T20:15:50.259" v="2915" actId="20577"/>
+        <pc:sldMkLst>
+          <pc:docMk/>
+          <pc:sldMk cId="2165819805" sldId="290"/>
+        </pc:sldMkLst>
+        <pc:spChg chg="mod">
+          <ac:chgData name="Hein van Wanrooij" userId="ebcdd4c57331f9b2" providerId="LiveId" clId="{90D5BED6-7621-4159-A51C-B32EB1693C01}" dt="2023-11-14T20:15:50.259" v="2915" actId="20577"/>
+          <ac:spMkLst>
+            <pc:docMk/>
+            <pc:sldMk cId="2165819805" sldId="290"/>
+            <ac:spMk id="4" creationId="{61ED484A-E87E-7D07-D06C-3D405D336CC2}"/>
+          </ac:spMkLst>
+        </pc:spChg>
+      </pc:sldChg>
       <pc:sldChg chg="del">
         <pc:chgData name="Hein van Wanrooij" userId="ebcdd4c57331f9b2" providerId="LiveId" clId="{90D5BED6-7621-4159-A51C-B32EB1693C01}" dt="2023-11-07T19:05:22.783" v="0" actId="47"/>
         <pc:sldMkLst>
@@ -3809,6 +3830,29 @@
           <pc:sldMk cId="3780901237" sldId="290"/>
         </pc:sldMkLst>
       </pc:sldChg>
+      <pc:sldChg chg="modSp add mod">
+        <pc:chgData name="Hein van Wanrooij" userId="ebcdd4c57331f9b2" providerId="LiveId" clId="{90D5BED6-7621-4159-A51C-B32EB1693C01}" dt="2023-11-14T20:21:26.682" v="3259" actId="20577"/>
+        <pc:sldMkLst>
+          <pc:docMk/>
+          <pc:sldMk cId="2154519691" sldId="291"/>
+        </pc:sldMkLst>
+        <pc:spChg chg="mod">
+          <ac:chgData name="Hein van Wanrooij" userId="ebcdd4c57331f9b2" providerId="LiveId" clId="{90D5BED6-7621-4159-A51C-B32EB1693C01}" dt="2023-11-14T20:16:10.590" v="2924" actId="20577"/>
+          <ac:spMkLst>
+            <pc:docMk/>
+            <pc:sldMk cId="2154519691" sldId="291"/>
+            <ac:spMk id="2" creationId="{C2F5861A-BCDE-D2A4-C355-05C8119ED351}"/>
+          </ac:spMkLst>
+        </pc:spChg>
+        <pc:spChg chg="mod">
+          <ac:chgData name="Hein van Wanrooij" userId="ebcdd4c57331f9b2" providerId="LiveId" clId="{90D5BED6-7621-4159-A51C-B32EB1693C01}" dt="2023-11-14T20:21:26.682" v="3259" actId="20577"/>
+          <ac:spMkLst>
+            <pc:docMk/>
+            <pc:sldMk cId="2154519691" sldId="291"/>
+            <ac:spMk id="3" creationId="{7988AA68-FB88-7C7C-5E47-2AE86A2EFD72}"/>
+          </ac:spMkLst>
+        </pc:spChg>
+      </pc:sldChg>
       <pc:sldChg chg="del">
         <pc:chgData name="Hein van Wanrooij" userId="ebcdd4c57331f9b2" providerId="LiveId" clId="{90D5BED6-7621-4159-A51C-B32EB1693C01}" dt="2023-11-07T19:05:22.783" v="0" actId="47"/>
         <pc:sldMkLst>
@@ -3823,6 +3867,60 @@
           <pc:sldMk cId="2868963530" sldId="292"/>
         </pc:sldMkLst>
       </pc:sldChg>
+      <pc:sldChg chg="addSp delSp modSp add mod">
+        <pc:chgData name="Hein van Wanrooij" userId="ebcdd4c57331f9b2" providerId="LiveId" clId="{90D5BED6-7621-4159-A51C-B32EB1693C01}" dt="2023-11-14T20:22:32.411" v="3284" actId="1076"/>
+        <pc:sldMkLst>
+          <pc:docMk/>
+          <pc:sldMk cId="4249121548" sldId="292"/>
+        </pc:sldMkLst>
+        <pc:spChg chg="mod">
+          <ac:chgData name="Hein van Wanrooij" userId="ebcdd4c57331f9b2" providerId="LiveId" clId="{90D5BED6-7621-4159-A51C-B32EB1693C01}" dt="2023-11-14T20:22:18.811" v="3274" actId="20577"/>
+          <ac:spMkLst>
+            <pc:docMk/>
+            <pc:sldMk cId="4249121548" sldId="292"/>
+            <ac:spMk id="2" creationId="{C2F5861A-BCDE-D2A4-C355-05C8119ED351}"/>
+          </ac:spMkLst>
+        </pc:spChg>
+        <pc:spChg chg="del">
+          <ac:chgData name="Hein van Wanrooij" userId="ebcdd4c57331f9b2" providerId="LiveId" clId="{90D5BED6-7621-4159-A51C-B32EB1693C01}" dt="2023-11-14T20:22:23.400" v="3276" actId="478"/>
+          <ac:spMkLst>
+            <pc:docMk/>
+            <pc:sldMk cId="4249121548" sldId="292"/>
+            <ac:spMk id="10" creationId="{2BD6AE24-64BF-8AAF-EF81-AF358116046C}"/>
+          </ac:spMkLst>
+        </pc:spChg>
+        <pc:picChg chg="del">
+          <ac:chgData name="Hein van Wanrooij" userId="ebcdd4c57331f9b2" providerId="LiveId" clId="{90D5BED6-7621-4159-A51C-B32EB1693C01}" dt="2023-11-14T20:22:21.910" v="3275" actId="478"/>
+          <ac:picMkLst>
+            <pc:docMk/>
+            <pc:sldMk cId="4249121548" sldId="292"/>
+            <ac:picMk id="7" creationId="{0F0DF19E-C775-767D-49BC-C8A3DCA16BFC}"/>
+          </ac:picMkLst>
+        </pc:picChg>
+        <pc:picChg chg="add mod">
+          <ac:chgData name="Hein van Wanrooij" userId="ebcdd4c57331f9b2" providerId="LiveId" clId="{90D5BED6-7621-4159-A51C-B32EB1693C01}" dt="2023-11-14T20:22:32.411" v="3284" actId="1076"/>
+          <ac:picMkLst>
+            <pc:docMk/>
+            <pc:sldMk cId="4249121548" sldId="292"/>
+            <ac:picMk id="1026" creationId="{ED43F231-9D0C-D44A-E0C8-C393AC8708FF}"/>
+          </ac:picMkLst>
+        </pc:picChg>
+      </pc:sldChg>
+      <pc:sldChg chg="modSp add mod">
+        <pc:chgData name="Hein van Wanrooij" userId="ebcdd4c57331f9b2" providerId="LiveId" clId="{90D5BED6-7621-4159-A51C-B32EB1693C01}" dt="2023-11-14T20:30:27.494" v="3329" actId="20577"/>
+        <pc:sldMkLst>
+          <pc:docMk/>
+          <pc:sldMk cId="1771517445" sldId="293"/>
+        </pc:sldMkLst>
+        <pc:spChg chg="mod">
+          <ac:chgData name="Hein van Wanrooij" userId="ebcdd4c57331f9b2" providerId="LiveId" clId="{90D5BED6-7621-4159-A51C-B32EB1693C01}" dt="2023-11-14T20:30:27.494" v="3329" actId="20577"/>
+          <ac:spMkLst>
+            <pc:docMk/>
+            <pc:sldMk cId="1771517445" sldId="293"/>
+            <ac:spMk id="4" creationId="{61ED484A-E87E-7D07-D06C-3D405D336CC2}"/>
+          </ac:spMkLst>
+        </pc:spChg>
+      </pc:sldChg>
       <pc:sldChg chg="del">
         <pc:chgData name="Hein van Wanrooij" userId="ebcdd4c57331f9b2" providerId="LiveId" clId="{90D5BED6-7621-4159-A51C-B32EB1693C01}" dt="2023-11-07T19:05:22.783" v="0" actId="47"/>
         <pc:sldMkLst>
@@ -3836,6 +3934,52 @@
           <pc:docMk/>
           <pc:sldMk cId="2799040166" sldId="294"/>
         </pc:sldMkLst>
+      </pc:sldChg>
+      <pc:sldChg chg="modSp add mod">
+        <pc:chgData name="Hein van Wanrooij" userId="ebcdd4c57331f9b2" providerId="LiveId" clId="{90D5BED6-7621-4159-A51C-B32EB1693C01}" dt="2023-11-14T20:31:28.497" v="3444" actId="20577"/>
+        <pc:sldMkLst>
+          <pc:docMk/>
+          <pc:sldMk cId="3283999461" sldId="294"/>
+        </pc:sldMkLst>
+        <pc:spChg chg="mod">
+          <ac:chgData name="Hein van Wanrooij" userId="ebcdd4c57331f9b2" providerId="LiveId" clId="{90D5BED6-7621-4159-A51C-B32EB1693C01}" dt="2023-11-14T20:30:53.444" v="3372" actId="1076"/>
+          <ac:spMkLst>
+            <pc:docMk/>
+            <pc:sldMk cId="3283999461" sldId="294"/>
+            <ac:spMk id="2" creationId="{C2F5861A-BCDE-D2A4-C355-05C8119ED351}"/>
+          </ac:spMkLst>
+        </pc:spChg>
+        <pc:spChg chg="mod">
+          <ac:chgData name="Hein van Wanrooij" userId="ebcdd4c57331f9b2" providerId="LiveId" clId="{90D5BED6-7621-4159-A51C-B32EB1693C01}" dt="2023-11-14T20:31:28.497" v="3444" actId="20577"/>
+          <ac:spMkLst>
+            <pc:docMk/>
+            <pc:sldMk cId="3283999461" sldId="294"/>
+            <ac:spMk id="3" creationId="{7988AA68-FB88-7C7C-5E47-2AE86A2EFD72}"/>
+          </ac:spMkLst>
+        </pc:spChg>
+      </pc:sldChg>
+      <pc:sldChg chg="delSp modSp add mod">
+        <pc:chgData name="Hein van Wanrooij" userId="ebcdd4c57331f9b2" providerId="LiveId" clId="{90D5BED6-7621-4159-A51C-B32EB1693C01}" dt="2023-11-14T20:31:18.539" v="3422" actId="478"/>
+        <pc:sldMkLst>
+          <pc:docMk/>
+          <pc:sldMk cId="2174663102" sldId="295"/>
+        </pc:sldMkLst>
+        <pc:spChg chg="mod">
+          <ac:chgData name="Hein van Wanrooij" userId="ebcdd4c57331f9b2" providerId="LiveId" clId="{90D5BED6-7621-4159-A51C-B32EB1693C01}" dt="2023-11-14T20:31:17.368" v="3421" actId="1076"/>
+          <ac:spMkLst>
+            <pc:docMk/>
+            <pc:sldMk cId="2174663102" sldId="295"/>
+            <ac:spMk id="2" creationId="{C2F5861A-BCDE-D2A4-C355-05C8119ED351}"/>
+          </ac:spMkLst>
+        </pc:spChg>
+        <pc:picChg chg="del">
+          <ac:chgData name="Hein van Wanrooij" userId="ebcdd4c57331f9b2" providerId="LiveId" clId="{90D5BED6-7621-4159-A51C-B32EB1693C01}" dt="2023-11-14T20:31:18.539" v="3422" actId="478"/>
+          <ac:picMkLst>
+            <pc:docMk/>
+            <pc:sldMk cId="2174663102" sldId="295"/>
+            <ac:picMk id="1026" creationId="{ED43F231-9D0C-D44A-E0C8-C393AC8708FF}"/>
+          </ac:picMkLst>
+        </pc:picChg>
       </pc:sldChg>
       <pc:sldChg chg="del">
         <pc:chgData name="Hein van Wanrooij" userId="ebcdd4c57331f9b2" providerId="LiveId" clId="{90D5BED6-7621-4159-A51C-B32EB1693C01}" dt="2023-11-07T19:05:22.783" v="0" actId="47"/>
@@ -4374,7 +4518,7 @@
           <a:p>
             <a:fld id="{89AFD366-9D87-47C8-9C04-02D6655FA638}" type="datetimeFigureOut">
               <a:rPr lang="nl-NL" smtClean="0"/>
-              <a:t>7-11-2023</a:t>
+              <a:t>14-11-2023</a:t>
             </a:fld>
             <a:endParaRPr lang="nl-NL"/>
           </a:p>
@@ -4572,7 +4716,7 @@
           <a:p>
             <a:fld id="{89AFD366-9D87-47C8-9C04-02D6655FA638}" type="datetimeFigureOut">
               <a:rPr lang="nl-NL" smtClean="0"/>
-              <a:t>7-11-2023</a:t>
+              <a:t>14-11-2023</a:t>
             </a:fld>
             <a:endParaRPr lang="nl-NL"/>
           </a:p>
@@ -4780,7 +4924,7 @@
           <a:p>
             <a:fld id="{89AFD366-9D87-47C8-9C04-02D6655FA638}" type="datetimeFigureOut">
               <a:rPr lang="nl-NL" smtClean="0"/>
-              <a:t>7-11-2023</a:t>
+              <a:t>14-11-2023</a:t>
             </a:fld>
             <a:endParaRPr lang="nl-NL"/>
           </a:p>
@@ -4978,7 +5122,7 @@
           <a:p>
             <a:fld id="{89AFD366-9D87-47C8-9C04-02D6655FA638}" type="datetimeFigureOut">
               <a:rPr lang="nl-NL" smtClean="0"/>
-              <a:t>7-11-2023</a:t>
+              <a:t>14-11-2023</a:t>
             </a:fld>
             <a:endParaRPr lang="nl-NL"/>
           </a:p>
@@ -5253,7 +5397,7 @@
           <a:p>
             <a:fld id="{89AFD366-9D87-47C8-9C04-02D6655FA638}" type="datetimeFigureOut">
               <a:rPr lang="nl-NL" smtClean="0"/>
-              <a:t>7-11-2023</a:t>
+              <a:t>14-11-2023</a:t>
             </a:fld>
             <a:endParaRPr lang="nl-NL"/>
           </a:p>
@@ -5518,7 +5662,7 @@
           <a:p>
             <a:fld id="{89AFD366-9D87-47C8-9C04-02D6655FA638}" type="datetimeFigureOut">
               <a:rPr lang="nl-NL" smtClean="0"/>
-              <a:t>7-11-2023</a:t>
+              <a:t>14-11-2023</a:t>
             </a:fld>
             <a:endParaRPr lang="nl-NL"/>
           </a:p>
@@ -5930,7 +6074,7 @@
           <a:p>
             <a:fld id="{89AFD366-9D87-47C8-9C04-02D6655FA638}" type="datetimeFigureOut">
               <a:rPr lang="nl-NL" smtClean="0"/>
-              <a:t>7-11-2023</a:t>
+              <a:t>14-11-2023</a:t>
             </a:fld>
             <a:endParaRPr lang="nl-NL"/>
           </a:p>
@@ -6071,7 +6215,7 @@
           <a:p>
             <a:fld id="{89AFD366-9D87-47C8-9C04-02D6655FA638}" type="datetimeFigureOut">
               <a:rPr lang="nl-NL" smtClean="0"/>
-              <a:t>7-11-2023</a:t>
+              <a:t>14-11-2023</a:t>
             </a:fld>
             <a:endParaRPr lang="nl-NL"/>
           </a:p>
@@ -6184,7 +6328,7 @@
           <a:p>
             <a:fld id="{89AFD366-9D87-47C8-9C04-02D6655FA638}" type="datetimeFigureOut">
               <a:rPr lang="nl-NL" smtClean="0"/>
-              <a:t>7-11-2023</a:t>
+              <a:t>14-11-2023</a:t>
             </a:fld>
             <a:endParaRPr lang="nl-NL"/>
           </a:p>
@@ -6495,7 +6639,7 @@
           <a:p>
             <a:fld id="{89AFD366-9D87-47C8-9C04-02D6655FA638}" type="datetimeFigureOut">
               <a:rPr lang="nl-NL" smtClean="0"/>
-              <a:t>7-11-2023</a:t>
+              <a:t>14-11-2023</a:t>
             </a:fld>
             <a:endParaRPr lang="nl-NL"/>
           </a:p>
@@ -6783,7 +6927,7 @@
           <a:p>
             <a:fld id="{89AFD366-9D87-47C8-9C04-02D6655FA638}" type="datetimeFigureOut">
               <a:rPr lang="nl-NL" smtClean="0"/>
-              <a:t>7-11-2023</a:t>
+              <a:t>14-11-2023</a:t>
             </a:fld>
             <a:endParaRPr lang="nl-NL"/>
           </a:p>
@@ -7024,7 +7168,7 @@
           <a:p>
             <a:fld id="{89AFD366-9D87-47C8-9C04-02D6655FA638}" type="datetimeFigureOut">
               <a:rPr lang="nl-NL" smtClean="0"/>
-              <a:t>7-11-2023</a:t>
+              <a:t>14-11-2023</a:t>
             </a:fld>
             <a:endParaRPr lang="nl-NL"/>
           </a:p>
@@ -7494,7 +7638,7 @@
         </p:spPr>
         <p:txBody>
           <a:bodyPr vert="horz" lIns="91440" tIns="45720" rIns="91440" bIns="45720" rtlCol="0" anchor="ctr">
-            <a:normAutofit fontScale="97500"/>
+            <a:normAutofit fontScale="82500" lnSpcReduction="20000"/>
           </a:bodyPr>
           <a:lstStyle>
             <a:lvl1pPr algn="l" defTabSz="914400" rtl="0" eaLnBrk="1" latinLnBrk="0" hangingPunct="1">
@@ -7519,7 +7663,21 @@
             <a:pPr algn="ctr"/>
             <a:r>
               <a:rPr lang="nl-NL" sz="9000" b="1" dirty="0"/>
-              <a:t>Roosterpunt</a:t>
+              <a:t>Scheurlijn</a:t>
+            </a:r>
+          </a:p>
+          <a:p>
+            <a:pPr algn="ctr"/>
+            <a:r>
+              <a:rPr lang="nl-NL" sz="9000" b="1" dirty="0"/>
+              <a:t>Zaagtand</a:t>
+            </a:r>
+          </a:p>
+          <a:p>
+            <a:pPr algn="ctr"/>
+            <a:r>
+              <a:rPr lang="nl-NL" sz="9000" b="1" dirty="0"/>
+              <a:t>Kreukellijn</a:t>
             </a:r>
           </a:p>
         </p:txBody>
@@ -7527,7 +7685,7 @@
     </p:spTree>
     <p:extLst>
       <p:ext uri="{BB962C8B-B14F-4D97-AF65-F5344CB8AC3E}">
-        <p14:creationId xmlns:p14="http://schemas.microsoft.com/office/powerpoint/2010/main" val="3133758886"/>
+        <p14:creationId xmlns:p14="http://schemas.microsoft.com/office/powerpoint/2010/main" val="1771517445"/>
       </p:ext>
     </p:extLst>
   </p:cSld>
@@ -7632,7 +7790,7 @@
             <a:pPr algn="ctr"/>
             <a:r>
               <a:rPr lang="nl-NL" sz="9000" b="1" dirty="0"/>
-              <a:t>Verticale as</a:t>
+              <a:t>x-coördinaat</a:t>
             </a:r>
           </a:p>
           <a:p>
@@ -7643,7 +7801,7 @@
             <a:pPr algn="ctr"/>
             <a:r>
               <a:rPr lang="nl-NL" sz="9000" b="1" dirty="0"/>
-              <a:t>y-as</a:t>
+              <a:t>y-coördinaat</a:t>
             </a:r>
           </a:p>
         </p:txBody>
@@ -7651,7 +7809,7 @@
     </p:spTree>
     <p:extLst>
       <p:ext uri="{BB962C8B-B14F-4D97-AF65-F5344CB8AC3E}">
-        <p14:creationId xmlns:p14="http://schemas.microsoft.com/office/powerpoint/2010/main" val="3448234150"/>
+        <p14:creationId xmlns:p14="http://schemas.microsoft.com/office/powerpoint/2010/main" val="2714562981"/>
       </p:ext>
     </p:extLst>
   </p:cSld>
@@ -7708,7 +7866,7 @@
           <a:p>
             <a:r>
               <a:rPr lang="nl-NL" dirty="0"/>
-              <a:t>Verticale as &amp; y-as</a:t>
+              <a:t>x-coördinaat &amp; y-coördinaat</a:t>
             </a:r>
           </a:p>
         </p:txBody>
@@ -7731,8 +7889,8 @@
         </p:nvSpPr>
         <p:spPr>
           <a:xfrm>
-            <a:off x="601851" y="1342364"/>
-            <a:ext cx="10988297" cy="2530747"/>
+            <a:off x="475282" y="1350113"/>
+            <a:ext cx="11241436" cy="2530747"/>
           </a:xfrm>
         </p:spPr>
         <p:txBody>
@@ -7743,7 +7901,7 @@
           <a:p>
             <a:r>
               <a:rPr lang="nl-NL" dirty="0"/>
-              <a:t>De verticale as is een </a:t>
+              <a:t>Een </a:t>
             </a:r>
             <a:r>
               <a:rPr lang="nl-NL" dirty="0">
@@ -7751,33 +7909,24 @@
                   <a:srgbClr val="7030A0"/>
                 </a:solidFill>
               </a:rPr>
-              <a:t>lijn</a:t>
+              <a:t>coördinaat</a:t>
             </a:r>
             <a:r>
               <a:rPr lang="nl-NL" dirty="0"/>
-              <a:t> die van boven naar beneden loopt. </a:t>
+              <a:t> heeft een x-coördinaat en een y-coördinaat.</a:t>
             </a:r>
           </a:p>
           <a:p>
             <a:r>
               <a:rPr lang="nl-NL" dirty="0"/>
-              <a:t>Deze as wordt vaak de y-as genoemd en is een belangrijk deel van het </a:t>
-            </a:r>
-            <a:r>
-              <a:rPr lang="nl-NL" dirty="0">
-                <a:solidFill>
-                  <a:srgbClr val="7030A0"/>
-                </a:solidFill>
-              </a:rPr>
-              <a:t>assenstelsel</a:t>
-            </a:r>
+              <a:t>Het eerste coördinaat geeft aan hoeveel je naar links of rechts gaat (x-coördinaat).</a:t>
+            </a:r>
+          </a:p>
+          <a:p>
             <a:r>
               <a:rPr lang="nl-NL" dirty="0"/>
-              <a:t>.</a:t>
-            </a:r>
-          </a:p>
-          <a:p>
-            <a:endParaRPr lang="nl-NL" dirty="0"/>
+              <a:t>Het tweede coördinaat geeft aan hoeveel je naar boven of beneden gaat (y-coördinaat).</a:t>
+            </a:r>
           </a:p>
           <a:p>
             <a:endParaRPr lang="nl-NL" dirty="0"/>
@@ -7793,7 +7942,7 @@
     </p:spTree>
     <p:extLst>
       <p:ext uri="{BB962C8B-B14F-4D97-AF65-F5344CB8AC3E}">
-        <p14:creationId xmlns:p14="http://schemas.microsoft.com/office/powerpoint/2010/main" val="2713223421"/>
+        <p14:creationId xmlns:p14="http://schemas.microsoft.com/office/powerpoint/2010/main" val="1665895302"/>
       </p:ext>
     </p:extLst>
   </p:cSld>
@@ -7850,7 +7999,7 @@
           <a:p>
             <a:r>
               <a:rPr lang="nl-NL" dirty="0"/>
-              <a:t>Voorbeeld Verticale as &amp; y-as</a:t>
+              <a:t>Voorbeeld x-coördinaat &amp; y-coördinaat</a:t>
             </a:r>
           </a:p>
         </p:txBody>
@@ -7947,1055 +8096,10 @@
       </p:sp>
       <p:pic>
         <p:nvPicPr>
-          <p:cNvPr id="8" name="Picture 10" descr="Coördinatenstelsel - Wikipedia">
-            <a:extLst>
-              <a:ext uri="{FF2B5EF4-FFF2-40B4-BE49-F238E27FC236}">
-                <a16:creationId xmlns:a16="http://schemas.microsoft.com/office/drawing/2014/main" id="{0C042713-F178-010D-DD61-7B48AD25ED06}"/>
-              </a:ext>
-            </a:extLst>
-          </p:cNvPr>
-          <p:cNvPicPr>
-            <a:picLocks noChangeAspect="1" noChangeArrowheads="1"/>
-          </p:cNvPicPr>
-          <p:nvPr/>
-        </p:nvPicPr>
-        <p:blipFill>
-          <a:blip r:embed="rId2">
-            <a:extLst>
-              <a:ext uri="{28A0092B-C50C-407E-A947-70E740481C1C}">
-                <a14:useLocalDpi xmlns:a14="http://schemas.microsoft.com/office/drawing/2010/main" val="0"/>
-              </a:ext>
-            </a:extLst>
-          </a:blip>
-          <a:srcRect/>
-          <a:stretch>
-            <a:fillRect/>
-          </a:stretch>
-        </p:blipFill>
-        <p:spPr bwMode="auto">
-          <a:xfrm>
-            <a:off x="3709160" y="1115237"/>
-            <a:ext cx="6080884" cy="5237125"/>
-          </a:xfrm>
-          <a:prstGeom prst="rect">
-            <a:avLst/>
-          </a:prstGeom>
-          <a:noFill/>
-          <a:extLst>
-            <a:ext uri="{909E8E84-426E-40DD-AFC4-6F175D3DCCD1}">
-              <a14:hiddenFill xmlns:a14="http://schemas.microsoft.com/office/drawing/2010/main">
-                <a:solidFill>
-                  <a:srgbClr val="FFFFFF"/>
-                </a:solidFill>
-              </a14:hiddenFill>
-            </a:ext>
-          </a:extLst>
-        </p:spPr>
-      </p:pic>
-      <p:sp>
-        <p:nvSpPr>
-          <p:cNvPr id="9" name="Tekstvak 8">
-            <a:extLst>
-              <a:ext uri="{FF2B5EF4-FFF2-40B4-BE49-F238E27FC236}">
-                <a16:creationId xmlns:a16="http://schemas.microsoft.com/office/drawing/2014/main" id="{F7F2A4CF-4747-72DF-2E4F-DCB0C8DDB181}"/>
-              </a:ext>
-            </a:extLst>
-          </p:cNvPr>
-          <p:cNvSpPr txBox="1"/>
-          <p:nvPr/>
-        </p:nvSpPr>
-        <p:spPr>
-          <a:xfrm>
-            <a:off x="5907157" y="3867815"/>
-            <a:ext cx="336952" cy="369332"/>
-          </a:xfrm>
-          <a:prstGeom prst="rect">
-            <a:avLst/>
-          </a:prstGeom>
-          <a:noFill/>
-        </p:spPr>
-        <p:txBody>
-          <a:bodyPr wrap="none" rtlCol="0">
-            <a:spAutoFit/>
-          </a:bodyPr>
-          <a:lstStyle/>
-          <a:p>
-            <a:r>
-              <a:rPr lang="nl-NL" dirty="0"/>
-              <a:t>O</a:t>
-            </a:r>
-          </a:p>
-        </p:txBody>
-      </p:sp>
-    </p:spTree>
-    <p:extLst>
-      <p:ext uri="{BB962C8B-B14F-4D97-AF65-F5344CB8AC3E}">
-        <p14:creationId xmlns:p14="http://schemas.microsoft.com/office/powerpoint/2010/main" val="3150894169"/>
-      </p:ext>
-    </p:extLst>
-  </p:cSld>
-  <p:clrMapOvr>
-    <a:masterClrMapping/>
-  </p:clrMapOvr>
-</p:sld>
-</file>
-
-<file path=ppt/slides/slide13.xml><?xml version="1.0" encoding="utf-8"?>
-<p:sld xmlns:a="http://schemas.openxmlformats.org/drawingml/2006/main" xmlns:r="http://schemas.openxmlformats.org/officeDocument/2006/relationships" xmlns:p="http://schemas.openxmlformats.org/presentationml/2006/main">
-  <p:cSld>
-    <p:spTree>
-      <p:nvGrpSpPr>
-        <p:cNvPr id="1" name=""/>
-        <p:cNvGrpSpPr/>
-        <p:nvPr/>
-      </p:nvGrpSpPr>
-      <p:grpSpPr>
-        <a:xfrm>
-          <a:off x="0" y="0"/>
-          <a:ext cx="0" cy="0"/>
-          <a:chOff x="0" y="0"/>
-          <a:chExt cx="0" cy="0"/>
-        </a:xfrm>
-      </p:grpSpPr>
-      <p:sp>
-        <p:nvSpPr>
-          <p:cNvPr id="2" name="Titel 1">
-            <a:extLst>
-              <a:ext uri="{FF2B5EF4-FFF2-40B4-BE49-F238E27FC236}">
-                <a16:creationId xmlns:a16="http://schemas.microsoft.com/office/drawing/2014/main" id="{73168B85-7905-DEBC-34BC-B73EB909DDCD}"/>
-              </a:ext>
-            </a:extLst>
-          </p:cNvPr>
-          <p:cNvSpPr>
-            <a:spLocks noGrp="1"/>
-          </p:cNvSpPr>
-          <p:nvPr>
-            <p:ph type="title"/>
-          </p:nvPr>
-        </p:nvSpPr>
-        <p:spPr/>
-        <p:txBody>
-          <a:bodyPr/>
-          <a:lstStyle/>
-          <a:p>
-            <a:r>
-              <a:rPr lang="nl-NL" dirty="0"/>
-              <a:t>Wiskunde Termen</a:t>
-            </a:r>
-          </a:p>
-        </p:txBody>
-      </p:sp>
-      <p:sp>
-        <p:nvSpPr>
-          <p:cNvPr id="4" name="Titel 1">
-            <a:extLst>
-              <a:ext uri="{FF2B5EF4-FFF2-40B4-BE49-F238E27FC236}">
-                <a16:creationId xmlns:a16="http://schemas.microsoft.com/office/drawing/2014/main" id="{61ED484A-E87E-7D07-D06C-3D405D336CC2}"/>
-              </a:ext>
-            </a:extLst>
-          </p:cNvPr>
-          <p:cNvSpPr txBox="1">
-            <a:spLocks/>
-          </p:cNvSpPr>
-          <p:nvPr/>
-        </p:nvSpPr>
-        <p:spPr>
-          <a:xfrm>
-            <a:off x="1524000" y="2105897"/>
-            <a:ext cx="9144000" cy="2646206"/>
-          </a:xfrm>
-          <a:prstGeom prst="rect">
-            <a:avLst/>
-          </a:prstGeom>
-        </p:spPr>
-        <p:txBody>
-          <a:bodyPr vert="horz" lIns="91440" tIns="45720" rIns="91440" bIns="45720" rtlCol="0" anchor="ctr">
-            <a:normAutofit fontScale="82500" lnSpcReduction="20000"/>
-          </a:bodyPr>
-          <a:lstStyle>
-            <a:lvl1pPr algn="l" defTabSz="914400" rtl="0" eaLnBrk="1" latinLnBrk="0" hangingPunct="1">
-              <a:lnSpc>
-                <a:spcPct val="90000"/>
-              </a:lnSpc>
-              <a:spcBef>
-                <a:spcPct val="0"/>
-              </a:spcBef>
-              <a:buNone/>
-              <a:defRPr sz="4400" kern="1200">
-                <a:solidFill>
-                  <a:schemeClr val="tx1"/>
-                </a:solidFill>
-                <a:latin typeface="+mj-lt"/>
-                <a:ea typeface="+mj-ea"/>
-                <a:cs typeface="+mj-cs"/>
-              </a:defRPr>
-            </a:lvl1pPr>
-          </a:lstStyle>
-          <a:p>
-            <a:pPr algn="ctr"/>
-            <a:r>
-              <a:rPr lang="nl-NL" sz="9000" b="1" dirty="0"/>
-              <a:t>Horizontale as</a:t>
-            </a:r>
-          </a:p>
-          <a:p>
-            <a:pPr algn="ctr"/>
-            <a:endParaRPr lang="nl-NL" sz="9000" b="1" dirty="0"/>
-          </a:p>
-          <a:p>
-            <a:pPr algn="ctr"/>
-            <a:r>
-              <a:rPr lang="nl-NL" sz="9000" b="1" dirty="0"/>
-              <a:t>x-as</a:t>
-            </a:r>
-          </a:p>
-        </p:txBody>
-      </p:sp>
-    </p:spTree>
-    <p:extLst>
-      <p:ext uri="{BB962C8B-B14F-4D97-AF65-F5344CB8AC3E}">
-        <p14:creationId xmlns:p14="http://schemas.microsoft.com/office/powerpoint/2010/main" val="3311186606"/>
-      </p:ext>
-    </p:extLst>
-  </p:cSld>
-  <p:clrMapOvr>
-    <a:masterClrMapping/>
-  </p:clrMapOvr>
-</p:sld>
-</file>
-
-<file path=ppt/slides/slide14.xml><?xml version="1.0" encoding="utf-8"?>
-<p:sld xmlns:a="http://schemas.openxmlformats.org/drawingml/2006/main" xmlns:r="http://schemas.openxmlformats.org/officeDocument/2006/relationships" xmlns:p="http://schemas.openxmlformats.org/presentationml/2006/main">
-  <p:cSld>
-    <p:spTree>
-      <p:nvGrpSpPr>
-        <p:cNvPr id="1" name=""/>
-        <p:cNvGrpSpPr/>
-        <p:nvPr/>
-      </p:nvGrpSpPr>
-      <p:grpSpPr>
-        <a:xfrm>
-          <a:off x="0" y="0"/>
-          <a:ext cx="0" cy="0"/>
-          <a:chOff x="0" y="0"/>
-          <a:chExt cx="0" cy="0"/>
-        </a:xfrm>
-      </p:grpSpPr>
-      <p:sp>
-        <p:nvSpPr>
-          <p:cNvPr id="2" name="Titel 1">
-            <a:extLst>
-              <a:ext uri="{FF2B5EF4-FFF2-40B4-BE49-F238E27FC236}">
-                <a16:creationId xmlns:a16="http://schemas.microsoft.com/office/drawing/2014/main" id="{C2F5861A-BCDE-D2A4-C355-05C8119ED351}"/>
-              </a:ext>
-            </a:extLst>
-          </p:cNvPr>
-          <p:cNvSpPr>
-            <a:spLocks noGrp="1"/>
-          </p:cNvSpPr>
-          <p:nvPr>
-            <p:ph type="ctrTitle"/>
-          </p:nvPr>
-        </p:nvSpPr>
-        <p:spPr>
-          <a:xfrm>
-            <a:off x="1524000" y="236482"/>
-            <a:ext cx="9144000" cy="892887"/>
-          </a:xfrm>
-        </p:spPr>
-        <p:txBody>
-          <a:bodyPr>
-            <a:normAutofit fontScale="90000"/>
-          </a:bodyPr>
-          <a:lstStyle/>
-          <a:p>
-            <a:r>
-              <a:rPr lang="nl-NL" dirty="0"/>
-              <a:t>Horizontale as &amp; x-as</a:t>
-            </a:r>
-          </a:p>
-        </p:txBody>
-      </p:sp>
-      <p:sp>
-        <p:nvSpPr>
-          <p:cNvPr id="3" name="Ondertitel 2">
-            <a:extLst>
-              <a:ext uri="{FF2B5EF4-FFF2-40B4-BE49-F238E27FC236}">
-                <a16:creationId xmlns:a16="http://schemas.microsoft.com/office/drawing/2014/main" id="{7988AA68-FB88-7C7C-5E47-2AE86A2EFD72}"/>
-              </a:ext>
-            </a:extLst>
-          </p:cNvPr>
-          <p:cNvSpPr>
-            <a:spLocks noGrp="1"/>
-          </p:cNvSpPr>
-          <p:nvPr>
-            <p:ph type="subTitle" idx="1"/>
-          </p:nvPr>
-        </p:nvSpPr>
-        <p:spPr>
-          <a:xfrm>
-            <a:off x="601851" y="1342364"/>
-            <a:ext cx="10988297" cy="2530747"/>
-          </a:xfrm>
-        </p:spPr>
-        <p:txBody>
-          <a:bodyPr>
-            <a:normAutofit/>
-          </a:bodyPr>
-          <a:lstStyle/>
-          <a:p>
-            <a:r>
-              <a:rPr lang="nl-NL" dirty="0"/>
-              <a:t>De horizontale as is een </a:t>
-            </a:r>
-            <a:r>
-              <a:rPr lang="nl-NL" dirty="0">
-                <a:solidFill>
-                  <a:srgbClr val="7030A0"/>
-                </a:solidFill>
-              </a:rPr>
-              <a:t>lijn</a:t>
-            </a:r>
-            <a:r>
-              <a:rPr lang="nl-NL" dirty="0"/>
-              <a:t> die van links naar rechts loopt. </a:t>
-            </a:r>
-          </a:p>
-          <a:p>
-            <a:r>
-              <a:rPr lang="nl-NL" dirty="0"/>
-              <a:t>Deze as wordt vaak de x-as genoemd en is een belangrijk deel van het </a:t>
-            </a:r>
-            <a:r>
-              <a:rPr lang="nl-NL" dirty="0">
-                <a:solidFill>
-                  <a:srgbClr val="7030A0"/>
-                </a:solidFill>
-              </a:rPr>
-              <a:t>assenstelsel</a:t>
-            </a:r>
-            <a:r>
-              <a:rPr lang="nl-NL" dirty="0"/>
-              <a:t>.</a:t>
-            </a:r>
-          </a:p>
-          <a:p>
-            <a:endParaRPr lang="nl-NL" dirty="0"/>
-          </a:p>
-          <a:p>
-            <a:endParaRPr lang="nl-NL" dirty="0"/>
-          </a:p>
-          <a:p>
-            <a:endParaRPr lang="nl-NL" dirty="0"/>
-          </a:p>
-          <a:p>
-            <a:endParaRPr lang="nl-NL" dirty="0"/>
-          </a:p>
-        </p:txBody>
-      </p:sp>
-    </p:spTree>
-    <p:extLst>
-      <p:ext uri="{BB962C8B-B14F-4D97-AF65-F5344CB8AC3E}">
-        <p14:creationId xmlns:p14="http://schemas.microsoft.com/office/powerpoint/2010/main" val="2035080957"/>
-      </p:ext>
-    </p:extLst>
-  </p:cSld>
-  <p:clrMapOvr>
-    <a:masterClrMapping/>
-  </p:clrMapOvr>
-</p:sld>
-</file>
-
-<file path=ppt/slides/slide15.xml><?xml version="1.0" encoding="utf-8"?>
-<p:sld xmlns:a="http://schemas.openxmlformats.org/drawingml/2006/main" xmlns:r="http://schemas.openxmlformats.org/officeDocument/2006/relationships" xmlns:p="http://schemas.openxmlformats.org/presentationml/2006/main">
-  <p:cSld>
-    <p:spTree>
-      <p:nvGrpSpPr>
-        <p:cNvPr id="1" name=""/>
-        <p:cNvGrpSpPr/>
-        <p:nvPr/>
-      </p:nvGrpSpPr>
-      <p:grpSpPr>
-        <a:xfrm>
-          <a:off x="0" y="0"/>
-          <a:ext cx="0" cy="0"/>
-          <a:chOff x="0" y="0"/>
-          <a:chExt cx="0" cy="0"/>
-        </a:xfrm>
-      </p:grpSpPr>
-      <p:sp>
-        <p:nvSpPr>
-          <p:cNvPr id="2" name="Titel 1">
-            <a:extLst>
-              <a:ext uri="{FF2B5EF4-FFF2-40B4-BE49-F238E27FC236}">
-                <a16:creationId xmlns:a16="http://schemas.microsoft.com/office/drawing/2014/main" id="{C2F5861A-BCDE-D2A4-C355-05C8119ED351}"/>
-              </a:ext>
-            </a:extLst>
-          </p:cNvPr>
-          <p:cNvSpPr>
-            <a:spLocks noGrp="1"/>
-          </p:cNvSpPr>
-          <p:nvPr>
-            <p:ph type="ctrTitle"/>
-          </p:nvPr>
-        </p:nvSpPr>
-        <p:spPr>
-          <a:xfrm>
-            <a:off x="431533" y="258609"/>
-            <a:ext cx="11328934" cy="892887"/>
-          </a:xfrm>
-        </p:spPr>
-        <p:txBody>
-          <a:bodyPr>
-            <a:normAutofit fontScale="90000"/>
-          </a:bodyPr>
-          <a:lstStyle/>
-          <a:p>
-            <a:r>
-              <a:rPr lang="nl-NL" dirty="0"/>
-              <a:t>Voorbeeld Horizontale as &amp; x-as</a:t>
-            </a:r>
-          </a:p>
-        </p:txBody>
-      </p:sp>
-      <p:sp>
-        <p:nvSpPr>
-          <p:cNvPr id="3" name="AutoShape 2" descr="Ruimtelijke figuren">
-            <a:extLst>
-              <a:ext uri="{FF2B5EF4-FFF2-40B4-BE49-F238E27FC236}">
-                <a16:creationId xmlns:a16="http://schemas.microsoft.com/office/drawing/2014/main" id="{35816B3A-C1C1-A387-7798-2FFF4CAA28A9}"/>
-              </a:ext>
-            </a:extLst>
-          </p:cNvPr>
-          <p:cNvSpPr>
-            <a:spLocks noChangeAspect="1" noChangeArrowheads="1"/>
-          </p:cNvSpPr>
-          <p:nvPr/>
-        </p:nvSpPr>
-        <p:spPr bwMode="auto">
-          <a:xfrm>
-            <a:off x="5943600" y="3276600"/>
-            <a:ext cx="304800" cy="304800"/>
-          </a:xfrm>
-          <a:prstGeom prst="rect">
-            <a:avLst/>
-          </a:prstGeom>
-          <a:noFill/>
-          <a:extLst>
-            <a:ext uri="{909E8E84-426E-40DD-AFC4-6F175D3DCCD1}">
-              <a14:hiddenFill xmlns:a14="http://schemas.microsoft.com/office/drawing/2010/main">
-                <a:solidFill>
-                  <a:srgbClr val="FFFFFF"/>
-                </a:solidFill>
-              </a14:hiddenFill>
-            </a:ext>
-          </a:extLst>
-        </p:spPr>
-        <p:txBody>
-          <a:bodyPr vert="horz" wrap="square" lIns="91440" tIns="45720" rIns="91440" bIns="45720" numCol="1" anchor="t" anchorCtr="0" compatLnSpc="1">
-            <a:prstTxWarp prst="textNoShape">
-              <a:avLst/>
-            </a:prstTxWarp>
-          </a:bodyPr>
-          <a:lstStyle/>
-          <a:p>
-            <a:endParaRPr lang="nl-NL"/>
-          </a:p>
-        </p:txBody>
-      </p:sp>
-      <p:sp>
-        <p:nvSpPr>
-          <p:cNvPr id="4" name="AutoShape 4" descr="Ruimtelijke figuren">
-            <a:extLst>
-              <a:ext uri="{FF2B5EF4-FFF2-40B4-BE49-F238E27FC236}">
-                <a16:creationId xmlns:a16="http://schemas.microsoft.com/office/drawing/2014/main" id="{B82310C2-292E-F815-60F6-3FFD0672F290}"/>
-              </a:ext>
-            </a:extLst>
-          </p:cNvPr>
-          <p:cNvSpPr>
-            <a:spLocks noChangeAspect="1" noChangeArrowheads="1"/>
-          </p:cNvSpPr>
-          <p:nvPr/>
-        </p:nvSpPr>
-        <p:spPr bwMode="auto">
-          <a:xfrm>
-            <a:off x="6096000" y="3429000"/>
-            <a:ext cx="304800" cy="304800"/>
-          </a:xfrm>
-          <a:prstGeom prst="rect">
-            <a:avLst/>
-          </a:prstGeom>
-          <a:noFill/>
-          <a:extLst>
-            <a:ext uri="{909E8E84-426E-40DD-AFC4-6F175D3DCCD1}">
-              <a14:hiddenFill xmlns:a14="http://schemas.microsoft.com/office/drawing/2010/main">
-                <a:solidFill>
-                  <a:srgbClr val="FFFFFF"/>
-                </a:solidFill>
-              </a14:hiddenFill>
-            </a:ext>
-          </a:extLst>
-        </p:spPr>
-        <p:txBody>
-          <a:bodyPr vert="horz" wrap="square" lIns="91440" tIns="45720" rIns="91440" bIns="45720" numCol="1" anchor="t" anchorCtr="0" compatLnSpc="1">
-            <a:prstTxWarp prst="textNoShape">
-              <a:avLst/>
-            </a:prstTxWarp>
-          </a:bodyPr>
-          <a:lstStyle/>
-          <a:p>
-            <a:endParaRPr lang="nl-NL"/>
-          </a:p>
-        </p:txBody>
-      </p:sp>
-      <p:pic>
-        <p:nvPicPr>
-          <p:cNvPr id="8" name="Picture 10" descr="Coördinatenstelsel - Wikipedia">
-            <a:extLst>
-              <a:ext uri="{FF2B5EF4-FFF2-40B4-BE49-F238E27FC236}">
-                <a16:creationId xmlns:a16="http://schemas.microsoft.com/office/drawing/2014/main" id="{0C042713-F178-010D-DD61-7B48AD25ED06}"/>
-              </a:ext>
-            </a:extLst>
-          </p:cNvPr>
-          <p:cNvPicPr>
-            <a:picLocks noChangeAspect="1" noChangeArrowheads="1"/>
-          </p:cNvPicPr>
-          <p:nvPr/>
-        </p:nvPicPr>
-        <p:blipFill>
-          <a:blip r:embed="rId2">
-            <a:extLst>
-              <a:ext uri="{28A0092B-C50C-407E-A947-70E740481C1C}">
-                <a14:useLocalDpi xmlns:a14="http://schemas.microsoft.com/office/drawing/2010/main" val="0"/>
-              </a:ext>
-            </a:extLst>
-          </a:blip>
-          <a:srcRect/>
-          <a:stretch>
-            <a:fillRect/>
-          </a:stretch>
-        </p:blipFill>
-        <p:spPr bwMode="auto">
-          <a:xfrm>
-            <a:off x="3709160" y="1115237"/>
-            <a:ext cx="6080884" cy="5237125"/>
-          </a:xfrm>
-          <a:prstGeom prst="rect">
-            <a:avLst/>
-          </a:prstGeom>
-          <a:noFill/>
-          <a:extLst>
-            <a:ext uri="{909E8E84-426E-40DD-AFC4-6F175D3DCCD1}">
-              <a14:hiddenFill xmlns:a14="http://schemas.microsoft.com/office/drawing/2010/main">
-                <a:solidFill>
-                  <a:srgbClr val="FFFFFF"/>
-                </a:solidFill>
-              </a14:hiddenFill>
-            </a:ext>
-          </a:extLst>
-        </p:spPr>
-      </p:pic>
-      <p:sp>
-        <p:nvSpPr>
-          <p:cNvPr id="9" name="Tekstvak 8">
-            <a:extLst>
-              <a:ext uri="{FF2B5EF4-FFF2-40B4-BE49-F238E27FC236}">
-                <a16:creationId xmlns:a16="http://schemas.microsoft.com/office/drawing/2014/main" id="{F7F2A4CF-4747-72DF-2E4F-DCB0C8DDB181}"/>
-              </a:ext>
-            </a:extLst>
-          </p:cNvPr>
-          <p:cNvSpPr txBox="1"/>
-          <p:nvPr/>
-        </p:nvSpPr>
-        <p:spPr>
-          <a:xfrm>
-            <a:off x="5907157" y="3867815"/>
-            <a:ext cx="336952" cy="369332"/>
-          </a:xfrm>
-          <a:prstGeom prst="rect">
-            <a:avLst/>
-          </a:prstGeom>
-          <a:noFill/>
-        </p:spPr>
-        <p:txBody>
-          <a:bodyPr wrap="none" rtlCol="0">
-            <a:spAutoFit/>
-          </a:bodyPr>
-          <a:lstStyle/>
-          <a:p>
-            <a:r>
-              <a:rPr lang="nl-NL" dirty="0"/>
-              <a:t>O</a:t>
-            </a:r>
-          </a:p>
-        </p:txBody>
-      </p:sp>
-    </p:spTree>
-    <p:extLst>
-      <p:ext uri="{BB962C8B-B14F-4D97-AF65-F5344CB8AC3E}">
-        <p14:creationId xmlns:p14="http://schemas.microsoft.com/office/powerpoint/2010/main" val="2283966496"/>
-      </p:ext>
-    </p:extLst>
-  </p:cSld>
-  <p:clrMapOvr>
-    <a:masterClrMapping/>
-  </p:clrMapOvr>
-</p:sld>
-</file>
-
-<file path=ppt/slides/slide16.xml><?xml version="1.0" encoding="utf-8"?>
-<p:sld xmlns:a="http://schemas.openxmlformats.org/drawingml/2006/main" xmlns:r="http://schemas.openxmlformats.org/officeDocument/2006/relationships" xmlns:p="http://schemas.openxmlformats.org/presentationml/2006/main">
-  <p:cSld>
-    <p:spTree>
-      <p:nvGrpSpPr>
-        <p:cNvPr id="1" name=""/>
-        <p:cNvGrpSpPr/>
-        <p:nvPr/>
-      </p:nvGrpSpPr>
-      <p:grpSpPr>
-        <a:xfrm>
-          <a:off x="0" y="0"/>
-          <a:ext cx="0" cy="0"/>
-          <a:chOff x="0" y="0"/>
-          <a:chExt cx="0" cy="0"/>
-        </a:xfrm>
-      </p:grpSpPr>
-      <p:sp>
-        <p:nvSpPr>
-          <p:cNvPr id="2" name="Titel 1">
-            <a:extLst>
-              <a:ext uri="{FF2B5EF4-FFF2-40B4-BE49-F238E27FC236}">
-                <a16:creationId xmlns:a16="http://schemas.microsoft.com/office/drawing/2014/main" id="{73168B85-7905-DEBC-34BC-B73EB909DDCD}"/>
-              </a:ext>
-            </a:extLst>
-          </p:cNvPr>
-          <p:cNvSpPr>
-            <a:spLocks noGrp="1"/>
-          </p:cNvSpPr>
-          <p:nvPr>
-            <p:ph type="title"/>
-          </p:nvPr>
-        </p:nvSpPr>
-        <p:spPr/>
-        <p:txBody>
-          <a:bodyPr/>
-          <a:lstStyle/>
-          <a:p>
-            <a:r>
-              <a:rPr lang="nl-NL" dirty="0"/>
-              <a:t>Wiskunde Termen</a:t>
-            </a:r>
-          </a:p>
-        </p:txBody>
-      </p:sp>
-      <p:sp>
-        <p:nvSpPr>
-          <p:cNvPr id="4" name="Titel 1">
-            <a:extLst>
-              <a:ext uri="{FF2B5EF4-FFF2-40B4-BE49-F238E27FC236}">
-                <a16:creationId xmlns:a16="http://schemas.microsoft.com/office/drawing/2014/main" id="{61ED484A-E87E-7D07-D06C-3D405D336CC2}"/>
-              </a:ext>
-            </a:extLst>
-          </p:cNvPr>
-          <p:cNvSpPr txBox="1">
-            <a:spLocks/>
-          </p:cNvSpPr>
-          <p:nvPr/>
-        </p:nvSpPr>
-        <p:spPr>
-          <a:xfrm>
-            <a:off x="1524000" y="2105897"/>
-            <a:ext cx="9144000" cy="2646206"/>
-          </a:xfrm>
-          <a:prstGeom prst="rect">
-            <a:avLst/>
-          </a:prstGeom>
-        </p:spPr>
-        <p:txBody>
-          <a:bodyPr vert="horz" lIns="91440" tIns="45720" rIns="91440" bIns="45720" rtlCol="0" anchor="ctr">
-            <a:normAutofit fontScale="97500"/>
-          </a:bodyPr>
-          <a:lstStyle>
-            <a:lvl1pPr algn="l" defTabSz="914400" rtl="0" eaLnBrk="1" latinLnBrk="0" hangingPunct="1">
-              <a:lnSpc>
-                <a:spcPct val="90000"/>
-              </a:lnSpc>
-              <a:spcBef>
-                <a:spcPct val="0"/>
-              </a:spcBef>
-              <a:buNone/>
-              <a:defRPr sz="4400" kern="1200">
-                <a:solidFill>
-                  <a:schemeClr val="tx1"/>
-                </a:solidFill>
-                <a:latin typeface="+mj-lt"/>
-                <a:ea typeface="+mj-ea"/>
-                <a:cs typeface="+mj-cs"/>
-              </a:defRPr>
-            </a:lvl1pPr>
-          </a:lstStyle>
-          <a:p>
-            <a:pPr algn="ctr"/>
-            <a:r>
-              <a:rPr lang="nl-NL" sz="9000" b="1" dirty="0"/>
-              <a:t>Coördinaten</a:t>
-            </a:r>
-          </a:p>
-        </p:txBody>
-      </p:sp>
-    </p:spTree>
-    <p:extLst>
-      <p:ext uri="{BB962C8B-B14F-4D97-AF65-F5344CB8AC3E}">
-        <p14:creationId xmlns:p14="http://schemas.microsoft.com/office/powerpoint/2010/main" val="3503657720"/>
-      </p:ext>
-    </p:extLst>
-  </p:cSld>
-  <p:clrMapOvr>
-    <a:masterClrMapping/>
-  </p:clrMapOvr>
-</p:sld>
-</file>
-
-<file path=ppt/slides/slide17.xml><?xml version="1.0" encoding="utf-8"?>
-<p:sld xmlns:a="http://schemas.openxmlformats.org/drawingml/2006/main" xmlns:r="http://schemas.openxmlformats.org/officeDocument/2006/relationships" xmlns:p="http://schemas.openxmlformats.org/presentationml/2006/main">
-  <p:cSld>
-    <p:spTree>
-      <p:nvGrpSpPr>
-        <p:cNvPr id="1" name=""/>
-        <p:cNvGrpSpPr/>
-        <p:nvPr/>
-      </p:nvGrpSpPr>
-      <p:grpSpPr>
-        <a:xfrm>
-          <a:off x="0" y="0"/>
-          <a:ext cx="0" cy="0"/>
-          <a:chOff x="0" y="0"/>
-          <a:chExt cx="0" cy="0"/>
-        </a:xfrm>
-      </p:grpSpPr>
-      <p:sp>
-        <p:nvSpPr>
-          <p:cNvPr id="2" name="Titel 1">
-            <a:extLst>
-              <a:ext uri="{FF2B5EF4-FFF2-40B4-BE49-F238E27FC236}">
-                <a16:creationId xmlns:a16="http://schemas.microsoft.com/office/drawing/2014/main" id="{C2F5861A-BCDE-D2A4-C355-05C8119ED351}"/>
-              </a:ext>
-            </a:extLst>
-          </p:cNvPr>
-          <p:cNvSpPr>
-            <a:spLocks noGrp="1"/>
-          </p:cNvSpPr>
-          <p:nvPr>
-            <p:ph type="ctrTitle"/>
-          </p:nvPr>
-        </p:nvSpPr>
-        <p:spPr>
-          <a:xfrm>
-            <a:off x="1524000" y="236482"/>
-            <a:ext cx="9144000" cy="892887"/>
-          </a:xfrm>
-        </p:spPr>
-        <p:txBody>
-          <a:bodyPr>
-            <a:normAutofit fontScale="90000"/>
-          </a:bodyPr>
-          <a:lstStyle/>
-          <a:p>
-            <a:r>
-              <a:rPr lang="nl-NL" dirty="0"/>
-              <a:t>Coördinaten</a:t>
-            </a:r>
-          </a:p>
-        </p:txBody>
-      </p:sp>
-      <p:sp>
-        <p:nvSpPr>
-          <p:cNvPr id="3" name="Ondertitel 2">
-            <a:extLst>
-              <a:ext uri="{FF2B5EF4-FFF2-40B4-BE49-F238E27FC236}">
-                <a16:creationId xmlns:a16="http://schemas.microsoft.com/office/drawing/2014/main" id="{7988AA68-FB88-7C7C-5E47-2AE86A2EFD72}"/>
-              </a:ext>
-            </a:extLst>
-          </p:cNvPr>
-          <p:cNvSpPr>
-            <a:spLocks noGrp="1"/>
-          </p:cNvSpPr>
-          <p:nvPr>
-            <p:ph type="subTitle" idx="1"/>
-          </p:nvPr>
-        </p:nvSpPr>
-        <p:spPr>
-          <a:xfrm>
-            <a:off x="601851" y="1342364"/>
-            <a:ext cx="10988297" cy="2530747"/>
-          </a:xfrm>
-        </p:spPr>
-        <p:txBody>
-          <a:bodyPr>
-            <a:normAutofit lnSpcReduction="10000"/>
-          </a:bodyPr>
-          <a:lstStyle/>
-          <a:p>
-            <a:r>
-              <a:rPr lang="nl-NL" dirty="0"/>
-              <a:t>Coördinaten geven de plaats aan van een </a:t>
-            </a:r>
-            <a:r>
-              <a:rPr lang="nl-NL" dirty="0">
-                <a:solidFill>
-                  <a:srgbClr val="7030A0"/>
-                </a:solidFill>
-              </a:rPr>
-              <a:t>punt</a:t>
-            </a:r>
-            <a:r>
-              <a:rPr lang="nl-NL" dirty="0"/>
-              <a:t> in bijvoorbeeld een </a:t>
-            </a:r>
-            <a:r>
-              <a:rPr lang="nl-NL" dirty="0">
-                <a:solidFill>
-                  <a:srgbClr val="7030A0"/>
-                </a:solidFill>
-              </a:rPr>
-              <a:t>assenstelsel</a:t>
-            </a:r>
-            <a:r>
-              <a:rPr lang="nl-NL" dirty="0"/>
-              <a:t>.</a:t>
-            </a:r>
-          </a:p>
-          <a:p>
-            <a:r>
-              <a:rPr lang="nl-NL" dirty="0"/>
-              <a:t>Deze coördinaten bestaan uit een </a:t>
-            </a:r>
-            <a:r>
-              <a:rPr lang="nl-NL" dirty="0">
-                <a:solidFill>
-                  <a:srgbClr val="7030A0"/>
-                </a:solidFill>
-              </a:rPr>
-              <a:t>x-coördinaat</a:t>
-            </a:r>
-            <a:r>
-              <a:rPr lang="nl-NL" dirty="0"/>
-              <a:t> en </a:t>
-            </a:r>
-            <a:r>
-              <a:rPr lang="nl-NL" dirty="0">
-                <a:solidFill>
-                  <a:srgbClr val="7030A0"/>
-                </a:solidFill>
-              </a:rPr>
-              <a:t>y-coördinaat.</a:t>
-            </a:r>
-          </a:p>
-          <a:p>
-            <a:r>
-              <a:rPr lang="nl-NL" dirty="0"/>
-              <a:t>Coördinaten worden tussen haakjes geschreven en met behulp van een komma van elkaar gescheiden.</a:t>
-            </a:r>
-          </a:p>
-          <a:p>
-            <a:r>
-              <a:rPr lang="nl-NL" dirty="0"/>
-              <a:t>Deze komma wordt een puntkomma bij </a:t>
-            </a:r>
-            <a:r>
-              <a:rPr lang="nl-NL" dirty="0">
-                <a:solidFill>
-                  <a:srgbClr val="7030A0"/>
-                </a:solidFill>
-              </a:rPr>
-              <a:t>decimale getallen</a:t>
-            </a:r>
-            <a:r>
-              <a:rPr lang="nl-NL" dirty="0"/>
-              <a:t>.</a:t>
-            </a:r>
-          </a:p>
-          <a:p>
-            <a:r>
-              <a:rPr lang="nl-NL" dirty="0"/>
-              <a:t>Coördinaten worden ook gebruikt om de locatie aan de geven op de aardbol.</a:t>
-            </a:r>
-          </a:p>
-          <a:p>
-            <a:endParaRPr lang="nl-NL" dirty="0"/>
-          </a:p>
-          <a:p>
-            <a:endParaRPr lang="nl-NL" dirty="0"/>
-          </a:p>
-          <a:p>
-            <a:endParaRPr lang="nl-NL" dirty="0"/>
-          </a:p>
-          <a:p>
-            <a:endParaRPr lang="nl-NL" dirty="0"/>
-          </a:p>
-        </p:txBody>
-      </p:sp>
-    </p:spTree>
-    <p:extLst>
-      <p:ext uri="{BB962C8B-B14F-4D97-AF65-F5344CB8AC3E}">
-        <p14:creationId xmlns:p14="http://schemas.microsoft.com/office/powerpoint/2010/main" val="1057477903"/>
-      </p:ext>
-    </p:extLst>
-  </p:cSld>
-  <p:clrMapOvr>
-    <a:masterClrMapping/>
-  </p:clrMapOvr>
-</p:sld>
-</file>
-
-<file path=ppt/slides/slide18.xml><?xml version="1.0" encoding="utf-8"?>
-<p:sld xmlns:a="http://schemas.openxmlformats.org/drawingml/2006/main" xmlns:r="http://schemas.openxmlformats.org/officeDocument/2006/relationships" xmlns:p="http://schemas.openxmlformats.org/presentationml/2006/main">
-  <p:cSld>
-    <p:spTree>
-      <p:nvGrpSpPr>
-        <p:cNvPr id="1" name=""/>
-        <p:cNvGrpSpPr/>
-        <p:nvPr/>
-      </p:nvGrpSpPr>
-      <p:grpSpPr>
-        <a:xfrm>
-          <a:off x="0" y="0"/>
-          <a:ext cx="0" cy="0"/>
-          <a:chOff x="0" y="0"/>
-          <a:chExt cx="0" cy="0"/>
-        </a:xfrm>
-      </p:grpSpPr>
-      <p:sp>
-        <p:nvSpPr>
-          <p:cNvPr id="2" name="Titel 1">
-            <a:extLst>
-              <a:ext uri="{FF2B5EF4-FFF2-40B4-BE49-F238E27FC236}">
-                <a16:creationId xmlns:a16="http://schemas.microsoft.com/office/drawing/2014/main" id="{C2F5861A-BCDE-D2A4-C355-05C8119ED351}"/>
-              </a:ext>
-            </a:extLst>
-          </p:cNvPr>
-          <p:cNvSpPr>
-            <a:spLocks noGrp="1"/>
-          </p:cNvSpPr>
-          <p:nvPr>
-            <p:ph type="ctrTitle"/>
-          </p:nvPr>
-        </p:nvSpPr>
-        <p:spPr>
-          <a:xfrm>
-            <a:off x="431533" y="258609"/>
-            <a:ext cx="11328934" cy="892887"/>
-          </a:xfrm>
-        </p:spPr>
-        <p:txBody>
-          <a:bodyPr>
-            <a:normAutofit fontScale="90000"/>
-          </a:bodyPr>
-          <a:lstStyle/>
-          <a:p>
-            <a:r>
-              <a:rPr lang="nl-NL" dirty="0"/>
-              <a:t>Voorbeeld Coördinaten</a:t>
-            </a:r>
-          </a:p>
-        </p:txBody>
-      </p:sp>
-      <p:sp>
-        <p:nvSpPr>
-          <p:cNvPr id="3" name="AutoShape 2" descr="Ruimtelijke figuren">
-            <a:extLst>
-              <a:ext uri="{FF2B5EF4-FFF2-40B4-BE49-F238E27FC236}">
-                <a16:creationId xmlns:a16="http://schemas.microsoft.com/office/drawing/2014/main" id="{35816B3A-C1C1-A387-7798-2FFF4CAA28A9}"/>
-              </a:ext>
-            </a:extLst>
-          </p:cNvPr>
-          <p:cNvSpPr>
-            <a:spLocks noChangeAspect="1" noChangeArrowheads="1"/>
-          </p:cNvSpPr>
-          <p:nvPr/>
-        </p:nvSpPr>
-        <p:spPr bwMode="auto">
-          <a:xfrm>
-            <a:off x="5943600" y="3276600"/>
-            <a:ext cx="304800" cy="304800"/>
-          </a:xfrm>
-          <a:prstGeom prst="rect">
-            <a:avLst/>
-          </a:prstGeom>
-          <a:noFill/>
-          <a:extLst>
-            <a:ext uri="{909E8E84-426E-40DD-AFC4-6F175D3DCCD1}">
-              <a14:hiddenFill xmlns:a14="http://schemas.microsoft.com/office/drawing/2010/main">
-                <a:solidFill>
-                  <a:srgbClr val="FFFFFF"/>
-                </a:solidFill>
-              </a14:hiddenFill>
-            </a:ext>
-          </a:extLst>
-        </p:spPr>
-        <p:txBody>
-          <a:bodyPr vert="horz" wrap="square" lIns="91440" tIns="45720" rIns="91440" bIns="45720" numCol="1" anchor="t" anchorCtr="0" compatLnSpc="1">
-            <a:prstTxWarp prst="textNoShape">
-              <a:avLst/>
-            </a:prstTxWarp>
-          </a:bodyPr>
-          <a:lstStyle/>
-          <a:p>
-            <a:endParaRPr lang="nl-NL"/>
-          </a:p>
-        </p:txBody>
-      </p:sp>
-      <p:sp>
-        <p:nvSpPr>
-          <p:cNvPr id="4" name="AutoShape 4" descr="Ruimtelijke figuren">
-            <a:extLst>
-              <a:ext uri="{FF2B5EF4-FFF2-40B4-BE49-F238E27FC236}">
-                <a16:creationId xmlns:a16="http://schemas.microsoft.com/office/drawing/2014/main" id="{B82310C2-292E-F815-60F6-3FFD0672F290}"/>
-              </a:ext>
-            </a:extLst>
-          </p:cNvPr>
-          <p:cNvSpPr>
-            <a:spLocks noChangeAspect="1" noChangeArrowheads="1"/>
-          </p:cNvSpPr>
-          <p:nvPr/>
-        </p:nvSpPr>
-        <p:spPr bwMode="auto">
-          <a:xfrm>
-            <a:off x="6096000" y="3429000"/>
-            <a:ext cx="304800" cy="304800"/>
-          </a:xfrm>
-          <a:prstGeom prst="rect">
-            <a:avLst/>
-          </a:prstGeom>
-          <a:noFill/>
-          <a:extLst>
-            <a:ext uri="{909E8E84-426E-40DD-AFC4-6F175D3DCCD1}">
-              <a14:hiddenFill xmlns:a14="http://schemas.microsoft.com/office/drawing/2010/main">
-                <a:solidFill>
-                  <a:srgbClr val="FFFFFF"/>
-                </a:solidFill>
-              </a14:hiddenFill>
-            </a:ext>
-          </a:extLst>
-        </p:spPr>
-        <p:txBody>
-          <a:bodyPr vert="horz" wrap="square" lIns="91440" tIns="45720" rIns="91440" bIns="45720" numCol="1" anchor="t" anchorCtr="0" compatLnSpc="1">
-            <a:prstTxWarp prst="textNoShape">
-              <a:avLst/>
-            </a:prstTxWarp>
-          </a:bodyPr>
-          <a:lstStyle/>
-          <a:p>
-            <a:endParaRPr lang="nl-NL"/>
-          </a:p>
-        </p:txBody>
-      </p:sp>
-      <p:pic>
-        <p:nvPicPr>
-          <p:cNvPr id="3074" name="Picture 2" descr="Alles over GPS - wat is gps, cursussen, routes, geocaching etc.">
-            <a:extLst>
-              <a:ext uri="{FF2B5EF4-FFF2-40B4-BE49-F238E27FC236}">
-                <a16:creationId xmlns:a16="http://schemas.microsoft.com/office/drawing/2014/main" id="{BFC232E1-DE94-9174-075F-C637FE9F2016}"/>
+          <p:cNvPr id="7" name="Picture 2" descr="Alles over GPS - wat is gps, cursussen, routes, geocaching etc.">
+            <a:extLst>
+              <a:ext uri="{FF2B5EF4-FFF2-40B4-BE49-F238E27FC236}">
+                <a16:creationId xmlns:a16="http://schemas.microsoft.com/office/drawing/2014/main" id="{0F0DF19E-C775-767D-49BC-C8A3DCA16BFC}"/>
               </a:ext>
             </a:extLst>
           </p:cNvPr>
@@ -9037,2180 +8141,8 @@
           </a:extLst>
         </p:spPr>
       </p:pic>
-      <mc:AlternateContent xmlns:mc="http://schemas.openxmlformats.org/markup-compatibility/2006">
-        <mc:Choice xmlns:a14="http://schemas.microsoft.com/office/drawing/2010/main" Requires="a14">
-          <p:sp>
-            <p:nvSpPr>
-              <p:cNvPr id="7" name="Tekstvak 6">
-                <a:extLst>
-                  <a:ext uri="{FF2B5EF4-FFF2-40B4-BE49-F238E27FC236}">
-                    <a16:creationId xmlns:a16="http://schemas.microsoft.com/office/drawing/2014/main" id="{B9944D1C-BDAA-5D58-EBCE-0AB0434D7EB5}"/>
-                  </a:ext>
-                </a:extLst>
-              </p:cNvPr>
-              <p:cNvSpPr txBox="1"/>
-              <p:nvPr/>
-            </p:nvSpPr>
-            <p:spPr>
-              <a:xfrm>
-                <a:off x="7710407" y="1440404"/>
-                <a:ext cx="2440283" cy="1446550"/>
-              </a:xfrm>
-              <a:prstGeom prst="rect">
-                <a:avLst/>
-              </a:prstGeom>
-              <a:noFill/>
-            </p:spPr>
-            <p:txBody>
-              <a:bodyPr wrap="none" rtlCol="0">
-                <a:spAutoFit/>
-              </a:bodyPr>
-              <a:lstStyle/>
-              <a:p>
-                <a14:m>
-                  <m:oMathPara xmlns:m="http://schemas.openxmlformats.org/officeDocument/2006/math">
-                    <m:oMathParaPr>
-                      <m:jc m:val="centerGroup"/>
-                    </m:oMathParaPr>
-                    <m:oMath xmlns:m="http://schemas.openxmlformats.org/officeDocument/2006/math">
-                      <m:r>
-                        <a:rPr lang="nl-NL" sz="4400" i="1" dirty="0" smtClean="0">
-                          <a:latin typeface="Cambria Math" panose="02040503050406030204" pitchFamily="18" charset="0"/>
-                        </a:rPr>
-                        <m:t>𝐴</m:t>
-                      </m:r>
-                      <m:r>
-                        <a:rPr lang="nl-NL" sz="4400" i="1" dirty="0" smtClean="0">
-                          <a:latin typeface="Cambria Math" panose="02040503050406030204" pitchFamily="18" charset="0"/>
-                        </a:rPr>
-                        <m:t>(3,5;7)</m:t>
-                      </m:r>
-                    </m:oMath>
-                  </m:oMathPara>
-                </a14:m>
-                <a:endParaRPr lang="nl-NL" sz="4400" dirty="0"/>
-              </a:p>
-              <a:p>
-                <a14:m>
-                  <m:oMathPara xmlns:m="http://schemas.openxmlformats.org/officeDocument/2006/math">
-                    <m:oMathParaPr>
-                      <m:jc m:val="centerGroup"/>
-                    </m:oMathParaPr>
-                    <m:oMath xmlns:m="http://schemas.openxmlformats.org/officeDocument/2006/math">
-                      <m:r>
-                        <a:rPr lang="nl-NL" sz="4400" i="1" dirty="0" smtClean="0">
-                          <a:latin typeface="Cambria Math" panose="02040503050406030204" pitchFamily="18" charset="0"/>
-                        </a:rPr>
-                        <m:t>𝐵</m:t>
-                      </m:r>
-                      <m:r>
-                        <a:rPr lang="nl-NL" sz="4400" i="1" dirty="0" smtClean="0">
-                          <a:latin typeface="Cambria Math" panose="02040503050406030204" pitchFamily="18" charset="0"/>
-                        </a:rPr>
-                        <m:t>(5,9,1)</m:t>
-                      </m:r>
-                    </m:oMath>
-                  </m:oMathPara>
-                </a14:m>
-                <a:endParaRPr lang="nl-NL" sz="4400" dirty="0"/>
-              </a:p>
-            </p:txBody>
-          </p:sp>
-        </mc:Choice>
-        <mc:Fallback>
-          <p:sp>
-            <p:nvSpPr>
-              <p:cNvPr id="7" name="Tekstvak 6">
-                <a:extLst>
-                  <a:ext uri="{FF2B5EF4-FFF2-40B4-BE49-F238E27FC236}">
-                    <a16:creationId xmlns:a16="http://schemas.microsoft.com/office/drawing/2014/main" id="{B9944D1C-BDAA-5D58-EBCE-0AB0434D7EB5}"/>
-                  </a:ext>
-                </a:extLst>
-              </p:cNvPr>
-              <p:cNvSpPr txBox="1">
-                <a:spLocks noRot="1" noChangeAspect="1" noMove="1" noResize="1" noEditPoints="1" noAdjustHandles="1" noChangeArrowheads="1" noChangeShapeType="1" noTextEdit="1"/>
-              </p:cNvSpPr>
-              <p:nvPr/>
-            </p:nvSpPr>
-            <p:spPr>
-              <a:xfrm>
-                <a:off x="7710407" y="1440404"/>
-                <a:ext cx="2440283" cy="1446550"/>
-              </a:xfrm>
-              <a:prstGeom prst="rect">
-                <a:avLst/>
-              </a:prstGeom>
-              <a:blipFill>
-                <a:blip r:embed="rId3"/>
-                <a:stretch>
-                  <a:fillRect/>
-                </a:stretch>
-              </a:blipFill>
-            </p:spPr>
-            <p:txBody>
-              <a:bodyPr/>
-              <a:lstStyle/>
-              <a:p>
-                <a:r>
-                  <a:rPr lang="nl-NL">
-                    <a:noFill/>
-                  </a:rPr>
-                  <a:t> </a:t>
-                </a:r>
-              </a:p>
-            </p:txBody>
-          </p:sp>
-        </mc:Fallback>
-      </mc:AlternateContent>
-    </p:spTree>
-    <p:extLst>
-      <p:ext uri="{BB962C8B-B14F-4D97-AF65-F5344CB8AC3E}">
-        <p14:creationId xmlns:p14="http://schemas.microsoft.com/office/powerpoint/2010/main" val="1641875162"/>
-      </p:ext>
-    </p:extLst>
-  </p:cSld>
-  <p:clrMapOvr>
-    <a:masterClrMapping/>
-  </p:clrMapOvr>
-</p:sld>
-</file>
-
-<file path=ppt/slides/slide19.xml><?xml version="1.0" encoding="utf-8"?>
-<p:sld xmlns:a="http://schemas.openxmlformats.org/drawingml/2006/main" xmlns:r="http://schemas.openxmlformats.org/officeDocument/2006/relationships" xmlns:p="http://schemas.openxmlformats.org/presentationml/2006/main">
-  <p:cSld>
-    <p:spTree>
-      <p:nvGrpSpPr>
-        <p:cNvPr id="1" name=""/>
-        <p:cNvGrpSpPr/>
-        <p:nvPr/>
-      </p:nvGrpSpPr>
-      <p:grpSpPr>
-        <a:xfrm>
-          <a:off x="0" y="0"/>
-          <a:ext cx="0" cy="0"/>
-          <a:chOff x="0" y="0"/>
-          <a:chExt cx="0" cy="0"/>
-        </a:xfrm>
-      </p:grpSpPr>
-      <p:sp>
-        <p:nvSpPr>
-          <p:cNvPr id="2" name="Titel 1">
-            <a:extLst>
-              <a:ext uri="{FF2B5EF4-FFF2-40B4-BE49-F238E27FC236}">
-                <a16:creationId xmlns:a16="http://schemas.microsoft.com/office/drawing/2014/main" id="{73168B85-7905-DEBC-34BC-B73EB909DDCD}"/>
-              </a:ext>
-            </a:extLst>
-          </p:cNvPr>
-          <p:cNvSpPr>
-            <a:spLocks noGrp="1"/>
-          </p:cNvSpPr>
-          <p:nvPr>
-            <p:ph type="title"/>
-          </p:nvPr>
-        </p:nvSpPr>
-        <p:spPr/>
-        <p:txBody>
-          <a:bodyPr/>
-          <a:lstStyle/>
-          <a:p>
-            <a:r>
-              <a:rPr lang="nl-NL" dirty="0"/>
-              <a:t>Wiskunde Termen</a:t>
-            </a:r>
-          </a:p>
-        </p:txBody>
-      </p:sp>
-      <p:sp>
-        <p:nvSpPr>
-          <p:cNvPr id="4" name="Titel 1">
-            <a:extLst>
-              <a:ext uri="{FF2B5EF4-FFF2-40B4-BE49-F238E27FC236}">
-                <a16:creationId xmlns:a16="http://schemas.microsoft.com/office/drawing/2014/main" id="{61ED484A-E87E-7D07-D06C-3D405D336CC2}"/>
-              </a:ext>
-            </a:extLst>
-          </p:cNvPr>
-          <p:cNvSpPr txBox="1">
-            <a:spLocks/>
-          </p:cNvSpPr>
-          <p:nvPr/>
-        </p:nvSpPr>
-        <p:spPr>
-          <a:xfrm>
-            <a:off x="1524000" y="2105897"/>
-            <a:ext cx="9144000" cy="2646206"/>
-          </a:xfrm>
-          <a:prstGeom prst="rect">
-            <a:avLst/>
-          </a:prstGeom>
-        </p:spPr>
-        <p:txBody>
-          <a:bodyPr vert="horz" lIns="91440" tIns="45720" rIns="91440" bIns="45720" rtlCol="0" anchor="ctr">
-            <a:normAutofit fontScale="97500"/>
-          </a:bodyPr>
-          <a:lstStyle>
-            <a:lvl1pPr algn="l" defTabSz="914400" rtl="0" eaLnBrk="1" latinLnBrk="0" hangingPunct="1">
-              <a:lnSpc>
-                <a:spcPct val="90000"/>
-              </a:lnSpc>
-              <a:spcBef>
-                <a:spcPct val="0"/>
-              </a:spcBef>
-              <a:buNone/>
-              <a:defRPr sz="4400" kern="1200">
-                <a:solidFill>
-                  <a:schemeClr val="tx1"/>
-                </a:solidFill>
-                <a:latin typeface="+mj-lt"/>
-                <a:ea typeface="+mj-ea"/>
-                <a:cs typeface="+mj-cs"/>
-              </a:defRPr>
-            </a:lvl1pPr>
-          </a:lstStyle>
-          <a:p>
-            <a:pPr algn="ctr"/>
-            <a:r>
-              <a:rPr lang="nl-NL" sz="9000" b="1" dirty="0"/>
-              <a:t>Assenstelsel</a:t>
-            </a:r>
-          </a:p>
-        </p:txBody>
-      </p:sp>
-    </p:spTree>
-    <p:extLst>
-      <p:ext uri="{BB962C8B-B14F-4D97-AF65-F5344CB8AC3E}">
-        <p14:creationId xmlns:p14="http://schemas.microsoft.com/office/powerpoint/2010/main" val="1008998556"/>
-      </p:ext>
-    </p:extLst>
-  </p:cSld>
-  <p:clrMapOvr>
-    <a:masterClrMapping/>
-  </p:clrMapOvr>
-</p:sld>
-</file>
-
-<file path=ppt/slides/slide2.xml><?xml version="1.0" encoding="utf-8"?>
-<p:sld xmlns:a="http://schemas.openxmlformats.org/drawingml/2006/main" xmlns:r="http://schemas.openxmlformats.org/officeDocument/2006/relationships" xmlns:p="http://schemas.openxmlformats.org/presentationml/2006/main">
-  <p:cSld>
-    <p:spTree>
-      <p:nvGrpSpPr>
-        <p:cNvPr id="1" name=""/>
-        <p:cNvGrpSpPr/>
-        <p:nvPr/>
-      </p:nvGrpSpPr>
-      <p:grpSpPr>
-        <a:xfrm>
-          <a:off x="0" y="0"/>
-          <a:ext cx="0" cy="0"/>
-          <a:chOff x="0" y="0"/>
-          <a:chExt cx="0" cy="0"/>
-        </a:xfrm>
-      </p:grpSpPr>
-      <p:sp>
-        <p:nvSpPr>
-          <p:cNvPr id="2" name="Titel 1">
-            <a:extLst>
-              <a:ext uri="{FF2B5EF4-FFF2-40B4-BE49-F238E27FC236}">
-                <a16:creationId xmlns:a16="http://schemas.microsoft.com/office/drawing/2014/main" id="{C2F5861A-BCDE-D2A4-C355-05C8119ED351}"/>
-              </a:ext>
-            </a:extLst>
-          </p:cNvPr>
-          <p:cNvSpPr>
-            <a:spLocks noGrp="1"/>
-          </p:cNvSpPr>
-          <p:nvPr>
-            <p:ph type="ctrTitle"/>
-          </p:nvPr>
-        </p:nvSpPr>
-        <p:spPr>
-          <a:xfrm>
-            <a:off x="1524000" y="236482"/>
-            <a:ext cx="9144000" cy="892887"/>
-          </a:xfrm>
-        </p:spPr>
-        <p:txBody>
-          <a:bodyPr>
-            <a:normAutofit fontScale="90000"/>
-          </a:bodyPr>
-          <a:lstStyle/>
-          <a:p>
-            <a:r>
-              <a:rPr lang="nl-NL" dirty="0"/>
-              <a:t>Roosterpunt</a:t>
-            </a:r>
-          </a:p>
-        </p:txBody>
-      </p:sp>
-      <p:sp>
-        <p:nvSpPr>
-          <p:cNvPr id="3" name="Ondertitel 2">
-            <a:extLst>
-              <a:ext uri="{FF2B5EF4-FFF2-40B4-BE49-F238E27FC236}">
-                <a16:creationId xmlns:a16="http://schemas.microsoft.com/office/drawing/2014/main" id="{7988AA68-FB88-7C7C-5E47-2AE86A2EFD72}"/>
-              </a:ext>
-            </a:extLst>
-          </p:cNvPr>
-          <p:cNvSpPr>
-            <a:spLocks noGrp="1"/>
-          </p:cNvSpPr>
-          <p:nvPr>
-            <p:ph type="subTitle" idx="1"/>
-          </p:nvPr>
-        </p:nvSpPr>
-        <p:spPr>
-          <a:xfrm>
-            <a:off x="475282" y="1350113"/>
-            <a:ext cx="11241436" cy="2530747"/>
-          </a:xfrm>
-        </p:spPr>
-        <p:txBody>
-          <a:bodyPr>
-            <a:normAutofit/>
-          </a:bodyPr>
-          <a:lstStyle/>
-          <a:p>
-            <a:r>
-              <a:rPr lang="nl-NL" dirty="0"/>
-              <a:t>Een roosterpunt is een </a:t>
-            </a:r>
-            <a:r>
-              <a:rPr lang="nl-NL" dirty="0">
-                <a:solidFill>
-                  <a:srgbClr val="7030A0"/>
-                </a:solidFill>
-              </a:rPr>
-              <a:t>punt</a:t>
-            </a:r>
-            <a:r>
-              <a:rPr lang="nl-NL" dirty="0"/>
-              <a:t> waarvan de </a:t>
-            </a:r>
-            <a:r>
-              <a:rPr lang="nl-NL" dirty="0">
-                <a:solidFill>
-                  <a:srgbClr val="7030A0"/>
-                </a:solidFill>
-              </a:rPr>
-              <a:t>coördinaten</a:t>
-            </a:r>
-            <a:r>
-              <a:rPr lang="nl-NL" dirty="0"/>
-              <a:t> uit </a:t>
-            </a:r>
-            <a:r>
-              <a:rPr lang="nl-NL" dirty="0">
-                <a:solidFill>
-                  <a:srgbClr val="7030A0"/>
-                </a:solidFill>
-              </a:rPr>
-              <a:t>gehele getallen</a:t>
-            </a:r>
-            <a:r>
-              <a:rPr lang="nl-NL" dirty="0"/>
-              <a:t> bestaat.</a:t>
-            </a:r>
-          </a:p>
-          <a:p>
-            <a:endParaRPr lang="nl-NL" dirty="0"/>
-          </a:p>
-          <a:p>
-            <a:endParaRPr lang="nl-NL" dirty="0"/>
-          </a:p>
-          <a:p>
-            <a:endParaRPr lang="nl-NL" dirty="0"/>
-          </a:p>
-        </p:txBody>
-      </p:sp>
-    </p:spTree>
-    <p:extLst>
-      <p:ext uri="{BB962C8B-B14F-4D97-AF65-F5344CB8AC3E}">
-        <p14:creationId xmlns:p14="http://schemas.microsoft.com/office/powerpoint/2010/main" val="851143483"/>
-      </p:ext>
-    </p:extLst>
-  </p:cSld>
-  <p:clrMapOvr>
-    <a:masterClrMapping/>
-  </p:clrMapOvr>
-</p:sld>
-</file>
-
-<file path=ppt/slides/slide20.xml><?xml version="1.0" encoding="utf-8"?>
-<p:sld xmlns:a="http://schemas.openxmlformats.org/drawingml/2006/main" xmlns:r="http://schemas.openxmlformats.org/officeDocument/2006/relationships" xmlns:p="http://schemas.openxmlformats.org/presentationml/2006/main">
-  <p:cSld>
-    <p:spTree>
-      <p:nvGrpSpPr>
-        <p:cNvPr id="1" name=""/>
-        <p:cNvGrpSpPr/>
-        <p:nvPr/>
-      </p:nvGrpSpPr>
-      <p:grpSpPr>
-        <a:xfrm>
-          <a:off x="0" y="0"/>
-          <a:ext cx="0" cy="0"/>
-          <a:chOff x="0" y="0"/>
-          <a:chExt cx="0" cy="0"/>
-        </a:xfrm>
-      </p:grpSpPr>
-      <p:sp>
-        <p:nvSpPr>
-          <p:cNvPr id="2" name="Titel 1">
-            <a:extLst>
-              <a:ext uri="{FF2B5EF4-FFF2-40B4-BE49-F238E27FC236}">
-                <a16:creationId xmlns:a16="http://schemas.microsoft.com/office/drawing/2014/main" id="{C2F5861A-BCDE-D2A4-C355-05C8119ED351}"/>
-              </a:ext>
-            </a:extLst>
-          </p:cNvPr>
-          <p:cNvSpPr>
-            <a:spLocks noGrp="1"/>
-          </p:cNvSpPr>
-          <p:nvPr>
-            <p:ph type="ctrTitle"/>
-          </p:nvPr>
-        </p:nvSpPr>
-        <p:spPr>
-          <a:xfrm>
-            <a:off x="1524000" y="236482"/>
-            <a:ext cx="9144000" cy="892887"/>
-          </a:xfrm>
-        </p:spPr>
-        <p:txBody>
-          <a:bodyPr>
-            <a:normAutofit fontScale="90000"/>
-          </a:bodyPr>
-          <a:lstStyle/>
-          <a:p>
-            <a:r>
-              <a:rPr lang="nl-NL" dirty="0"/>
-              <a:t>Assenstelsel</a:t>
-            </a:r>
-          </a:p>
-        </p:txBody>
-      </p:sp>
-      <p:sp>
-        <p:nvSpPr>
-          <p:cNvPr id="3" name="Ondertitel 2">
-            <a:extLst>
-              <a:ext uri="{FF2B5EF4-FFF2-40B4-BE49-F238E27FC236}">
-                <a16:creationId xmlns:a16="http://schemas.microsoft.com/office/drawing/2014/main" id="{7988AA68-FB88-7C7C-5E47-2AE86A2EFD72}"/>
-              </a:ext>
-            </a:extLst>
-          </p:cNvPr>
-          <p:cNvSpPr>
-            <a:spLocks noGrp="1"/>
-          </p:cNvSpPr>
-          <p:nvPr>
-            <p:ph type="subTitle" idx="1"/>
-          </p:nvPr>
-        </p:nvSpPr>
-        <p:spPr>
-          <a:xfrm>
-            <a:off x="601851" y="1342364"/>
-            <a:ext cx="10988297" cy="2530747"/>
-          </a:xfrm>
-        </p:spPr>
-        <p:txBody>
-          <a:bodyPr>
-            <a:normAutofit/>
-          </a:bodyPr>
-          <a:lstStyle/>
-          <a:p>
-            <a:r>
-              <a:rPr lang="nl-NL" dirty="0"/>
-              <a:t>Een assenstelsel is een figuur dat je krijgt door een </a:t>
-            </a:r>
-            <a:r>
-              <a:rPr lang="nl-NL" dirty="0">
-                <a:solidFill>
-                  <a:srgbClr val="7030A0"/>
-                </a:solidFill>
-              </a:rPr>
-              <a:t>horizontale</a:t>
-            </a:r>
-            <a:r>
-              <a:rPr lang="nl-NL" dirty="0"/>
-              <a:t> en </a:t>
-            </a:r>
-            <a:r>
-              <a:rPr lang="nl-NL" dirty="0">
-                <a:solidFill>
-                  <a:srgbClr val="7030A0"/>
-                </a:solidFill>
-              </a:rPr>
-              <a:t>verticale</a:t>
-            </a:r>
-            <a:r>
-              <a:rPr lang="nl-NL" dirty="0"/>
-              <a:t> </a:t>
-            </a:r>
-            <a:r>
-              <a:rPr lang="nl-NL" dirty="0">
-                <a:solidFill>
-                  <a:srgbClr val="7030A0"/>
-                </a:solidFill>
-              </a:rPr>
-              <a:t>as</a:t>
-            </a:r>
-            <a:r>
-              <a:rPr lang="nl-NL" dirty="0"/>
-              <a:t> elkaar te laten </a:t>
-            </a:r>
-            <a:r>
-              <a:rPr lang="nl-NL" dirty="0">
-                <a:solidFill>
-                  <a:srgbClr val="7030A0"/>
-                </a:solidFill>
-              </a:rPr>
-              <a:t>snijden</a:t>
-            </a:r>
-            <a:r>
-              <a:rPr lang="nl-NL" dirty="0"/>
-              <a:t>. Dit snijpunt heet de </a:t>
-            </a:r>
-            <a:r>
-              <a:rPr lang="nl-NL" dirty="0">
-                <a:solidFill>
-                  <a:srgbClr val="7030A0"/>
-                </a:solidFill>
-              </a:rPr>
-              <a:t>oorsprong</a:t>
-            </a:r>
-            <a:r>
-              <a:rPr lang="nl-NL" dirty="0"/>
-              <a:t>.</a:t>
-            </a:r>
-          </a:p>
-          <a:p>
-            <a:r>
-              <a:rPr lang="nl-NL" dirty="0"/>
-              <a:t>Een assenstelsel wordt gebruikt om </a:t>
-            </a:r>
-            <a:r>
-              <a:rPr lang="nl-NL" dirty="0">
-                <a:solidFill>
-                  <a:srgbClr val="7030A0"/>
-                </a:solidFill>
-              </a:rPr>
-              <a:t>grafieken</a:t>
-            </a:r>
-            <a:r>
-              <a:rPr lang="nl-NL" dirty="0"/>
-              <a:t> te tekenen.</a:t>
-            </a:r>
-          </a:p>
-          <a:p>
-            <a:endParaRPr lang="nl-NL" dirty="0"/>
-          </a:p>
-          <a:p>
-            <a:endParaRPr lang="nl-NL" dirty="0"/>
-          </a:p>
-          <a:p>
-            <a:endParaRPr lang="nl-NL" dirty="0"/>
-          </a:p>
-          <a:p>
-            <a:endParaRPr lang="nl-NL" dirty="0"/>
-          </a:p>
-        </p:txBody>
-      </p:sp>
-    </p:spTree>
-    <p:extLst>
-      <p:ext uri="{BB962C8B-B14F-4D97-AF65-F5344CB8AC3E}">
-        <p14:creationId xmlns:p14="http://schemas.microsoft.com/office/powerpoint/2010/main" val="4041691485"/>
-      </p:ext>
-    </p:extLst>
-  </p:cSld>
-  <p:clrMapOvr>
-    <a:masterClrMapping/>
-  </p:clrMapOvr>
-</p:sld>
-</file>
-
-<file path=ppt/slides/slide21.xml><?xml version="1.0" encoding="utf-8"?>
-<p:sld xmlns:a="http://schemas.openxmlformats.org/drawingml/2006/main" xmlns:r="http://schemas.openxmlformats.org/officeDocument/2006/relationships" xmlns:p="http://schemas.openxmlformats.org/presentationml/2006/main">
-  <p:cSld>
-    <p:spTree>
-      <p:nvGrpSpPr>
-        <p:cNvPr id="1" name=""/>
-        <p:cNvGrpSpPr/>
-        <p:nvPr/>
-      </p:nvGrpSpPr>
-      <p:grpSpPr>
-        <a:xfrm>
-          <a:off x="0" y="0"/>
-          <a:ext cx="0" cy="0"/>
-          <a:chOff x="0" y="0"/>
-          <a:chExt cx="0" cy="0"/>
-        </a:xfrm>
-      </p:grpSpPr>
-      <p:sp>
-        <p:nvSpPr>
-          <p:cNvPr id="2" name="Titel 1">
-            <a:extLst>
-              <a:ext uri="{FF2B5EF4-FFF2-40B4-BE49-F238E27FC236}">
-                <a16:creationId xmlns:a16="http://schemas.microsoft.com/office/drawing/2014/main" id="{C2F5861A-BCDE-D2A4-C355-05C8119ED351}"/>
-              </a:ext>
-            </a:extLst>
-          </p:cNvPr>
-          <p:cNvSpPr>
-            <a:spLocks noGrp="1"/>
-          </p:cNvSpPr>
-          <p:nvPr>
-            <p:ph type="ctrTitle"/>
-          </p:nvPr>
-        </p:nvSpPr>
-        <p:spPr>
-          <a:xfrm>
-            <a:off x="431533" y="258609"/>
-            <a:ext cx="11328934" cy="892887"/>
-          </a:xfrm>
-        </p:spPr>
-        <p:txBody>
-          <a:bodyPr>
-            <a:normAutofit fontScale="90000"/>
-          </a:bodyPr>
-          <a:lstStyle/>
-          <a:p>
-            <a:r>
-              <a:rPr lang="nl-NL" dirty="0"/>
-              <a:t>Voorbeeld Assenstelsel</a:t>
-            </a:r>
-          </a:p>
-        </p:txBody>
-      </p:sp>
-      <p:sp>
-        <p:nvSpPr>
-          <p:cNvPr id="3" name="AutoShape 2" descr="Ruimtelijke figuren">
-            <a:extLst>
-              <a:ext uri="{FF2B5EF4-FFF2-40B4-BE49-F238E27FC236}">
-                <a16:creationId xmlns:a16="http://schemas.microsoft.com/office/drawing/2014/main" id="{35816B3A-C1C1-A387-7798-2FFF4CAA28A9}"/>
-              </a:ext>
-            </a:extLst>
-          </p:cNvPr>
-          <p:cNvSpPr>
-            <a:spLocks noChangeAspect="1" noChangeArrowheads="1"/>
-          </p:cNvSpPr>
-          <p:nvPr/>
-        </p:nvSpPr>
-        <p:spPr bwMode="auto">
-          <a:xfrm>
-            <a:off x="5943600" y="3276600"/>
-            <a:ext cx="304800" cy="304800"/>
-          </a:xfrm>
-          <a:prstGeom prst="rect">
-            <a:avLst/>
-          </a:prstGeom>
-          <a:noFill/>
-          <a:extLst>
-            <a:ext uri="{909E8E84-426E-40DD-AFC4-6F175D3DCCD1}">
-              <a14:hiddenFill xmlns:a14="http://schemas.microsoft.com/office/drawing/2010/main">
-                <a:solidFill>
-                  <a:srgbClr val="FFFFFF"/>
-                </a:solidFill>
-              </a14:hiddenFill>
-            </a:ext>
-          </a:extLst>
-        </p:spPr>
-        <p:txBody>
-          <a:bodyPr vert="horz" wrap="square" lIns="91440" tIns="45720" rIns="91440" bIns="45720" numCol="1" anchor="t" anchorCtr="0" compatLnSpc="1">
-            <a:prstTxWarp prst="textNoShape">
-              <a:avLst/>
-            </a:prstTxWarp>
-          </a:bodyPr>
-          <a:lstStyle/>
-          <a:p>
-            <a:endParaRPr lang="nl-NL"/>
-          </a:p>
-        </p:txBody>
-      </p:sp>
-      <p:sp>
-        <p:nvSpPr>
-          <p:cNvPr id="4" name="AutoShape 4" descr="Ruimtelijke figuren">
-            <a:extLst>
-              <a:ext uri="{FF2B5EF4-FFF2-40B4-BE49-F238E27FC236}">
-                <a16:creationId xmlns:a16="http://schemas.microsoft.com/office/drawing/2014/main" id="{B82310C2-292E-F815-60F6-3FFD0672F290}"/>
-              </a:ext>
-            </a:extLst>
-          </p:cNvPr>
-          <p:cNvSpPr>
-            <a:spLocks noChangeAspect="1" noChangeArrowheads="1"/>
-          </p:cNvSpPr>
-          <p:nvPr/>
-        </p:nvSpPr>
-        <p:spPr bwMode="auto">
-          <a:xfrm>
-            <a:off x="6096000" y="3429000"/>
-            <a:ext cx="304800" cy="304800"/>
-          </a:xfrm>
-          <a:prstGeom prst="rect">
-            <a:avLst/>
-          </a:prstGeom>
-          <a:noFill/>
-          <a:extLst>
-            <a:ext uri="{909E8E84-426E-40DD-AFC4-6F175D3DCCD1}">
-              <a14:hiddenFill xmlns:a14="http://schemas.microsoft.com/office/drawing/2010/main">
-                <a:solidFill>
-                  <a:srgbClr val="FFFFFF"/>
-                </a:solidFill>
-              </a14:hiddenFill>
-            </a:ext>
-          </a:extLst>
-        </p:spPr>
-        <p:txBody>
-          <a:bodyPr vert="horz" wrap="square" lIns="91440" tIns="45720" rIns="91440" bIns="45720" numCol="1" anchor="t" anchorCtr="0" compatLnSpc="1">
-            <a:prstTxWarp prst="textNoShape">
-              <a:avLst/>
-            </a:prstTxWarp>
-          </a:bodyPr>
-          <a:lstStyle/>
-          <a:p>
-            <a:endParaRPr lang="nl-NL"/>
-          </a:p>
-        </p:txBody>
-      </p:sp>
-      <p:pic>
-        <p:nvPicPr>
-          <p:cNvPr id="2058" name="Picture 10" descr="Coördinatenstelsel - Wikipedia">
-            <a:extLst>
-              <a:ext uri="{FF2B5EF4-FFF2-40B4-BE49-F238E27FC236}">
-                <a16:creationId xmlns:a16="http://schemas.microsoft.com/office/drawing/2014/main" id="{A0A4AC4F-8AE9-6176-9ECA-A237B2F8DAF9}"/>
-              </a:ext>
-            </a:extLst>
-          </p:cNvPr>
-          <p:cNvPicPr>
-            <a:picLocks noChangeAspect="1" noChangeArrowheads="1"/>
-          </p:cNvPicPr>
-          <p:nvPr/>
-        </p:nvPicPr>
-        <p:blipFill>
-          <a:blip r:embed="rId2">
-            <a:extLst>
-              <a:ext uri="{28A0092B-C50C-407E-A947-70E740481C1C}">
-                <a14:useLocalDpi xmlns:a14="http://schemas.microsoft.com/office/drawing/2010/main" val="0"/>
-              </a:ext>
-            </a:extLst>
-          </a:blip>
-          <a:srcRect/>
-          <a:stretch>
-            <a:fillRect/>
-          </a:stretch>
-        </p:blipFill>
-        <p:spPr bwMode="auto">
-          <a:xfrm>
-            <a:off x="3709160" y="1115237"/>
-            <a:ext cx="6080884" cy="5237125"/>
-          </a:xfrm>
-          <a:prstGeom prst="rect">
-            <a:avLst/>
-          </a:prstGeom>
-          <a:noFill/>
-          <a:extLst>
-            <a:ext uri="{909E8E84-426E-40DD-AFC4-6F175D3DCCD1}">
-              <a14:hiddenFill xmlns:a14="http://schemas.microsoft.com/office/drawing/2010/main">
-                <a:solidFill>
-                  <a:srgbClr val="FFFFFF"/>
-                </a:solidFill>
-              </a14:hiddenFill>
-            </a:ext>
-          </a:extLst>
-        </p:spPr>
-      </p:pic>
-      <p:sp>
-        <p:nvSpPr>
-          <p:cNvPr id="5" name="Tekstvak 4">
-            <a:extLst>
-              <a:ext uri="{FF2B5EF4-FFF2-40B4-BE49-F238E27FC236}">
-                <a16:creationId xmlns:a16="http://schemas.microsoft.com/office/drawing/2014/main" id="{4839423A-2872-4F84-2B51-1ADC39A0F827}"/>
-              </a:ext>
-            </a:extLst>
-          </p:cNvPr>
-          <p:cNvSpPr txBox="1"/>
-          <p:nvPr/>
-        </p:nvSpPr>
-        <p:spPr>
-          <a:xfrm>
-            <a:off x="5907157" y="3867815"/>
-            <a:ext cx="336952" cy="369332"/>
-          </a:xfrm>
-          <a:prstGeom prst="rect">
-            <a:avLst/>
-          </a:prstGeom>
-          <a:noFill/>
-        </p:spPr>
-        <p:txBody>
-          <a:bodyPr wrap="none" rtlCol="0">
-            <a:spAutoFit/>
-          </a:bodyPr>
-          <a:lstStyle/>
-          <a:p>
-            <a:r>
-              <a:rPr lang="nl-NL" dirty="0"/>
-              <a:t>O</a:t>
-            </a:r>
-          </a:p>
-        </p:txBody>
-      </p:sp>
-    </p:spTree>
-    <p:extLst>
-      <p:ext uri="{BB962C8B-B14F-4D97-AF65-F5344CB8AC3E}">
-        <p14:creationId xmlns:p14="http://schemas.microsoft.com/office/powerpoint/2010/main" val="2237670558"/>
-      </p:ext>
-    </p:extLst>
-  </p:cSld>
-  <p:clrMapOvr>
-    <a:masterClrMapping/>
-  </p:clrMapOvr>
-</p:sld>
-</file>
-
-<file path=ppt/slides/slide22.xml><?xml version="1.0" encoding="utf-8"?>
-<p:sld xmlns:a="http://schemas.openxmlformats.org/drawingml/2006/main" xmlns:r="http://schemas.openxmlformats.org/officeDocument/2006/relationships" xmlns:p="http://schemas.openxmlformats.org/presentationml/2006/main">
-  <p:cSld>
-    <p:spTree>
-      <p:nvGrpSpPr>
-        <p:cNvPr id="1" name=""/>
-        <p:cNvGrpSpPr/>
-        <p:nvPr/>
-      </p:nvGrpSpPr>
-      <p:grpSpPr>
-        <a:xfrm>
-          <a:off x="0" y="0"/>
-          <a:ext cx="0" cy="0"/>
-          <a:chOff x="0" y="0"/>
-          <a:chExt cx="0" cy="0"/>
-        </a:xfrm>
-      </p:grpSpPr>
-      <p:sp>
-        <p:nvSpPr>
-          <p:cNvPr id="2" name="Titel 1">
-            <a:extLst>
-              <a:ext uri="{FF2B5EF4-FFF2-40B4-BE49-F238E27FC236}">
-                <a16:creationId xmlns:a16="http://schemas.microsoft.com/office/drawing/2014/main" id="{73168B85-7905-DEBC-34BC-B73EB909DDCD}"/>
-              </a:ext>
-            </a:extLst>
-          </p:cNvPr>
-          <p:cNvSpPr>
-            <a:spLocks noGrp="1"/>
-          </p:cNvSpPr>
-          <p:nvPr>
-            <p:ph type="title"/>
-          </p:nvPr>
-        </p:nvSpPr>
-        <p:spPr/>
-        <p:txBody>
-          <a:bodyPr/>
-          <a:lstStyle/>
-          <a:p>
-            <a:r>
-              <a:rPr lang="nl-NL" dirty="0"/>
-              <a:t>Wiskunde Termen</a:t>
-            </a:r>
-          </a:p>
-        </p:txBody>
-      </p:sp>
-      <p:sp>
-        <p:nvSpPr>
-          <p:cNvPr id="4" name="Titel 1">
-            <a:extLst>
-              <a:ext uri="{FF2B5EF4-FFF2-40B4-BE49-F238E27FC236}">
-                <a16:creationId xmlns:a16="http://schemas.microsoft.com/office/drawing/2014/main" id="{61ED484A-E87E-7D07-D06C-3D405D336CC2}"/>
-              </a:ext>
-            </a:extLst>
-          </p:cNvPr>
-          <p:cNvSpPr txBox="1">
-            <a:spLocks/>
-          </p:cNvSpPr>
-          <p:nvPr/>
-        </p:nvSpPr>
-        <p:spPr>
-          <a:xfrm>
-            <a:off x="1524000" y="2105897"/>
-            <a:ext cx="9144000" cy="2646206"/>
-          </a:xfrm>
-          <a:prstGeom prst="rect">
-            <a:avLst/>
-          </a:prstGeom>
-        </p:spPr>
-        <p:txBody>
-          <a:bodyPr vert="horz" lIns="91440" tIns="45720" rIns="91440" bIns="45720" rtlCol="0" anchor="ctr">
-            <a:normAutofit fontScale="97500"/>
-          </a:bodyPr>
-          <a:lstStyle>
-            <a:lvl1pPr algn="l" defTabSz="914400" rtl="0" eaLnBrk="1" latinLnBrk="0" hangingPunct="1">
-              <a:lnSpc>
-                <a:spcPct val="90000"/>
-              </a:lnSpc>
-              <a:spcBef>
-                <a:spcPct val="0"/>
-              </a:spcBef>
-              <a:buNone/>
-              <a:defRPr sz="4400" kern="1200">
-                <a:solidFill>
-                  <a:schemeClr val="tx1"/>
-                </a:solidFill>
-                <a:latin typeface="+mj-lt"/>
-                <a:ea typeface="+mj-ea"/>
-                <a:cs typeface="+mj-cs"/>
-              </a:defRPr>
-            </a:lvl1pPr>
-          </a:lstStyle>
-          <a:p>
-            <a:pPr algn="ctr"/>
-            <a:r>
-              <a:rPr lang="nl-NL" sz="9000" b="1" dirty="0"/>
-              <a:t>Roosterpapier</a:t>
-            </a:r>
-          </a:p>
-        </p:txBody>
-      </p:sp>
-    </p:spTree>
-    <p:extLst>
-      <p:ext uri="{BB962C8B-B14F-4D97-AF65-F5344CB8AC3E}">
-        <p14:creationId xmlns:p14="http://schemas.microsoft.com/office/powerpoint/2010/main" val="3650281463"/>
-      </p:ext>
-    </p:extLst>
-  </p:cSld>
-  <p:clrMapOvr>
-    <a:masterClrMapping/>
-  </p:clrMapOvr>
-</p:sld>
-</file>
-
-<file path=ppt/slides/slide23.xml><?xml version="1.0" encoding="utf-8"?>
-<p:sld xmlns:a="http://schemas.openxmlformats.org/drawingml/2006/main" xmlns:r="http://schemas.openxmlformats.org/officeDocument/2006/relationships" xmlns:p="http://schemas.openxmlformats.org/presentationml/2006/main">
-  <p:cSld>
-    <p:spTree>
-      <p:nvGrpSpPr>
-        <p:cNvPr id="1" name=""/>
-        <p:cNvGrpSpPr/>
-        <p:nvPr/>
-      </p:nvGrpSpPr>
-      <p:grpSpPr>
-        <a:xfrm>
-          <a:off x="0" y="0"/>
-          <a:ext cx="0" cy="0"/>
-          <a:chOff x="0" y="0"/>
-          <a:chExt cx="0" cy="0"/>
-        </a:xfrm>
-      </p:grpSpPr>
-      <p:sp>
-        <p:nvSpPr>
-          <p:cNvPr id="2" name="Titel 1">
-            <a:extLst>
-              <a:ext uri="{FF2B5EF4-FFF2-40B4-BE49-F238E27FC236}">
-                <a16:creationId xmlns:a16="http://schemas.microsoft.com/office/drawing/2014/main" id="{C2F5861A-BCDE-D2A4-C355-05C8119ED351}"/>
-              </a:ext>
-            </a:extLst>
-          </p:cNvPr>
-          <p:cNvSpPr>
-            <a:spLocks noGrp="1"/>
-          </p:cNvSpPr>
-          <p:nvPr>
-            <p:ph type="ctrTitle"/>
-          </p:nvPr>
-        </p:nvSpPr>
-        <p:spPr>
-          <a:xfrm>
-            <a:off x="1524000" y="236482"/>
-            <a:ext cx="9144000" cy="892887"/>
-          </a:xfrm>
-        </p:spPr>
-        <p:txBody>
-          <a:bodyPr>
-            <a:normAutofit fontScale="90000"/>
-          </a:bodyPr>
-          <a:lstStyle/>
-          <a:p>
-            <a:r>
-              <a:rPr lang="nl-NL" dirty="0"/>
-              <a:t>Roosterpapier</a:t>
-            </a:r>
-          </a:p>
-        </p:txBody>
-      </p:sp>
-      <p:sp>
-        <p:nvSpPr>
-          <p:cNvPr id="3" name="Ondertitel 2">
-            <a:extLst>
-              <a:ext uri="{FF2B5EF4-FFF2-40B4-BE49-F238E27FC236}">
-                <a16:creationId xmlns:a16="http://schemas.microsoft.com/office/drawing/2014/main" id="{7988AA68-FB88-7C7C-5E47-2AE86A2EFD72}"/>
-              </a:ext>
-            </a:extLst>
-          </p:cNvPr>
-          <p:cNvSpPr>
-            <a:spLocks noGrp="1"/>
-          </p:cNvSpPr>
-          <p:nvPr>
-            <p:ph type="subTitle" idx="1"/>
-          </p:nvPr>
-        </p:nvSpPr>
-        <p:spPr>
-          <a:xfrm>
-            <a:off x="601851" y="1342364"/>
-            <a:ext cx="10988297" cy="2530747"/>
-          </a:xfrm>
-        </p:spPr>
-        <p:txBody>
-          <a:bodyPr>
-            <a:normAutofit/>
-          </a:bodyPr>
-          <a:lstStyle/>
-          <a:p>
-            <a:r>
-              <a:rPr lang="nl-NL" dirty="0"/>
-              <a:t>Roosterpapier is papier met waarop </a:t>
-            </a:r>
-            <a:r>
-              <a:rPr lang="nl-NL" dirty="0">
-                <a:solidFill>
-                  <a:srgbClr val="7030A0"/>
-                </a:solidFill>
-              </a:rPr>
-              <a:t>vierkantjes </a:t>
-            </a:r>
-            <a:r>
-              <a:rPr lang="nl-NL" dirty="0"/>
-              <a:t>van 1 cm bij 1 cm gedrukt staat.</a:t>
-            </a:r>
-          </a:p>
-          <a:p>
-            <a:r>
-              <a:rPr lang="nl-NL" dirty="0"/>
-              <a:t>Roosterpapier wordt gebruikt voor het maken van </a:t>
-            </a:r>
-            <a:r>
-              <a:rPr lang="nl-NL" dirty="0">
-                <a:solidFill>
-                  <a:srgbClr val="7030A0"/>
-                </a:solidFill>
-              </a:rPr>
-              <a:t>assenstelsels</a:t>
-            </a:r>
-            <a:r>
-              <a:rPr lang="nl-NL" dirty="0"/>
-              <a:t>.</a:t>
-            </a:r>
-          </a:p>
-          <a:p>
-            <a:endParaRPr lang="nl-NL" dirty="0"/>
-          </a:p>
-          <a:p>
-            <a:endParaRPr lang="nl-NL" dirty="0"/>
-          </a:p>
-          <a:p>
-            <a:endParaRPr lang="nl-NL" dirty="0"/>
-          </a:p>
-          <a:p>
-            <a:endParaRPr lang="nl-NL" dirty="0"/>
-          </a:p>
-          <a:p>
-            <a:endParaRPr lang="nl-NL" dirty="0"/>
-          </a:p>
-        </p:txBody>
-      </p:sp>
-    </p:spTree>
-    <p:extLst>
-      <p:ext uri="{BB962C8B-B14F-4D97-AF65-F5344CB8AC3E}">
-        <p14:creationId xmlns:p14="http://schemas.microsoft.com/office/powerpoint/2010/main" val="1009432102"/>
-      </p:ext>
-    </p:extLst>
-  </p:cSld>
-  <p:clrMapOvr>
-    <a:masterClrMapping/>
-  </p:clrMapOvr>
-</p:sld>
-</file>
-
-<file path=ppt/slides/slide24.xml><?xml version="1.0" encoding="utf-8"?>
-<p:sld xmlns:a="http://schemas.openxmlformats.org/drawingml/2006/main" xmlns:r="http://schemas.openxmlformats.org/officeDocument/2006/relationships" xmlns:p="http://schemas.openxmlformats.org/presentationml/2006/main">
-  <p:cSld>
-    <p:spTree>
-      <p:nvGrpSpPr>
-        <p:cNvPr id="1" name=""/>
-        <p:cNvGrpSpPr/>
-        <p:nvPr/>
-      </p:nvGrpSpPr>
-      <p:grpSpPr>
-        <a:xfrm>
-          <a:off x="0" y="0"/>
-          <a:ext cx="0" cy="0"/>
-          <a:chOff x="0" y="0"/>
-          <a:chExt cx="0" cy="0"/>
-        </a:xfrm>
-      </p:grpSpPr>
-      <p:sp>
-        <p:nvSpPr>
-          <p:cNvPr id="2" name="Titel 1">
-            <a:extLst>
-              <a:ext uri="{FF2B5EF4-FFF2-40B4-BE49-F238E27FC236}">
-                <a16:creationId xmlns:a16="http://schemas.microsoft.com/office/drawing/2014/main" id="{C2F5861A-BCDE-D2A4-C355-05C8119ED351}"/>
-              </a:ext>
-            </a:extLst>
-          </p:cNvPr>
-          <p:cNvSpPr>
-            <a:spLocks noGrp="1"/>
-          </p:cNvSpPr>
-          <p:nvPr>
-            <p:ph type="ctrTitle"/>
-          </p:nvPr>
-        </p:nvSpPr>
-        <p:spPr>
-          <a:xfrm>
-            <a:off x="431533" y="258609"/>
-            <a:ext cx="11328934" cy="892887"/>
-          </a:xfrm>
-        </p:spPr>
-        <p:txBody>
-          <a:bodyPr>
-            <a:normAutofit fontScale="90000"/>
-          </a:bodyPr>
-          <a:lstStyle/>
-          <a:p>
-            <a:r>
-              <a:rPr lang="nl-NL" dirty="0"/>
-              <a:t>Voorbeeld Roosterpapier</a:t>
-            </a:r>
-          </a:p>
-        </p:txBody>
-      </p:sp>
-      <p:sp>
-        <p:nvSpPr>
-          <p:cNvPr id="3" name="AutoShape 2" descr="Ruimtelijke figuren">
-            <a:extLst>
-              <a:ext uri="{FF2B5EF4-FFF2-40B4-BE49-F238E27FC236}">
-                <a16:creationId xmlns:a16="http://schemas.microsoft.com/office/drawing/2014/main" id="{35816B3A-C1C1-A387-7798-2FFF4CAA28A9}"/>
-              </a:ext>
-            </a:extLst>
-          </p:cNvPr>
-          <p:cNvSpPr>
-            <a:spLocks noChangeAspect="1" noChangeArrowheads="1"/>
-          </p:cNvSpPr>
-          <p:nvPr/>
-        </p:nvSpPr>
-        <p:spPr bwMode="auto">
-          <a:xfrm>
-            <a:off x="5943600" y="3276600"/>
-            <a:ext cx="304800" cy="304800"/>
-          </a:xfrm>
-          <a:prstGeom prst="rect">
-            <a:avLst/>
-          </a:prstGeom>
-          <a:noFill/>
-          <a:extLst>
-            <a:ext uri="{909E8E84-426E-40DD-AFC4-6F175D3DCCD1}">
-              <a14:hiddenFill xmlns:a14="http://schemas.microsoft.com/office/drawing/2010/main">
-                <a:solidFill>
-                  <a:srgbClr val="FFFFFF"/>
-                </a:solidFill>
-              </a14:hiddenFill>
-            </a:ext>
-          </a:extLst>
-        </p:spPr>
-        <p:txBody>
-          <a:bodyPr vert="horz" wrap="square" lIns="91440" tIns="45720" rIns="91440" bIns="45720" numCol="1" anchor="t" anchorCtr="0" compatLnSpc="1">
-            <a:prstTxWarp prst="textNoShape">
-              <a:avLst/>
-            </a:prstTxWarp>
-          </a:bodyPr>
-          <a:lstStyle/>
-          <a:p>
-            <a:endParaRPr lang="nl-NL"/>
-          </a:p>
-        </p:txBody>
-      </p:sp>
-      <p:sp>
-        <p:nvSpPr>
-          <p:cNvPr id="4" name="AutoShape 4" descr="Ruimtelijke figuren">
-            <a:extLst>
-              <a:ext uri="{FF2B5EF4-FFF2-40B4-BE49-F238E27FC236}">
-                <a16:creationId xmlns:a16="http://schemas.microsoft.com/office/drawing/2014/main" id="{B82310C2-292E-F815-60F6-3FFD0672F290}"/>
-              </a:ext>
-            </a:extLst>
-          </p:cNvPr>
-          <p:cNvSpPr>
-            <a:spLocks noChangeAspect="1" noChangeArrowheads="1"/>
-          </p:cNvSpPr>
-          <p:nvPr/>
-        </p:nvSpPr>
-        <p:spPr bwMode="auto">
-          <a:xfrm>
-            <a:off x="6096000" y="3429000"/>
-            <a:ext cx="304800" cy="304800"/>
-          </a:xfrm>
-          <a:prstGeom prst="rect">
-            <a:avLst/>
-          </a:prstGeom>
-          <a:noFill/>
-          <a:extLst>
-            <a:ext uri="{909E8E84-426E-40DD-AFC4-6F175D3DCCD1}">
-              <a14:hiddenFill xmlns:a14="http://schemas.microsoft.com/office/drawing/2010/main">
-                <a:solidFill>
-                  <a:srgbClr val="FFFFFF"/>
-                </a:solidFill>
-              </a14:hiddenFill>
-            </a:ext>
-          </a:extLst>
-        </p:spPr>
-        <p:txBody>
-          <a:bodyPr vert="horz" wrap="square" lIns="91440" tIns="45720" rIns="91440" bIns="45720" numCol="1" anchor="t" anchorCtr="0" compatLnSpc="1">
-            <a:prstTxWarp prst="textNoShape">
-              <a:avLst/>
-            </a:prstTxWarp>
-          </a:bodyPr>
-          <a:lstStyle/>
-          <a:p>
-            <a:endParaRPr lang="nl-NL"/>
-          </a:p>
-        </p:txBody>
-      </p:sp>
-      <p:pic>
-        <p:nvPicPr>
-          <p:cNvPr id="1026" name="Picture 2">
-            <a:extLst>
-              <a:ext uri="{FF2B5EF4-FFF2-40B4-BE49-F238E27FC236}">
-                <a16:creationId xmlns:a16="http://schemas.microsoft.com/office/drawing/2014/main" id="{8B1FF84A-2B0B-D292-9650-F33DE1FC3F09}"/>
-              </a:ext>
-            </a:extLst>
-          </p:cNvPr>
-          <p:cNvPicPr>
-            <a:picLocks noChangeAspect="1" noChangeArrowheads="1"/>
-          </p:cNvPicPr>
-          <p:nvPr/>
-        </p:nvPicPr>
-        <p:blipFill>
-          <a:blip r:embed="rId2">
-            <a:extLst>
-              <a:ext uri="{28A0092B-C50C-407E-A947-70E740481C1C}">
-                <a14:useLocalDpi xmlns:a14="http://schemas.microsoft.com/office/drawing/2010/main" val="0"/>
-              </a:ext>
-            </a:extLst>
-          </a:blip>
-          <a:srcRect/>
-          <a:stretch>
-            <a:fillRect/>
-          </a:stretch>
-        </p:blipFill>
-        <p:spPr bwMode="auto">
-          <a:xfrm>
-            <a:off x="3502212" y="1221238"/>
-            <a:ext cx="5187575" cy="5217388"/>
-          </a:xfrm>
-          <a:prstGeom prst="rect">
-            <a:avLst/>
-          </a:prstGeom>
-          <a:noFill/>
-          <a:extLst>
-            <a:ext uri="{909E8E84-426E-40DD-AFC4-6F175D3DCCD1}">
-              <a14:hiddenFill xmlns:a14="http://schemas.microsoft.com/office/drawing/2010/main">
-                <a:solidFill>
-                  <a:srgbClr val="FFFFFF"/>
-                </a:solidFill>
-              </a14:hiddenFill>
-            </a:ext>
-          </a:extLst>
-        </p:spPr>
-      </p:pic>
-    </p:spTree>
-    <p:extLst>
-      <p:ext uri="{BB962C8B-B14F-4D97-AF65-F5344CB8AC3E}">
-        <p14:creationId xmlns:p14="http://schemas.microsoft.com/office/powerpoint/2010/main" val="3404872855"/>
-      </p:ext>
-    </p:extLst>
-  </p:cSld>
-  <p:clrMapOvr>
-    <a:masterClrMapping/>
-  </p:clrMapOvr>
-</p:sld>
-</file>
-
-<file path=ppt/slides/slide3.xml><?xml version="1.0" encoding="utf-8"?>
-<p:sld xmlns:a="http://schemas.openxmlformats.org/drawingml/2006/main" xmlns:r="http://schemas.openxmlformats.org/officeDocument/2006/relationships" xmlns:p="http://schemas.openxmlformats.org/presentationml/2006/main">
-  <p:cSld>
-    <p:spTree>
-      <p:nvGrpSpPr>
-        <p:cNvPr id="1" name=""/>
-        <p:cNvGrpSpPr/>
-        <p:nvPr/>
-      </p:nvGrpSpPr>
-      <p:grpSpPr>
-        <a:xfrm>
-          <a:off x="0" y="0"/>
-          <a:ext cx="0" cy="0"/>
-          <a:chOff x="0" y="0"/>
-          <a:chExt cx="0" cy="0"/>
-        </a:xfrm>
-      </p:grpSpPr>
-      <p:sp>
-        <p:nvSpPr>
-          <p:cNvPr id="2" name="Titel 1">
-            <a:extLst>
-              <a:ext uri="{FF2B5EF4-FFF2-40B4-BE49-F238E27FC236}">
-                <a16:creationId xmlns:a16="http://schemas.microsoft.com/office/drawing/2014/main" id="{C2F5861A-BCDE-D2A4-C355-05C8119ED351}"/>
-              </a:ext>
-            </a:extLst>
-          </p:cNvPr>
-          <p:cNvSpPr>
-            <a:spLocks noGrp="1"/>
-          </p:cNvSpPr>
-          <p:nvPr>
-            <p:ph type="ctrTitle"/>
-          </p:nvPr>
-        </p:nvSpPr>
-        <p:spPr>
-          <a:xfrm>
-            <a:off x="431533" y="258609"/>
-            <a:ext cx="11328934" cy="892887"/>
-          </a:xfrm>
-        </p:spPr>
-        <p:txBody>
-          <a:bodyPr>
-            <a:normAutofit fontScale="90000"/>
-          </a:bodyPr>
-          <a:lstStyle/>
-          <a:p>
-            <a:r>
-              <a:rPr lang="nl-NL" dirty="0"/>
-              <a:t>Voorbeeld roosterpunt</a:t>
-            </a:r>
-          </a:p>
-        </p:txBody>
-      </p:sp>
-      <p:sp>
-        <p:nvSpPr>
-          <p:cNvPr id="3" name="AutoShape 2" descr="Ruimtelijke figuren">
-            <a:extLst>
-              <a:ext uri="{FF2B5EF4-FFF2-40B4-BE49-F238E27FC236}">
-                <a16:creationId xmlns:a16="http://schemas.microsoft.com/office/drawing/2014/main" id="{35816B3A-C1C1-A387-7798-2FFF4CAA28A9}"/>
-              </a:ext>
-            </a:extLst>
-          </p:cNvPr>
-          <p:cNvSpPr>
-            <a:spLocks noChangeAspect="1" noChangeArrowheads="1"/>
-          </p:cNvSpPr>
-          <p:nvPr/>
-        </p:nvSpPr>
-        <p:spPr bwMode="auto">
-          <a:xfrm>
-            <a:off x="5943600" y="3276600"/>
-            <a:ext cx="304800" cy="304800"/>
-          </a:xfrm>
-          <a:prstGeom prst="rect">
-            <a:avLst/>
-          </a:prstGeom>
-          <a:noFill/>
-          <a:extLst>
-            <a:ext uri="{909E8E84-426E-40DD-AFC4-6F175D3DCCD1}">
-              <a14:hiddenFill xmlns:a14="http://schemas.microsoft.com/office/drawing/2010/main">
-                <a:solidFill>
-                  <a:srgbClr val="FFFFFF"/>
-                </a:solidFill>
-              </a14:hiddenFill>
-            </a:ext>
-          </a:extLst>
-        </p:spPr>
-        <p:txBody>
-          <a:bodyPr vert="horz" wrap="square" lIns="91440" tIns="45720" rIns="91440" bIns="45720" numCol="1" anchor="t" anchorCtr="0" compatLnSpc="1">
-            <a:prstTxWarp prst="textNoShape">
-              <a:avLst/>
-            </a:prstTxWarp>
-          </a:bodyPr>
-          <a:lstStyle/>
-          <a:p>
-            <a:endParaRPr lang="nl-NL"/>
-          </a:p>
-        </p:txBody>
-      </p:sp>
-      <p:sp>
-        <p:nvSpPr>
-          <p:cNvPr id="4" name="AutoShape 4" descr="Ruimtelijke figuren">
-            <a:extLst>
-              <a:ext uri="{FF2B5EF4-FFF2-40B4-BE49-F238E27FC236}">
-                <a16:creationId xmlns:a16="http://schemas.microsoft.com/office/drawing/2014/main" id="{B82310C2-292E-F815-60F6-3FFD0672F290}"/>
-              </a:ext>
-            </a:extLst>
-          </p:cNvPr>
-          <p:cNvSpPr>
-            <a:spLocks noChangeAspect="1" noChangeArrowheads="1"/>
-          </p:cNvSpPr>
-          <p:nvPr/>
-        </p:nvSpPr>
-        <p:spPr bwMode="auto">
-          <a:xfrm>
-            <a:off x="6096000" y="3429000"/>
-            <a:ext cx="304800" cy="304800"/>
-          </a:xfrm>
-          <a:prstGeom prst="rect">
-            <a:avLst/>
-          </a:prstGeom>
-          <a:noFill/>
-          <a:extLst>
-            <a:ext uri="{909E8E84-426E-40DD-AFC4-6F175D3DCCD1}">
-              <a14:hiddenFill xmlns:a14="http://schemas.microsoft.com/office/drawing/2010/main">
-                <a:solidFill>
-                  <a:srgbClr val="FFFFFF"/>
-                </a:solidFill>
-              </a14:hiddenFill>
-            </a:ext>
-          </a:extLst>
-        </p:spPr>
-        <p:txBody>
-          <a:bodyPr vert="horz" wrap="square" lIns="91440" tIns="45720" rIns="91440" bIns="45720" numCol="1" anchor="t" anchorCtr="0" compatLnSpc="1">
-            <a:prstTxWarp prst="textNoShape">
-              <a:avLst/>
-            </a:prstTxWarp>
-          </a:bodyPr>
-          <a:lstStyle/>
-          <a:p>
-            <a:endParaRPr lang="nl-NL"/>
-          </a:p>
-        </p:txBody>
-      </p:sp>
-      <p:pic>
-        <p:nvPicPr>
-          <p:cNvPr id="7" name="Picture 2" descr="Alles over GPS - wat is gps, cursussen, routes, geocaching etc.">
-            <a:extLst>
-              <a:ext uri="{FF2B5EF4-FFF2-40B4-BE49-F238E27FC236}">
-                <a16:creationId xmlns:a16="http://schemas.microsoft.com/office/drawing/2014/main" id="{0F0DF19E-C775-767D-49BC-C8A3DCA16BFC}"/>
-              </a:ext>
-            </a:extLst>
-          </p:cNvPr>
-          <p:cNvPicPr>
-            <a:picLocks noChangeAspect="1" noChangeArrowheads="1"/>
-          </p:cNvPicPr>
-          <p:nvPr/>
-        </p:nvPicPr>
-        <p:blipFill>
-          <a:blip r:embed="rId2">
-            <a:extLst>
-              <a:ext uri="{28A0092B-C50C-407E-A947-70E740481C1C}">
-                <a14:useLocalDpi xmlns:a14="http://schemas.microsoft.com/office/drawing/2010/main" val="0"/>
-              </a:ext>
-            </a:extLst>
-          </a:blip>
-          <a:srcRect/>
-          <a:stretch>
-            <a:fillRect/>
-          </a:stretch>
-        </p:blipFill>
-        <p:spPr bwMode="auto">
-          <a:xfrm>
-            <a:off x="621143" y="1195220"/>
-            <a:ext cx="5170057" cy="4772360"/>
-          </a:xfrm>
-          <a:prstGeom prst="rect">
-            <a:avLst/>
-          </a:prstGeom>
-          <a:noFill/>
-          <a:extLst>
-            <a:ext uri="{909E8E84-426E-40DD-AFC4-6F175D3DCCD1}">
-              <a14:hiddenFill xmlns:a14="http://schemas.microsoft.com/office/drawing/2010/main">
-                <a:solidFill>
-                  <a:srgbClr val="FFFFFF"/>
-                </a:solidFill>
-              </a14:hiddenFill>
-            </a:ext>
-          </a:extLst>
-        </p:spPr>
-      </p:pic>
-      <mc:AlternateContent xmlns:mc="http://schemas.openxmlformats.org/markup-compatibility/2006">
-        <mc:Choice xmlns:a14="http://schemas.microsoft.com/office/drawing/2010/main" Requires="a14">
-          <p:sp>
-            <p:nvSpPr>
-              <p:cNvPr id="10" name="Tekstvak 9">
-                <a:extLst>
-                  <a:ext uri="{FF2B5EF4-FFF2-40B4-BE49-F238E27FC236}">
-                    <a16:creationId xmlns:a16="http://schemas.microsoft.com/office/drawing/2014/main" id="{2BD6AE24-64BF-8AAF-EF81-AF358116046C}"/>
-                  </a:ext>
-                </a:extLst>
-              </p:cNvPr>
-              <p:cNvSpPr txBox="1"/>
-              <p:nvPr/>
-            </p:nvSpPr>
-            <p:spPr>
-              <a:xfrm>
-                <a:off x="6553200" y="1544510"/>
-                <a:ext cx="2655086" cy="3768980"/>
-              </a:xfrm>
-              <a:prstGeom prst="rect">
-                <a:avLst/>
-              </a:prstGeom>
-              <a:noFill/>
-            </p:spPr>
-            <p:txBody>
-              <a:bodyPr wrap="none" rtlCol="0">
-                <a:spAutoFit/>
-              </a:bodyPr>
-              <a:lstStyle/>
-              <a:p>
-                <a14:m>
-                  <m:oMathPara xmlns:m="http://schemas.openxmlformats.org/officeDocument/2006/math">
-                    <m:oMathParaPr>
-                      <m:jc m:val="centerGroup"/>
-                    </m:oMathParaPr>
-                    <m:oMath xmlns:m="http://schemas.openxmlformats.org/officeDocument/2006/math">
-                      <m:r>
-                        <a:rPr lang="nl-NL" sz="4400" i="1" dirty="0" smtClean="0">
-                          <a:latin typeface="Cambria Math" panose="02040503050406030204" pitchFamily="18" charset="0"/>
-                        </a:rPr>
-                        <m:t>𝐴</m:t>
-                      </m:r>
-                      <m:d>
-                        <m:dPr>
-                          <m:ctrlPr>
-                            <a:rPr lang="nl-NL" sz="4400" i="1" dirty="0" smtClean="0">
-                              <a:latin typeface="Cambria Math" panose="02040503050406030204" pitchFamily="18" charset="0"/>
-                            </a:rPr>
-                          </m:ctrlPr>
-                        </m:dPr>
-                        <m:e>
-                          <m:r>
-                            <a:rPr lang="nl-NL" sz="4400" i="1" dirty="0" smtClean="0">
-                              <a:latin typeface="Cambria Math" panose="02040503050406030204" pitchFamily="18" charset="0"/>
-                            </a:rPr>
-                            <m:t>3,5;7</m:t>
-                          </m:r>
-                        </m:e>
-                      </m:d>
-                    </m:oMath>
-                  </m:oMathPara>
-                </a14:m>
-                <a:endParaRPr lang="nl-NL" sz="4400" dirty="0"/>
-              </a:p>
-              <a:p>
-                <a14:m>
-                  <m:oMathPara xmlns:m="http://schemas.openxmlformats.org/officeDocument/2006/math">
-                    <m:oMathParaPr>
-                      <m:jc m:val="centerGroup"/>
-                    </m:oMathParaPr>
-                    <m:oMath xmlns:m="http://schemas.openxmlformats.org/officeDocument/2006/math">
-                      <m:r>
-                        <a:rPr lang="nl-NL" sz="4400" b="0" i="1" smtClean="0">
-                          <a:latin typeface="Cambria Math" panose="02040503050406030204" pitchFamily="18" charset="0"/>
-                        </a:rPr>
-                        <m:t>𝐵</m:t>
-                      </m:r>
-                      <m:d>
-                        <m:dPr>
-                          <m:ctrlPr>
-                            <a:rPr lang="nl-NL" sz="4400" b="0" i="1" smtClean="0">
-                              <a:latin typeface="Cambria Math" panose="02040503050406030204" pitchFamily="18" charset="0"/>
-                            </a:rPr>
-                          </m:ctrlPr>
-                        </m:dPr>
-                        <m:e>
-                          <m:r>
-                            <a:rPr lang="nl-NL" sz="4400" b="0" i="1" smtClean="0">
-                              <a:latin typeface="Cambria Math" panose="02040503050406030204" pitchFamily="18" charset="0"/>
-                            </a:rPr>
-                            <m:t>3,5</m:t>
-                          </m:r>
-                        </m:e>
-                      </m:d>
-                    </m:oMath>
-                  </m:oMathPara>
-                </a14:m>
-                <a:endParaRPr lang="nl-NL" sz="4400" b="0" dirty="0"/>
-              </a:p>
-              <a:p>
-                <a14:m>
-                  <m:oMathPara xmlns:m="http://schemas.openxmlformats.org/officeDocument/2006/math">
-                    <m:oMathParaPr>
-                      <m:jc m:val="centerGroup"/>
-                    </m:oMathParaPr>
-                    <m:oMath xmlns:m="http://schemas.openxmlformats.org/officeDocument/2006/math">
-                      <m:r>
-                        <a:rPr lang="nl-NL" sz="4400" b="0" i="1" smtClean="0">
-                          <a:latin typeface="Cambria Math" panose="02040503050406030204" pitchFamily="18" charset="0"/>
-                        </a:rPr>
-                        <m:t>𝐶</m:t>
-                      </m:r>
-                      <m:d>
-                        <m:dPr>
-                          <m:ctrlPr>
-                            <a:rPr lang="nl-NL" sz="4400" b="0" i="1" smtClean="0">
-                              <a:latin typeface="Cambria Math" panose="02040503050406030204" pitchFamily="18" charset="0"/>
-                            </a:rPr>
-                          </m:ctrlPr>
-                        </m:dPr>
-                        <m:e>
-                          <m:r>
-                            <a:rPr lang="nl-NL" sz="4400" b="0" i="1" smtClean="0">
-                              <a:latin typeface="Cambria Math" panose="02040503050406030204" pitchFamily="18" charset="0"/>
-                            </a:rPr>
-                            <m:t>−2,4</m:t>
-                          </m:r>
-                        </m:e>
-                      </m:d>
-                    </m:oMath>
-                  </m:oMathPara>
-                </a14:m>
-                <a:endParaRPr lang="nl-NL" sz="4400" b="0" dirty="0"/>
-              </a:p>
-              <a:p>
-                <a14:m>
-                  <m:oMath xmlns:m="http://schemas.openxmlformats.org/officeDocument/2006/math">
-                    <m:r>
-                      <a:rPr lang="nl-NL" sz="4400" b="0" i="1" smtClean="0">
-                        <a:latin typeface="Cambria Math" panose="02040503050406030204" pitchFamily="18" charset="0"/>
-                      </a:rPr>
-                      <m:t>𝐷</m:t>
-                    </m:r>
-                    <m:r>
-                      <a:rPr lang="nl-NL" sz="4400" b="0" i="1" smtClean="0">
-                        <a:latin typeface="Cambria Math" panose="02040503050406030204" pitchFamily="18" charset="0"/>
-                      </a:rPr>
-                      <m:t>(2</m:t>
-                    </m:r>
-                    <m:f>
-                      <m:fPr>
-                        <m:ctrlPr>
-                          <a:rPr lang="nl-NL" sz="4400" b="0" i="1" smtClean="0">
-                            <a:latin typeface="Cambria Math" panose="02040503050406030204" pitchFamily="18" charset="0"/>
-                          </a:rPr>
-                        </m:ctrlPr>
-                      </m:fPr>
-                      <m:num>
-                        <m:r>
-                          <a:rPr lang="nl-NL" sz="4400" b="0" i="1" smtClean="0">
-                            <a:latin typeface="Cambria Math" panose="02040503050406030204" pitchFamily="18" charset="0"/>
-                          </a:rPr>
-                          <m:t>5</m:t>
-                        </m:r>
-                      </m:num>
-                      <m:den>
-                        <m:r>
-                          <a:rPr lang="nl-NL" sz="4400" b="0" i="1" smtClean="0">
-                            <a:latin typeface="Cambria Math" panose="02040503050406030204" pitchFamily="18" charset="0"/>
-                          </a:rPr>
-                          <m:t>7</m:t>
-                        </m:r>
-                      </m:den>
-                    </m:f>
-                    <m:r>
-                      <a:rPr lang="nl-NL" sz="4400" b="0" i="1" smtClean="0">
-                        <a:latin typeface="Cambria Math" panose="02040503050406030204" pitchFamily="18" charset="0"/>
-                      </a:rPr>
-                      <m:t>,5)</m:t>
-                    </m:r>
-                  </m:oMath>
-                </a14:m>
-                <a:r>
-                  <a:rPr lang="nl-NL" sz="4400" dirty="0"/>
-                  <a:t> </a:t>
-                </a:r>
-              </a:p>
-              <a:p>
-                <a:r>
-                  <a:rPr lang="nl-NL" sz="4400" dirty="0"/>
-                  <a:t> </a:t>
-                </a:r>
-              </a:p>
-            </p:txBody>
-          </p:sp>
-        </mc:Choice>
-        <mc:Fallback>
-          <p:sp>
-            <p:nvSpPr>
-              <p:cNvPr id="10" name="Tekstvak 9">
-                <a:extLst>
-                  <a:ext uri="{FF2B5EF4-FFF2-40B4-BE49-F238E27FC236}">
-                    <a16:creationId xmlns:a16="http://schemas.microsoft.com/office/drawing/2014/main" id="{2BD6AE24-64BF-8AAF-EF81-AF358116046C}"/>
-                  </a:ext>
-                </a:extLst>
-              </p:cNvPr>
-              <p:cNvSpPr txBox="1">
-                <a:spLocks noRot="1" noChangeAspect="1" noMove="1" noResize="1" noEditPoints="1" noAdjustHandles="1" noChangeArrowheads="1" noChangeShapeType="1" noTextEdit="1"/>
-              </p:cNvSpPr>
-              <p:nvPr/>
-            </p:nvSpPr>
-            <p:spPr>
-              <a:xfrm>
-                <a:off x="6553200" y="1544510"/>
-                <a:ext cx="2655086" cy="3768980"/>
-              </a:xfrm>
-              <a:prstGeom prst="rect">
-                <a:avLst/>
-              </a:prstGeom>
-              <a:blipFill>
-                <a:blip r:embed="rId3"/>
-                <a:stretch>
-                  <a:fillRect/>
-                </a:stretch>
-              </a:blipFill>
-            </p:spPr>
-            <p:txBody>
-              <a:bodyPr/>
-              <a:lstStyle/>
-              <a:p>
-                <a:r>
-                  <a:rPr lang="nl-NL">
-                    <a:noFill/>
-                  </a:rPr>
-                  <a:t> </a:t>
-                </a:r>
-              </a:p>
-            </p:txBody>
-          </p:sp>
-        </mc:Fallback>
-      </mc:AlternateContent>
-    </p:spTree>
-    <p:extLst>
-      <p:ext uri="{BB962C8B-B14F-4D97-AF65-F5344CB8AC3E}">
-        <p14:creationId xmlns:p14="http://schemas.microsoft.com/office/powerpoint/2010/main" val="4269605906"/>
-      </p:ext>
-    </p:extLst>
-  </p:cSld>
-  <p:clrMapOvr>
-    <a:masterClrMapping/>
-  </p:clrMapOvr>
-</p:sld>
-</file>
-
-<file path=ppt/slides/slide4.xml><?xml version="1.0" encoding="utf-8"?>
-<p:sld xmlns:a="http://schemas.openxmlformats.org/drawingml/2006/main" xmlns:r="http://schemas.openxmlformats.org/officeDocument/2006/relationships" xmlns:p="http://schemas.openxmlformats.org/presentationml/2006/main">
-  <p:cSld>
-    <p:spTree>
-      <p:nvGrpSpPr>
-        <p:cNvPr id="1" name=""/>
-        <p:cNvGrpSpPr/>
-        <p:nvPr/>
-      </p:nvGrpSpPr>
-      <p:grpSpPr>
-        <a:xfrm>
-          <a:off x="0" y="0"/>
-          <a:ext cx="0" cy="0"/>
-          <a:chOff x="0" y="0"/>
-          <a:chExt cx="0" cy="0"/>
-        </a:xfrm>
-      </p:grpSpPr>
-      <p:sp>
-        <p:nvSpPr>
-          <p:cNvPr id="2" name="Titel 1">
-            <a:extLst>
-              <a:ext uri="{FF2B5EF4-FFF2-40B4-BE49-F238E27FC236}">
-                <a16:creationId xmlns:a16="http://schemas.microsoft.com/office/drawing/2014/main" id="{73168B85-7905-DEBC-34BC-B73EB909DDCD}"/>
-              </a:ext>
-            </a:extLst>
-          </p:cNvPr>
-          <p:cNvSpPr>
-            <a:spLocks noGrp="1"/>
-          </p:cNvSpPr>
-          <p:nvPr>
-            <p:ph type="title"/>
-          </p:nvPr>
-        </p:nvSpPr>
-        <p:spPr/>
-        <p:txBody>
-          <a:bodyPr/>
-          <a:lstStyle/>
-          <a:p>
-            <a:r>
-              <a:rPr lang="nl-NL" dirty="0"/>
-              <a:t>Wiskunde Termen</a:t>
-            </a:r>
-          </a:p>
-        </p:txBody>
-      </p:sp>
-      <p:sp>
-        <p:nvSpPr>
-          <p:cNvPr id="4" name="Titel 1">
-            <a:extLst>
-              <a:ext uri="{FF2B5EF4-FFF2-40B4-BE49-F238E27FC236}">
-                <a16:creationId xmlns:a16="http://schemas.microsoft.com/office/drawing/2014/main" id="{61ED484A-E87E-7D07-D06C-3D405D336CC2}"/>
-              </a:ext>
-            </a:extLst>
-          </p:cNvPr>
-          <p:cNvSpPr txBox="1">
-            <a:spLocks/>
-          </p:cNvSpPr>
-          <p:nvPr/>
-        </p:nvSpPr>
-        <p:spPr>
-          <a:xfrm>
-            <a:off x="1524000" y="2105897"/>
-            <a:ext cx="9144000" cy="2646206"/>
-          </a:xfrm>
-          <a:prstGeom prst="rect">
-            <a:avLst/>
-          </a:prstGeom>
-        </p:spPr>
-        <p:txBody>
-          <a:bodyPr vert="horz" lIns="91440" tIns="45720" rIns="91440" bIns="45720" rtlCol="0" anchor="ctr">
-            <a:normAutofit fontScale="82500" lnSpcReduction="20000"/>
-          </a:bodyPr>
-          <a:lstStyle>
-            <a:lvl1pPr algn="l" defTabSz="914400" rtl="0" eaLnBrk="1" latinLnBrk="0" hangingPunct="1">
-              <a:lnSpc>
-                <a:spcPct val="90000"/>
-              </a:lnSpc>
-              <a:spcBef>
-                <a:spcPct val="0"/>
-              </a:spcBef>
-              <a:buNone/>
-              <a:defRPr sz="4400" kern="1200">
-                <a:solidFill>
-                  <a:schemeClr val="tx1"/>
-                </a:solidFill>
-                <a:latin typeface="+mj-lt"/>
-                <a:ea typeface="+mj-ea"/>
-                <a:cs typeface="+mj-cs"/>
-              </a:defRPr>
-            </a:lvl1pPr>
-          </a:lstStyle>
-          <a:p>
-            <a:pPr algn="ctr"/>
-            <a:r>
-              <a:rPr lang="nl-NL" sz="9000" b="1" dirty="0"/>
-              <a:t>x-coördinaat</a:t>
-            </a:r>
-          </a:p>
-          <a:p>
-            <a:pPr algn="ctr"/>
-            <a:endParaRPr lang="nl-NL" sz="9000" b="1" dirty="0"/>
-          </a:p>
-          <a:p>
-            <a:pPr algn="ctr"/>
-            <a:r>
-              <a:rPr lang="nl-NL" sz="9000" b="1" dirty="0"/>
-              <a:t>y-coördinaat</a:t>
-            </a:r>
-          </a:p>
-        </p:txBody>
-      </p:sp>
-    </p:spTree>
-    <p:extLst>
-      <p:ext uri="{BB962C8B-B14F-4D97-AF65-F5344CB8AC3E}">
-        <p14:creationId xmlns:p14="http://schemas.microsoft.com/office/powerpoint/2010/main" val="2714562981"/>
-      </p:ext>
-    </p:extLst>
-  </p:cSld>
-  <p:clrMapOvr>
-    <a:masterClrMapping/>
-  </p:clrMapOvr>
-</p:sld>
-</file>
-
-<file path=ppt/slides/slide5.xml><?xml version="1.0" encoding="utf-8"?>
-<p:sld xmlns:a="http://schemas.openxmlformats.org/drawingml/2006/main" xmlns:r="http://schemas.openxmlformats.org/officeDocument/2006/relationships" xmlns:p="http://schemas.openxmlformats.org/presentationml/2006/main">
-  <p:cSld>
-    <p:spTree>
-      <p:nvGrpSpPr>
-        <p:cNvPr id="1" name=""/>
-        <p:cNvGrpSpPr/>
-        <p:nvPr/>
-      </p:nvGrpSpPr>
-      <p:grpSpPr>
-        <a:xfrm>
-          <a:off x="0" y="0"/>
-          <a:ext cx="0" cy="0"/>
-          <a:chOff x="0" y="0"/>
-          <a:chExt cx="0" cy="0"/>
-        </a:xfrm>
-      </p:grpSpPr>
-      <p:sp>
-        <p:nvSpPr>
-          <p:cNvPr id="2" name="Titel 1">
-            <a:extLst>
-              <a:ext uri="{FF2B5EF4-FFF2-40B4-BE49-F238E27FC236}">
-                <a16:creationId xmlns:a16="http://schemas.microsoft.com/office/drawing/2014/main" id="{C2F5861A-BCDE-D2A4-C355-05C8119ED351}"/>
-              </a:ext>
-            </a:extLst>
-          </p:cNvPr>
-          <p:cNvSpPr>
-            <a:spLocks noGrp="1"/>
-          </p:cNvSpPr>
-          <p:nvPr>
-            <p:ph type="ctrTitle"/>
-          </p:nvPr>
-        </p:nvSpPr>
-        <p:spPr>
-          <a:xfrm>
-            <a:off x="1524000" y="236482"/>
-            <a:ext cx="9144000" cy="892887"/>
-          </a:xfrm>
-        </p:spPr>
-        <p:txBody>
-          <a:bodyPr>
-            <a:normAutofit fontScale="90000"/>
-          </a:bodyPr>
-          <a:lstStyle/>
-          <a:p>
-            <a:r>
-              <a:rPr lang="nl-NL" dirty="0"/>
-              <a:t>x-coördinaat &amp; y-coördinaat</a:t>
-            </a:r>
-          </a:p>
-        </p:txBody>
-      </p:sp>
-      <p:sp>
-        <p:nvSpPr>
-          <p:cNvPr id="3" name="Ondertitel 2">
-            <a:extLst>
-              <a:ext uri="{FF2B5EF4-FFF2-40B4-BE49-F238E27FC236}">
-                <a16:creationId xmlns:a16="http://schemas.microsoft.com/office/drawing/2014/main" id="{7988AA68-FB88-7C7C-5E47-2AE86A2EFD72}"/>
-              </a:ext>
-            </a:extLst>
-          </p:cNvPr>
-          <p:cNvSpPr>
-            <a:spLocks noGrp="1"/>
-          </p:cNvSpPr>
-          <p:nvPr>
-            <p:ph type="subTitle" idx="1"/>
-          </p:nvPr>
-        </p:nvSpPr>
-        <p:spPr>
-          <a:xfrm>
-            <a:off x="475282" y="1350113"/>
-            <a:ext cx="11241436" cy="2530747"/>
-          </a:xfrm>
-        </p:spPr>
-        <p:txBody>
-          <a:bodyPr>
-            <a:normAutofit/>
-          </a:bodyPr>
-          <a:lstStyle/>
-          <a:p>
-            <a:r>
-              <a:rPr lang="nl-NL" dirty="0"/>
-              <a:t>Een </a:t>
-            </a:r>
-            <a:r>
-              <a:rPr lang="nl-NL" dirty="0">
-                <a:solidFill>
-                  <a:srgbClr val="7030A0"/>
-                </a:solidFill>
-              </a:rPr>
-              <a:t>coördinaat</a:t>
-            </a:r>
-            <a:r>
-              <a:rPr lang="nl-NL" dirty="0"/>
-              <a:t> heeft een x-coördinaat en een y-coördinaat.</a:t>
-            </a:r>
-          </a:p>
-          <a:p>
-            <a:r>
-              <a:rPr lang="nl-NL" dirty="0"/>
-              <a:t>Het eerste coördinaat geeft aan hoeveel je naar links of rechts gaat (x-coördinaat).</a:t>
-            </a:r>
-          </a:p>
-          <a:p>
-            <a:r>
-              <a:rPr lang="nl-NL" dirty="0"/>
-              <a:t>Het tweede coördinaat geeft aan hoeveel je naar boven of beneden gaat (y-coördinaat).</a:t>
-            </a:r>
-          </a:p>
-          <a:p>
-            <a:endParaRPr lang="nl-NL" dirty="0"/>
-          </a:p>
-          <a:p>
-            <a:endParaRPr lang="nl-NL" dirty="0"/>
-          </a:p>
-          <a:p>
-            <a:endParaRPr lang="nl-NL" dirty="0"/>
-          </a:p>
-        </p:txBody>
-      </p:sp>
-    </p:spTree>
-    <p:extLst>
-      <p:ext uri="{BB962C8B-B14F-4D97-AF65-F5344CB8AC3E}">
-        <p14:creationId xmlns:p14="http://schemas.microsoft.com/office/powerpoint/2010/main" val="1665895302"/>
-      </p:ext>
-    </p:extLst>
-  </p:cSld>
-  <p:clrMapOvr>
-    <a:masterClrMapping/>
-  </p:clrMapOvr>
-</p:sld>
-</file>
-
-<file path=ppt/slides/slide6.xml><?xml version="1.0" encoding="utf-8"?>
-<p:sld xmlns:a="http://schemas.openxmlformats.org/drawingml/2006/main" xmlns:r="http://schemas.openxmlformats.org/officeDocument/2006/relationships" xmlns:p="http://schemas.openxmlformats.org/presentationml/2006/main">
-  <p:cSld>
-    <p:spTree>
-      <p:nvGrpSpPr>
-        <p:cNvPr id="1" name=""/>
-        <p:cNvGrpSpPr/>
-        <p:nvPr/>
-      </p:nvGrpSpPr>
-      <p:grpSpPr>
-        <a:xfrm>
-          <a:off x="0" y="0"/>
-          <a:ext cx="0" cy="0"/>
-          <a:chOff x="0" y="0"/>
-          <a:chExt cx="0" cy="0"/>
-        </a:xfrm>
-      </p:grpSpPr>
-      <p:sp>
-        <p:nvSpPr>
-          <p:cNvPr id="2" name="Titel 1">
-            <a:extLst>
-              <a:ext uri="{FF2B5EF4-FFF2-40B4-BE49-F238E27FC236}">
-                <a16:creationId xmlns:a16="http://schemas.microsoft.com/office/drawing/2014/main" id="{C2F5861A-BCDE-D2A4-C355-05C8119ED351}"/>
-              </a:ext>
-            </a:extLst>
-          </p:cNvPr>
-          <p:cNvSpPr>
-            <a:spLocks noGrp="1"/>
-          </p:cNvSpPr>
-          <p:nvPr>
-            <p:ph type="ctrTitle"/>
-          </p:nvPr>
-        </p:nvSpPr>
-        <p:spPr>
-          <a:xfrm>
-            <a:off x="431533" y="258609"/>
-            <a:ext cx="11328934" cy="892887"/>
-          </a:xfrm>
-        </p:spPr>
-        <p:txBody>
-          <a:bodyPr>
-            <a:normAutofit fontScale="90000"/>
-          </a:bodyPr>
-          <a:lstStyle/>
-          <a:p>
-            <a:r>
-              <a:rPr lang="nl-NL" dirty="0"/>
-              <a:t>Voorbeeld x-coördinaat &amp; y-coördinaat</a:t>
-            </a:r>
-          </a:p>
-        </p:txBody>
-      </p:sp>
-      <p:sp>
-        <p:nvSpPr>
-          <p:cNvPr id="3" name="AutoShape 2" descr="Ruimtelijke figuren">
-            <a:extLst>
-              <a:ext uri="{FF2B5EF4-FFF2-40B4-BE49-F238E27FC236}">
-                <a16:creationId xmlns:a16="http://schemas.microsoft.com/office/drawing/2014/main" id="{35816B3A-C1C1-A387-7798-2FFF4CAA28A9}"/>
-              </a:ext>
-            </a:extLst>
-          </p:cNvPr>
-          <p:cNvSpPr>
-            <a:spLocks noChangeAspect="1" noChangeArrowheads="1"/>
-          </p:cNvSpPr>
-          <p:nvPr/>
-        </p:nvSpPr>
-        <p:spPr bwMode="auto">
-          <a:xfrm>
-            <a:off x="5943600" y="3276600"/>
-            <a:ext cx="304800" cy="304800"/>
-          </a:xfrm>
-          <a:prstGeom prst="rect">
-            <a:avLst/>
-          </a:prstGeom>
-          <a:noFill/>
-          <a:extLst>
-            <a:ext uri="{909E8E84-426E-40DD-AFC4-6F175D3DCCD1}">
-              <a14:hiddenFill xmlns:a14="http://schemas.microsoft.com/office/drawing/2010/main">
-                <a:solidFill>
-                  <a:srgbClr val="FFFFFF"/>
-                </a:solidFill>
-              </a14:hiddenFill>
-            </a:ext>
-          </a:extLst>
-        </p:spPr>
-        <p:txBody>
-          <a:bodyPr vert="horz" wrap="square" lIns="91440" tIns="45720" rIns="91440" bIns="45720" numCol="1" anchor="t" anchorCtr="0" compatLnSpc="1">
-            <a:prstTxWarp prst="textNoShape">
-              <a:avLst/>
-            </a:prstTxWarp>
-          </a:bodyPr>
-          <a:lstStyle/>
-          <a:p>
-            <a:endParaRPr lang="nl-NL"/>
-          </a:p>
-        </p:txBody>
-      </p:sp>
-      <p:sp>
-        <p:nvSpPr>
-          <p:cNvPr id="4" name="AutoShape 4" descr="Ruimtelijke figuren">
-            <a:extLst>
-              <a:ext uri="{FF2B5EF4-FFF2-40B4-BE49-F238E27FC236}">
-                <a16:creationId xmlns:a16="http://schemas.microsoft.com/office/drawing/2014/main" id="{B82310C2-292E-F815-60F6-3FFD0672F290}"/>
-              </a:ext>
-            </a:extLst>
-          </p:cNvPr>
-          <p:cNvSpPr>
-            <a:spLocks noChangeAspect="1" noChangeArrowheads="1"/>
-          </p:cNvSpPr>
-          <p:nvPr/>
-        </p:nvSpPr>
-        <p:spPr bwMode="auto">
-          <a:xfrm>
-            <a:off x="6096000" y="3429000"/>
-            <a:ext cx="304800" cy="304800"/>
-          </a:xfrm>
-          <a:prstGeom prst="rect">
-            <a:avLst/>
-          </a:prstGeom>
-          <a:noFill/>
-          <a:extLst>
-            <a:ext uri="{909E8E84-426E-40DD-AFC4-6F175D3DCCD1}">
-              <a14:hiddenFill xmlns:a14="http://schemas.microsoft.com/office/drawing/2010/main">
-                <a:solidFill>
-                  <a:srgbClr val="FFFFFF"/>
-                </a:solidFill>
-              </a14:hiddenFill>
-            </a:ext>
-          </a:extLst>
-        </p:spPr>
-        <p:txBody>
-          <a:bodyPr vert="horz" wrap="square" lIns="91440" tIns="45720" rIns="91440" bIns="45720" numCol="1" anchor="t" anchorCtr="0" compatLnSpc="1">
-            <a:prstTxWarp prst="textNoShape">
-              <a:avLst/>
-            </a:prstTxWarp>
-          </a:bodyPr>
-          <a:lstStyle/>
-          <a:p>
-            <a:endParaRPr lang="nl-NL"/>
-          </a:p>
-        </p:txBody>
-      </p:sp>
-      <p:pic>
-        <p:nvPicPr>
-          <p:cNvPr id="7" name="Picture 2" descr="Alles over GPS - wat is gps, cursussen, routes, geocaching etc.">
-            <a:extLst>
-              <a:ext uri="{FF2B5EF4-FFF2-40B4-BE49-F238E27FC236}">
-                <a16:creationId xmlns:a16="http://schemas.microsoft.com/office/drawing/2014/main" id="{0F0DF19E-C775-767D-49BC-C8A3DCA16BFC}"/>
-              </a:ext>
-            </a:extLst>
-          </p:cNvPr>
-          <p:cNvPicPr>
-            <a:picLocks noChangeAspect="1" noChangeArrowheads="1"/>
-          </p:cNvPicPr>
-          <p:nvPr/>
-        </p:nvPicPr>
-        <p:blipFill>
-          <a:blip r:embed="rId2">
-            <a:extLst>
-              <a:ext uri="{28A0092B-C50C-407E-A947-70E740481C1C}">
-                <a14:useLocalDpi xmlns:a14="http://schemas.microsoft.com/office/drawing/2010/main" val="0"/>
-              </a:ext>
-            </a:extLst>
-          </a:blip>
-          <a:srcRect/>
-          <a:stretch>
-            <a:fillRect/>
-          </a:stretch>
-        </p:blipFill>
-        <p:spPr bwMode="auto">
-          <a:xfrm>
-            <a:off x="621143" y="1195220"/>
-            <a:ext cx="5170057" cy="4772360"/>
-          </a:xfrm>
-          <a:prstGeom prst="rect">
-            <a:avLst/>
-          </a:prstGeom>
-          <a:noFill/>
-          <a:extLst>
-            <a:ext uri="{909E8E84-426E-40DD-AFC4-6F175D3DCCD1}">
-              <a14:hiddenFill xmlns:a14="http://schemas.microsoft.com/office/drawing/2010/main">
-                <a:solidFill>
-                  <a:srgbClr val="FFFFFF"/>
-                </a:solidFill>
-              </a14:hiddenFill>
-            </a:ext>
-          </a:extLst>
-        </p:spPr>
-      </p:pic>
-      <mc:AlternateContent xmlns:mc="http://schemas.openxmlformats.org/markup-compatibility/2006">
-        <mc:Choice xmlns:a14="http://schemas.microsoft.com/office/drawing/2010/main" Requires="a14">
+      <mc:AlternateContent xmlns:mc="http://schemas.openxmlformats.org/markup-compatibility/2006" xmlns:a14="http://schemas.microsoft.com/office/drawing/2010/main">
+        <mc:Choice Requires="a14">
           <p:sp>
             <p:nvSpPr>
               <p:cNvPr id="10" name="Tekstvak 9">
@@ -11239,6 +8171,7 @@
               </a:bodyPr>
               <a:lstStyle/>
               <a:p>
+                <a:pPr/>
                 <a14:m>
                   <m:oMathPara xmlns:m="http://schemas.openxmlformats.org/officeDocument/2006/math">
                     <m:oMathParaPr>
@@ -11263,6 +8196,7 @@
                 <a:endParaRPr lang="nl-NL" sz="4400" dirty="0"/>
               </a:p>
               <a:p>
+                <a:pPr/>
                 <a14:m>
                   <m:oMathPara xmlns:m="http://schemas.openxmlformats.org/officeDocument/2006/math">
                     <m:oMathParaPr>
@@ -11289,7 +8223,7 @@
             </p:txBody>
           </p:sp>
         </mc:Choice>
-        <mc:Fallback>
+        <mc:Fallback xmlns="">
           <p:sp>
             <p:nvSpPr>
               <p:cNvPr id="10" name="Tekstvak 9">
@@ -11390,7 +8324,7 @@
 </p:sld>
 </file>
 
-<file path=ppt/slides/slide7.xml><?xml version="1.0" encoding="utf-8"?>
+<file path=ppt/slides/slide13.xml><?xml version="1.0" encoding="utf-8"?>
 <p:sld xmlns:a="http://schemas.openxmlformats.org/drawingml/2006/main" xmlns:r="http://schemas.openxmlformats.org/officeDocument/2006/relationships" xmlns:p="http://schemas.openxmlformats.org/presentationml/2006/main">
   <p:cSld>
     <p:spTree>
@@ -11503,7 +8437,7 @@
 </p:sld>
 </file>
 
-<file path=ppt/slides/slide8.xml><?xml version="1.0" encoding="utf-8"?>
+<file path=ppt/slides/slide14.xml><?xml version="1.0" encoding="utf-8"?>
 <p:sld xmlns:a="http://schemas.openxmlformats.org/drawingml/2006/main" xmlns:r="http://schemas.openxmlformats.org/officeDocument/2006/relationships" xmlns:p="http://schemas.openxmlformats.org/presentationml/2006/main">
   <p:cSld>
     <p:spTree>
@@ -11555,8 +8489,8 @@
           </a:p>
         </p:txBody>
       </p:sp>
-      <mc:AlternateContent xmlns:mc="http://schemas.openxmlformats.org/markup-compatibility/2006">
-        <mc:Choice xmlns:a14="http://schemas.microsoft.com/office/drawing/2010/main" Requires="a14">
+      <mc:AlternateContent xmlns:mc="http://schemas.openxmlformats.org/markup-compatibility/2006" xmlns:a14="http://schemas.microsoft.com/office/drawing/2010/main">
+        <mc:Choice Requires="a14">
           <p:sp>
             <p:nvSpPr>
               <p:cNvPr id="3" name="Ondertitel 2">
@@ -11699,7 +8633,7 @@
             </p:txBody>
           </p:sp>
         </mc:Choice>
-        <mc:Fallback>
+        <mc:Fallback xmlns="">
           <p:sp>
             <p:nvSpPr>
               <p:cNvPr id="3" name="Ondertitel 2">
@@ -11756,7 +8690,7 @@
 </p:sld>
 </file>
 
-<file path=ppt/slides/slide9.xml><?xml version="1.0" encoding="utf-8"?>
+<file path=ppt/slides/slide15.xml><?xml version="1.0" encoding="utf-8"?>
 <p:sld xmlns:a="http://schemas.openxmlformats.org/drawingml/2006/main" xmlns:r="http://schemas.openxmlformats.org/officeDocument/2006/relationships" xmlns:p="http://schemas.openxmlformats.org/presentationml/2006/main">
   <p:cSld>
     <p:spTree>
@@ -11984,6 +8918,4080 @@
     <p:extLst>
       <p:ext uri="{BB962C8B-B14F-4D97-AF65-F5344CB8AC3E}">
         <p14:creationId xmlns:p14="http://schemas.microsoft.com/office/powerpoint/2010/main" val="3249898053"/>
+      </p:ext>
+    </p:extLst>
+  </p:cSld>
+  <p:clrMapOvr>
+    <a:masterClrMapping/>
+  </p:clrMapOvr>
+</p:sld>
+</file>
+
+<file path=ppt/slides/slide16.xml><?xml version="1.0" encoding="utf-8"?>
+<p:sld xmlns:a="http://schemas.openxmlformats.org/drawingml/2006/main" xmlns:r="http://schemas.openxmlformats.org/officeDocument/2006/relationships" xmlns:p="http://schemas.openxmlformats.org/presentationml/2006/main">
+  <p:cSld>
+    <p:spTree>
+      <p:nvGrpSpPr>
+        <p:cNvPr id="1" name=""/>
+        <p:cNvGrpSpPr/>
+        <p:nvPr/>
+      </p:nvGrpSpPr>
+      <p:grpSpPr>
+        <a:xfrm>
+          <a:off x="0" y="0"/>
+          <a:ext cx="0" cy="0"/>
+          <a:chOff x="0" y="0"/>
+          <a:chExt cx="0" cy="0"/>
+        </a:xfrm>
+      </p:grpSpPr>
+      <p:sp>
+        <p:nvSpPr>
+          <p:cNvPr id="2" name="Titel 1">
+            <a:extLst>
+              <a:ext uri="{FF2B5EF4-FFF2-40B4-BE49-F238E27FC236}">
+                <a16:creationId xmlns:a16="http://schemas.microsoft.com/office/drawing/2014/main" id="{73168B85-7905-DEBC-34BC-B73EB909DDCD}"/>
+              </a:ext>
+            </a:extLst>
+          </p:cNvPr>
+          <p:cNvSpPr>
+            <a:spLocks noGrp="1"/>
+          </p:cNvSpPr>
+          <p:nvPr>
+            <p:ph type="title"/>
+          </p:nvPr>
+        </p:nvSpPr>
+        <p:spPr/>
+        <p:txBody>
+          <a:bodyPr/>
+          <a:lstStyle/>
+          <a:p>
+            <a:r>
+              <a:rPr lang="nl-NL" dirty="0"/>
+              <a:t>Wiskunde Termen</a:t>
+            </a:r>
+          </a:p>
+        </p:txBody>
+      </p:sp>
+      <p:sp>
+        <p:nvSpPr>
+          <p:cNvPr id="4" name="Titel 1">
+            <a:extLst>
+              <a:ext uri="{FF2B5EF4-FFF2-40B4-BE49-F238E27FC236}">
+                <a16:creationId xmlns:a16="http://schemas.microsoft.com/office/drawing/2014/main" id="{61ED484A-E87E-7D07-D06C-3D405D336CC2}"/>
+              </a:ext>
+            </a:extLst>
+          </p:cNvPr>
+          <p:cNvSpPr txBox="1">
+            <a:spLocks/>
+          </p:cNvSpPr>
+          <p:nvPr/>
+        </p:nvSpPr>
+        <p:spPr>
+          <a:xfrm>
+            <a:off x="1524000" y="2105897"/>
+            <a:ext cx="9144000" cy="2646206"/>
+          </a:xfrm>
+          <a:prstGeom prst="rect">
+            <a:avLst/>
+          </a:prstGeom>
+        </p:spPr>
+        <p:txBody>
+          <a:bodyPr vert="horz" lIns="91440" tIns="45720" rIns="91440" bIns="45720" rtlCol="0" anchor="ctr">
+            <a:normAutofit fontScale="82500" lnSpcReduction="20000"/>
+          </a:bodyPr>
+          <a:lstStyle>
+            <a:lvl1pPr algn="l" defTabSz="914400" rtl="0" eaLnBrk="1" latinLnBrk="0" hangingPunct="1">
+              <a:lnSpc>
+                <a:spcPct val="90000"/>
+              </a:lnSpc>
+              <a:spcBef>
+                <a:spcPct val="0"/>
+              </a:spcBef>
+              <a:buNone/>
+              <a:defRPr sz="4400" kern="1200">
+                <a:solidFill>
+                  <a:schemeClr val="tx1"/>
+                </a:solidFill>
+                <a:latin typeface="+mj-lt"/>
+                <a:ea typeface="+mj-ea"/>
+                <a:cs typeface="+mj-cs"/>
+              </a:defRPr>
+            </a:lvl1pPr>
+          </a:lstStyle>
+          <a:p>
+            <a:pPr algn="ctr"/>
+            <a:r>
+              <a:rPr lang="nl-NL" sz="9000" b="1" dirty="0"/>
+              <a:t>Verticale as</a:t>
+            </a:r>
+          </a:p>
+          <a:p>
+            <a:pPr algn="ctr"/>
+            <a:endParaRPr lang="nl-NL" sz="9000" b="1" dirty="0"/>
+          </a:p>
+          <a:p>
+            <a:pPr algn="ctr"/>
+            <a:r>
+              <a:rPr lang="nl-NL" sz="9000" b="1" dirty="0"/>
+              <a:t>y-as</a:t>
+            </a:r>
+          </a:p>
+        </p:txBody>
+      </p:sp>
+    </p:spTree>
+    <p:extLst>
+      <p:ext uri="{BB962C8B-B14F-4D97-AF65-F5344CB8AC3E}">
+        <p14:creationId xmlns:p14="http://schemas.microsoft.com/office/powerpoint/2010/main" val="3448234150"/>
+      </p:ext>
+    </p:extLst>
+  </p:cSld>
+  <p:clrMapOvr>
+    <a:masterClrMapping/>
+  </p:clrMapOvr>
+</p:sld>
+</file>
+
+<file path=ppt/slides/slide17.xml><?xml version="1.0" encoding="utf-8"?>
+<p:sld xmlns:a="http://schemas.openxmlformats.org/drawingml/2006/main" xmlns:r="http://schemas.openxmlformats.org/officeDocument/2006/relationships" xmlns:p="http://schemas.openxmlformats.org/presentationml/2006/main">
+  <p:cSld>
+    <p:spTree>
+      <p:nvGrpSpPr>
+        <p:cNvPr id="1" name=""/>
+        <p:cNvGrpSpPr/>
+        <p:nvPr/>
+      </p:nvGrpSpPr>
+      <p:grpSpPr>
+        <a:xfrm>
+          <a:off x="0" y="0"/>
+          <a:ext cx="0" cy="0"/>
+          <a:chOff x="0" y="0"/>
+          <a:chExt cx="0" cy="0"/>
+        </a:xfrm>
+      </p:grpSpPr>
+      <p:sp>
+        <p:nvSpPr>
+          <p:cNvPr id="2" name="Titel 1">
+            <a:extLst>
+              <a:ext uri="{FF2B5EF4-FFF2-40B4-BE49-F238E27FC236}">
+                <a16:creationId xmlns:a16="http://schemas.microsoft.com/office/drawing/2014/main" id="{C2F5861A-BCDE-D2A4-C355-05C8119ED351}"/>
+              </a:ext>
+            </a:extLst>
+          </p:cNvPr>
+          <p:cNvSpPr>
+            <a:spLocks noGrp="1"/>
+          </p:cNvSpPr>
+          <p:nvPr>
+            <p:ph type="ctrTitle"/>
+          </p:nvPr>
+        </p:nvSpPr>
+        <p:spPr>
+          <a:xfrm>
+            <a:off x="1524000" y="236482"/>
+            <a:ext cx="9144000" cy="892887"/>
+          </a:xfrm>
+        </p:spPr>
+        <p:txBody>
+          <a:bodyPr>
+            <a:normAutofit fontScale="90000"/>
+          </a:bodyPr>
+          <a:lstStyle/>
+          <a:p>
+            <a:r>
+              <a:rPr lang="nl-NL" dirty="0"/>
+              <a:t>Verticale as &amp; y-as</a:t>
+            </a:r>
+          </a:p>
+        </p:txBody>
+      </p:sp>
+      <p:sp>
+        <p:nvSpPr>
+          <p:cNvPr id="3" name="Ondertitel 2">
+            <a:extLst>
+              <a:ext uri="{FF2B5EF4-FFF2-40B4-BE49-F238E27FC236}">
+                <a16:creationId xmlns:a16="http://schemas.microsoft.com/office/drawing/2014/main" id="{7988AA68-FB88-7C7C-5E47-2AE86A2EFD72}"/>
+              </a:ext>
+            </a:extLst>
+          </p:cNvPr>
+          <p:cNvSpPr>
+            <a:spLocks noGrp="1"/>
+          </p:cNvSpPr>
+          <p:nvPr>
+            <p:ph type="subTitle" idx="1"/>
+          </p:nvPr>
+        </p:nvSpPr>
+        <p:spPr>
+          <a:xfrm>
+            <a:off x="601851" y="1342364"/>
+            <a:ext cx="10988297" cy="2530747"/>
+          </a:xfrm>
+        </p:spPr>
+        <p:txBody>
+          <a:bodyPr>
+            <a:normAutofit/>
+          </a:bodyPr>
+          <a:lstStyle/>
+          <a:p>
+            <a:r>
+              <a:rPr lang="nl-NL" dirty="0"/>
+              <a:t>De verticale as is een </a:t>
+            </a:r>
+            <a:r>
+              <a:rPr lang="nl-NL" dirty="0">
+                <a:solidFill>
+                  <a:srgbClr val="7030A0"/>
+                </a:solidFill>
+              </a:rPr>
+              <a:t>lijn</a:t>
+            </a:r>
+            <a:r>
+              <a:rPr lang="nl-NL" dirty="0"/>
+              <a:t> die van boven naar beneden loopt. </a:t>
+            </a:r>
+          </a:p>
+          <a:p>
+            <a:r>
+              <a:rPr lang="nl-NL" dirty="0"/>
+              <a:t>Deze as wordt vaak de y-as genoemd en is een belangrijk deel van het </a:t>
+            </a:r>
+            <a:r>
+              <a:rPr lang="nl-NL" dirty="0">
+                <a:solidFill>
+                  <a:srgbClr val="7030A0"/>
+                </a:solidFill>
+              </a:rPr>
+              <a:t>assenstelsel</a:t>
+            </a:r>
+            <a:r>
+              <a:rPr lang="nl-NL" dirty="0"/>
+              <a:t>.</a:t>
+            </a:r>
+          </a:p>
+          <a:p>
+            <a:endParaRPr lang="nl-NL" dirty="0"/>
+          </a:p>
+          <a:p>
+            <a:endParaRPr lang="nl-NL" dirty="0"/>
+          </a:p>
+          <a:p>
+            <a:endParaRPr lang="nl-NL" dirty="0"/>
+          </a:p>
+          <a:p>
+            <a:endParaRPr lang="nl-NL" dirty="0"/>
+          </a:p>
+        </p:txBody>
+      </p:sp>
+    </p:spTree>
+    <p:extLst>
+      <p:ext uri="{BB962C8B-B14F-4D97-AF65-F5344CB8AC3E}">
+        <p14:creationId xmlns:p14="http://schemas.microsoft.com/office/powerpoint/2010/main" val="2713223421"/>
+      </p:ext>
+    </p:extLst>
+  </p:cSld>
+  <p:clrMapOvr>
+    <a:masterClrMapping/>
+  </p:clrMapOvr>
+</p:sld>
+</file>
+
+<file path=ppt/slides/slide18.xml><?xml version="1.0" encoding="utf-8"?>
+<p:sld xmlns:a="http://schemas.openxmlformats.org/drawingml/2006/main" xmlns:r="http://schemas.openxmlformats.org/officeDocument/2006/relationships" xmlns:p="http://schemas.openxmlformats.org/presentationml/2006/main">
+  <p:cSld>
+    <p:spTree>
+      <p:nvGrpSpPr>
+        <p:cNvPr id="1" name=""/>
+        <p:cNvGrpSpPr/>
+        <p:nvPr/>
+      </p:nvGrpSpPr>
+      <p:grpSpPr>
+        <a:xfrm>
+          <a:off x="0" y="0"/>
+          <a:ext cx="0" cy="0"/>
+          <a:chOff x="0" y="0"/>
+          <a:chExt cx="0" cy="0"/>
+        </a:xfrm>
+      </p:grpSpPr>
+      <p:sp>
+        <p:nvSpPr>
+          <p:cNvPr id="2" name="Titel 1">
+            <a:extLst>
+              <a:ext uri="{FF2B5EF4-FFF2-40B4-BE49-F238E27FC236}">
+                <a16:creationId xmlns:a16="http://schemas.microsoft.com/office/drawing/2014/main" id="{C2F5861A-BCDE-D2A4-C355-05C8119ED351}"/>
+              </a:ext>
+            </a:extLst>
+          </p:cNvPr>
+          <p:cNvSpPr>
+            <a:spLocks noGrp="1"/>
+          </p:cNvSpPr>
+          <p:nvPr>
+            <p:ph type="ctrTitle"/>
+          </p:nvPr>
+        </p:nvSpPr>
+        <p:spPr>
+          <a:xfrm>
+            <a:off x="431533" y="258609"/>
+            <a:ext cx="11328934" cy="892887"/>
+          </a:xfrm>
+        </p:spPr>
+        <p:txBody>
+          <a:bodyPr>
+            <a:normAutofit fontScale="90000"/>
+          </a:bodyPr>
+          <a:lstStyle/>
+          <a:p>
+            <a:r>
+              <a:rPr lang="nl-NL" dirty="0"/>
+              <a:t>Voorbeeld Verticale as &amp; y-as</a:t>
+            </a:r>
+          </a:p>
+        </p:txBody>
+      </p:sp>
+      <p:sp>
+        <p:nvSpPr>
+          <p:cNvPr id="3" name="AutoShape 2" descr="Ruimtelijke figuren">
+            <a:extLst>
+              <a:ext uri="{FF2B5EF4-FFF2-40B4-BE49-F238E27FC236}">
+                <a16:creationId xmlns:a16="http://schemas.microsoft.com/office/drawing/2014/main" id="{35816B3A-C1C1-A387-7798-2FFF4CAA28A9}"/>
+              </a:ext>
+            </a:extLst>
+          </p:cNvPr>
+          <p:cNvSpPr>
+            <a:spLocks noChangeAspect="1" noChangeArrowheads="1"/>
+          </p:cNvSpPr>
+          <p:nvPr/>
+        </p:nvSpPr>
+        <p:spPr bwMode="auto">
+          <a:xfrm>
+            <a:off x="5943600" y="3276600"/>
+            <a:ext cx="304800" cy="304800"/>
+          </a:xfrm>
+          <a:prstGeom prst="rect">
+            <a:avLst/>
+          </a:prstGeom>
+          <a:noFill/>
+          <a:extLst>
+            <a:ext uri="{909E8E84-426E-40DD-AFC4-6F175D3DCCD1}">
+              <a14:hiddenFill xmlns:a14="http://schemas.microsoft.com/office/drawing/2010/main">
+                <a:solidFill>
+                  <a:srgbClr val="FFFFFF"/>
+                </a:solidFill>
+              </a14:hiddenFill>
+            </a:ext>
+          </a:extLst>
+        </p:spPr>
+        <p:txBody>
+          <a:bodyPr vert="horz" wrap="square" lIns="91440" tIns="45720" rIns="91440" bIns="45720" numCol="1" anchor="t" anchorCtr="0" compatLnSpc="1">
+            <a:prstTxWarp prst="textNoShape">
+              <a:avLst/>
+            </a:prstTxWarp>
+          </a:bodyPr>
+          <a:lstStyle/>
+          <a:p>
+            <a:endParaRPr lang="nl-NL"/>
+          </a:p>
+        </p:txBody>
+      </p:sp>
+      <p:sp>
+        <p:nvSpPr>
+          <p:cNvPr id="4" name="AutoShape 4" descr="Ruimtelijke figuren">
+            <a:extLst>
+              <a:ext uri="{FF2B5EF4-FFF2-40B4-BE49-F238E27FC236}">
+                <a16:creationId xmlns:a16="http://schemas.microsoft.com/office/drawing/2014/main" id="{B82310C2-292E-F815-60F6-3FFD0672F290}"/>
+              </a:ext>
+            </a:extLst>
+          </p:cNvPr>
+          <p:cNvSpPr>
+            <a:spLocks noChangeAspect="1" noChangeArrowheads="1"/>
+          </p:cNvSpPr>
+          <p:nvPr/>
+        </p:nvSpPr>
+        <p:spPr bwMode="auto">
+          <a:xfrm>
+            <a:off x="6096000" y="3429000"/>
+            <a:ext cx="304800" cy="304800"/>
+          </a:xfrm>
+          <a:prstGeom prst="rect">
+            <a:avLst/>
+          </a:prstGeom>
+          <a:noFill/>
+          <a:extLst>
+            <a:ext uri="{909E8E84-426E-40DD-AFC4-6F175D3DCCD1}">
+              <a14:hiddenFill xmlns:a14="http://schemas.microsoft.com/office/drawing/2010/main">
+                <a:solidFill>
+                  <a:srgbClr val="FFFFFF"/>
+                </a:solidFill>
+              </a14:hiddenFill>
+            </a:ext>
+          </a:extLst>
+        </p:spPr>
+        <p:txBody>
+          <a:bodyPr vert="horz" wrap="square" lIns="91440" tIns="45720" rIns="91440" bIns="45720" numCol="1" anchor="t" anchorCtr="0" compatLnSpc="1">
+            <a:prstTxWarp prst="textNoShape">
+              <a:avLst/>
+            </a:prstTxWarp>
+          </a:bodyPr>
+          <a:lstStyle/>
+          <a:p>
+            <a:endParaRPr lang="nl-NL"/>
+          </a:p>
+        </p:txBody>
+      </p:sp>
+      <p:pic>
+        <p:nvPicPr>
+          <p:cNvPr id="8" name="Picture 10" descr="Coördinatenstelsel - Wikipedia">
+            <a:extLst>
+              <a:ext uri="{FF2B5EF4-FFF2-40B4-BE49-F238E27FC236}">
+                <a16:creationId xmlns:a16="http://schemas.microsoft.com/office/drawing/2014/main" id="{0C042713-F178-010D-DD61-7B48AD25ED06}"/>
+              </a:ext>
+            </a:extLst>
+          </p:cNvPr>
+          <p:cNvPicPr>
+            <a:picLocks noChangeAspect="1" noChangeArrowheads="1"/>
+          </p:cNvPicPr>
+          <p:nvPr/>
+        </p:nvPicPr>
+        <p:blipFill>
+          <a:blip r:embed="rId2">
+            <a:extLst>
+              <a:ext uri="{28A0092B-C50C-407E-A947-70E740481C1C}">
+                <a14:useLocalDpi xmlns:a14="http://schemas.microsoft.com/office/drawing/2010/main" val="0"/>
+              </a:ext>
+            </a:extLst>
+          </a:blip>
+          <a:srcRect/>
+          <a:stretch>
+            <a:fillRect/>
+          </a:stretch>
+        </p:blipFill>
+        <p:spPr bwMode="auto">
+          <a:xfrm>
+            <a:off x="3709160" y="1115237"/>
+            <a:ext cx="6080884" cy="5237125"/>
+          </a:xfrm>
+          <a:prstGeom prst="rect">
+            <a:avLst/>
+          </a:prstGeom>
+          <a:noFill/>
+          <a:extLst>
+            <a:ext uri="{909E8E84-426E-40DD-AFC4-6F175D3DCCD1}">
+              <a14:hiddenFill xmlns:a14="http://schemas.microsoft.com/office/drawing/2010/main">
+                <a:solidFill>
+                  <a:srgbClr val="FFFFFF"/>
+                </a:solidFill>
+              </a14:hiddenFill>
+            </a:ext>
+          </a:extLst>
+        </p:spPr>
+      </p:pic>
+      <p:sp>
+        <p:nvSpPr>
+          <p:cNvPr id="9" name="Tekstvak 8">
+            <a:extLst>
+              <a:ext uri="{FF2B5EF4-FFF2-40B4-BE49-F238E27FC236}">
+                <a16:creationId xmlns:a16="http://schemas.microsoft.com/office/drawing/2014/main" id="{F7F2A4CF-4747-72DF-2E4F-DCB0C8DDB181}"/>
+              </a:ext>
+            </a:extLst>
+          </p:cNvPr>
+          <p:cNvSpPr txBox="1"/>
+          <p:nvPr/>
+        </p:nvSpPr>
+        <p:spPr>
+          <a:xfrm>
+            <a:off x="5907157" y="3867815"/>
+            <a:ext cx="336952" cy="369332"/>
+          </a:xfrm>
+          <a:prstGeom prst="rect">
+            <a:avLst/>
+          </a:prstGeom>
+          <a:noFill/>
+        </p:spPr>
+        <p:txBody>
+          <a:bodyPr wrap="none" rtlCol="0">
+            <a:spAutoFit/>
+          </a:bodyPr>
+          <a:lstStyle/>
+          <a:p>
+            <a:r>
+              <a:rPr lang="nl-NL" dirty="0"/>
+              <a:t>O</a:t>
+            </a:r>
+          </a:p>
+        </p:txBody>
+      </p:sp>
+    </p:spTree>
+    <p:extLst>
+      <p:ext uri="{BB962C8B-B14F-4D97-AF65-F5344CB8AC3E}">
+        <p14:creationId xmlns:p14="http://schemas.microsoft.com/office/powerpoint/2010/main" val="3150894169"/>
+      </p:ext>
+    </p:extLst>
+  </p:cSld>
+  <p:clrMapOvr>
+    <a:masterClrMapping/>
+  </p:clrMapOvr>
+</p:sld>
+</file>
+
+<file path=ppt/slides/slide19.xml><?xml version="1.0" encoding="utf-8"?>
+<p:sld xmlns:a="http://schemas.openxmlformats.org/drawingml/2006/main" xmlns:r="http://schemas.openxmlformats.org/officeDocument/2006/relationships" xmlns:p="http://schemas.openxmlformats.org/presentationml/2006/main">
+  <p:cSld>
+    <p:spTree>
+      <p:nvGrpSpPr>
+        <p:cNvPr id="1" name=""/>
+        <p:cNvGrpSpPr/>
+        <p:nvPr/>
+      </p:nvGrpSpPr>
+      <p:grpSpPr>
+        <a:xfrm>
+          <a:off x="0" y="0"/>
+          <a:ext cx="0" cy="0"/>
+          <a:chOff x="0" y="0"/>
+          <a:chExt cx="0" cy="0"/>
+        </a:xfrm>
+      </p:grpSpPr>
+      <p:sp>
+        <p:nvSpPr>
+          <p:cNvPr id="2" name="Titel 1">
+            <a:extLst>
+              <a:ext uri="{FF2B5EF4-FFF2-40B4-BE49-F238E27FC236}">
+                <a16:creationId xmlns:a16="http://schemas.microsoft.com/office/drawing/2014/main" id="{73168B85-7905-DEBC-34BC-B73EB909DDCD}"/>
+              </a:ext>
+            </a:extLst>
+          </p:cNvPr>
+          <p:cNvSpPr>
+            <a:spLocks noGrp="1"/>
+          </p:cNvSpPr>
+          <p:nvPr>
+            <p:ph type="title"/>
+          </p:nvPr>
+        </p:nvSpPr>
+        <p:spPr/>
+        <p:txBody>
+          <a:bodyPr/>
+          <a:lstStyle/>
+          <a:p>
+            <a:r>
+              <a:rPr lang="nl-NL" dirty="0"/>
+              <a:t>Wiskunde Termen</a:t>
+            </a:r>
+          </a:p>
+        </p:txBody>
+      </p:sp>
+      <p:sp>
+        <p:nvSpPr>
+          <p:cNvPr id="4" name="Titel 1">
+            <a:extLst>
+              <a:ext uri="{FF2B5EF4-FFF2-40B4-BE49-F238E27FC236}">
+                <a16:creationId xmlns:a16="http://schemas.microsoft.com/office/drawing/2014/main" id="{61ED484A-E87E-7D07-D06C-3D405D336CC2}"/>
+              </a:ext>
+            </a:extLst>
+          </p:cNvPr>
+          <p:cNvSpPr txBox="1">
+            <a:spLocks/>
+          </p:cNvSpPr>
+          <p:nvPr/>
+        </p:nvSpPr>
+        <p:spPr>
+          <a:xfrm>
+            <a:off x="1524000" y="2105897"/>
+            <a:ext cx="9144000" cy="2646206"/>
+          </a:xfrm>
+          <a:prstGeom prst="rect">
+            <a:avLst/>
+          </a:prstGeom>
+        </p:spPr>
+        <p:txBody>
+          <a:bodyPr vert="horz" lIns="91440" tIns="45720" rIns="91440" bIns="45720" rtlCol="0" anchor="ctr">
+            <a:normAutofit fontScale="82500" lnSpcReduction="20000"/>
+          </a:bodyPr>
+          <a:lstStyle>
+            <a:lvl1pPr algn="l" defTabSz="914400" rtl="0" eaLnBrk="1" latinLnBrk="0" hangingPunct="1">
+              <a:lnSpc>
+                <a:spcPct val="90000"/>
+              </a:lnSpc>
+              <a:spcBef>
+                <a:spcPct val="0"/>
+              </a:spcBef>
+              <a:buNone/>
+              <a:defRPr sz="4400" kern="1200">
+                <a:solidFill>
+                  <a:schemeClr val="tx1"/>
+                </a:solidFill>
+                <a:latin typeface="+mj-lt"/>
+                <a:ea typeface="+mj-ea"/>
+                <a:cs typeface="+mj-cs"/>
+              </a:defRPr>
+            </a:lvl1pPr>
+          </a:lstStyle>
+          <a:p>
+            <a:pPr algn="ctr"/>
+            <a:r>
+              <a:rPr lang="nl-NL" sz="9000" b="1" dirty="0"/>
+              <a:t>Horizontale as</a:t>
+            </a:r>
+          </a:p>
+          <a:p>
+            <a:pPr algn="ctr"/>
+            <a:endParaRPr lang="nl-NL" sz="9000" b="1" dirty="0"/>
+          </a:p>
+          <a:p>
+            <a:pPr algn="ctr"/>
+            <a:r>
+              <a:rPr lang="nl-NL" sz="9000" b="1" dirty="0"/>
+              <a:t>x-as</a:t>
+            </a:r>
+          </a:p>
+        </p:txBody>
+      </p:sp>
+    </p:spTree>
+    <p:extLst>
+      <p:ext uri="{BB962C8B-B14F-4D97-AF65-F5344CB8AC3E}">
+        <p14:creationId xmlns:p14="http://schemas.microsoft.com/office/powerpoint/2010/main" val="3311186606"/>
+      </p:ext>
+    </p:extLst>
+  </p:cSld>
+  <p:clrMapOvr>
+    <a:masterClrMapping/>
+  </p:clrMapOvr>
+</p:sld>
+</file>
+
+<file path=ppt/slides/slide2.xml><?xml version="1.0" encoding="utf-8"?>
+<p:sld xmlns:a="http://schemas.openxmlformats.org/drawingml/2006/main" xmlns:r="http://schemas.openxmlformats.org/officeDocument/2006/relationships" xmlns:p="http://schemas.openxmlformats.org/presentationml/2006/main">
+  <p:cSld>
+    <p:spTree>
+      <p:nvGrpSpPr>
+        <p:cNvPr id="1" name=""/>
+        <p:cNvGrpSpPr/>
+        <p:nvPr/>
+      </p:nvGrpSpPr>
+      <p:grpSpPr>
+        <a:xfrm>
+          <a:off x="0" y="0"/>
+          <a:ext cx="0" cy="0"/>
+          <a:chOff x="0" y="0"/>
+          <a:chExt cx="0" cy="0"/>
+        </a:xfrm>
+      </p:grpSpPr>
+      <p:sp>
+        <p:nvSpPr>
+          <p:cNvPr id="2" name="Titel 1">
+            <a:extLst>
+              <a:ext uri="{FF2B5EF4-FFF2-40B4-BE49-F238E27FC236}">
+                <a16:creationId xmlns:a16="http://schemas.microsoft.com/office/drawing/2014/main" id="{C2F5861A-BCDE-D2A4-C355-05C8119ED351}"/>
+              </a:ext>
+            </a:extLst>
+          </p:cNvPr>
+          <p:cNvSpPr>
+            <a:spLocks noGrp="1"/>
+          </p:cNvSpPr>
+          <p:nvPr>
+            <p:ph type="ctrTitle"/>
+          </p:nvPr>
+        </p:nvSpPr>
+        <p:spPr>
+          <a:xfrm>
+            <a:off x="1234698" y="236482"/>
+            <a:ext cx="9722603" cy="892887"/>
+          </a:xfrm>
+        </p:spPr>
+        <p:txBody>
+          <a:bodyPr>
+            <a:normAutofit fontScale="90000"/>
+          </a:bodyPr>
+          <a:lstStyle/>
+          <a:p>
+            <a:r>
+              <a:rPr lang="nl-NL" dirty="0"/>
+              <a:t>Scheurlijn, Zaagtand &amp; </a:t>
+            </a:r>
+            <a:r>
+              <a:rPr lang="nl-NL" dirty="0" err="1"/>
+              <a:t>kreukelijn</a:t>
+            </a:r>
+            <a:endParaRPr lang="nl-NL" dirty="0"/>
+          </a:p>
+        </p:txBody>
+      </p:sp>
+      <p:sp>
+        <p:nvSpPr>
+          <p:cNvPr id="3" name="Ondertitel 2">
+            <a:extLst>
+              <a:ext uri="{FF2B5EF4-FFF2-40B4-BE49-F238E27FC236}">
+                <a16:creationId xmlns:a16="http://schemas.microsoft.com/office/drawing/2014/main" id="{7988AA68-FB88-7C7C-5E47-2AE86A2EFD72}"/>
+              </a:ext>
+            </a:extLst>
+          </p:cNvPr>
+          <p:cNvSpPr>
+            <a:spLocks noGrp="1"/>
+          </p:cNvSpPr>
+          <p:nvPr>
+            <p:ph type="subTitle" idx="1"/>
+          </p:nvPr>
+        </p:nvSpPr>
+        <p:spPr>
+          <a:xfrm>
+            <a:off x="475282" y="1350113"/>
+            <a:ext cx="11241436" cy="2530747"/>
+          </a:xfrm>
+        </p:spPr>
+        <p:txBody>
+          <a:bodyPr>
+            <a:normAutofit/>
+          </a:bodyPr>
+          <a:lstStyle/>
+          <a:p>
+            <a:r>
+              <a:rPr lang="nl-NL"/>
+              <a:t>Een zaagtand</a:t>
+            </a:r>
+            <a:endParaRPr lang="nl-NL" dirty="0"/>
+          </a:p>
+          <a:p>
+            <a:endParaRPr lang="nl-NL" dirty="0"/>
+          </a:p>
+          <a:p>
+            <a:endParaRPr lang="nl-NL" dirty="0"/>
+          </a:p>
+        </p:txBody>
+      </p:sp>
+    </p:spTree>
+    <p:extLst>
+      <p:ext uri="{BB962C8B-B14F-4D97-AF65-F5344CB8AC3E}">
+        <p14:creationId xmlns:p14="http://schemas.microsoft.com/office/powerpoint/2010/main" val="3283999461"/>
+      </p:ext>
+    </p:extLst>
+  </p:cSld>
+  <p:clrMapOvr>
+    <a:masterClrMapping/>
+  </p:clrMapOvr>
+</p:sld>
+</file>
+
+<file path=ppt/slides/slide20.xml><?xml version="1.0" encoding="utf-8"?>
+<p:sld xmlns:a="http://schemas.openxmlformats.org/drawingml/2006/main" xmlns:r="http://schemas.openxmlformats.org/officeDocument/2006/relationships" xmlns:p="http://schemas.openxmlformats.org/presentationml/2006/main">
+  <p:cSld>
+    <p:spTree>
+      <p:nvGrpSpPr>
+        <p:cNvPr id="1" name=""/>
+        <p:cNvGrpSpPr/>
+        <p:nvPr/>
+      </p:nvGrpSpPr>
+      <p:grpSpPr>
+        <a:xfrm>
+          <a:off x="0" y="0"/>
+          <a:ext cx="0" cy="0"/>
+          <a:chOff x="0" y="0"/>
+          <a:chExt cx="0" cy="0"/>
+        </a:xfrm>
+      </p:grpSpPr>
+      <p:sp>
+        <p:nvSpPr>
+          <p:cNvPr id="2" name="Titel 1">
+            <a:extLst>
+              <a:ext uri="{FF2B5EF4-FFF2-40B4-BE49-F238E27FC236}">
+                <a16:creationId xmlns:a16="http://schemas.microsoft.com/office/drawing/2014/main" id="{C2F5861A-BCDE-D2A4-C355-05C8119ED351}"/>
+              </a:ext>
+            </a:extLst>
+          </p:cNvPr>
+          <p:cNvSpPr>
+            <a:spLocks noGrp="1"/>
+          </p:cNvSpPr>
+          <p:nvPr>
+            <p:ph type="ctrTitle"/>
+          </p:nvPr>
+        </p:nvSpPr>
+        <p:spPr>
+          <a:xfrm>
+            <a:off x="1524000" y="236482"/>
+            <a:ext cx="9144000" cy="892887"/>
+          </a:xfrm>
+        </p:spPr>
+        <p:txBody>
+          <a:bodyPr>
+            <a:normAutofit fontScale="90000"/>
+          </a:bodyPr>
+          <a:lstStyle/>
+          <a:p>
+            <a:r>
+              <a:rPr lang="nl-NL" dirty="0"/>
+              <a:t>Horizontale as &amp; x-as</a:t>
+            </a:r>
+          </a:p>
+        </p:txBody>
+      </p:sp>
+      <p:sp>
+        <p:nvSpPr>
+          <p:cNvPr id="3" name="Ondertitel 2">
+            <a:extLst>
+              <a:ext uri="{FF2B5EF4-FFF2-40B4-BE49-F238E27FC236}">
+                <a16:creationId xmlns:a16="http://schemas.microsoft.com/office/drawing/2014/main" id="{7988AA68-FB88-7C7C-5E47-2AE86A2EFD72}"/>
+              </a:ext>
+            </a:extLst>
+          </p:cNvPr>
+          <p:cNvSpPr>
+            <a:spLocks noGrp="1"/>
+          </p:cNvSpPr>
+          <p:nvPr>
+            <p:ph type="subTitle" idx="1"/>
+          </p:nvPr>
+        </p:nvSpPr>
+        <p:spPr>
+          <a:xfrm>
+            <a:off x="601851" y="1342364"/>
+            <a:ext cx="10988297" cy="2530747"/>
+          </a:xfrm>
+        </p:spPr>
+        <p:txBody>
+          <a:bodyPr>
+            <a:normAutofit/>
+          </a:bodyPr>
+          <a:lstStyle/>
+          <a:p>
+            <a:r>
+              <a:rPr lang="nl-NL" dirty="0"/>
+              <a:t>De horizontale as is een </a:t>
+            </a:r>
+            <a:r>
+              <a:rPr lang="nl-NL" dirty="0">
+                <a:solidFill>
+                  <a:srgbClr val="7030A0"/>
+                </a:solidFill>
+              </a:rPr>
+              <a:t>lijn</a:t>
+            </a:r>
+            <a:r>
+              <a:rPr lang="nl-NL" dirty="0"/>
+              <a:t> die van links naar rechts loopt. </a:t>
+            </a:r>
+          </a:p>
+          <a:p>
+            <a:r>
+              <a:rPr lang="nl-NL" dirty="0"/>
+              <a:t>Deze as wordt vaak de x-as genoemd en is een belangrijk deel van het </a:t>
+            </a:r>
+            <a:r>
+              <a:rPr lang="nl-NL" dirty="0">
+                <a:solidFill>
+                  <a:srgbClr val="7030A0"/>
+                </a:solidFill>
+              </a:rPr>
+              <a:t>assenstelsel</a:t>
+            </a:r>
+            <a:r>
+              <a:rPr lang="nl-NL" dirty="0"/>
+              <a:t>.</a:t>
+            </a:r>
+          </a:p>
+          <a:p>
+            <a:endParaRPr lang="nl-NL" dirty="0"/>
+          </a:p>
+          <a:p>
+            <a:endParaRPr lang="nl-NL" dirty="0"/>
+          </a:p>
+          <a:p>
+            <a:endParaRPr lang="nl-NL" dirty="0"/>
+          </a:p>
+          <a:p>
+            <a:endParaRPr lang="nl-NL" dirty="0"/>
+          </a:p>
+        </p:txBody>
+      </p:sp>
+    </p:spTree>
+    <p:extLst>
+      <p:ext uri="{BB962C8B-B14F-4D97-AF65-F5344CB8AC3E}">
+        <p14:creationId xmlns:p14="http://schemas.microsoft.com/office/powerpoint/2010/main" val="2035080957"/>
+      </p:ext>
+    </p:extLst>
+  </p:cSld>
+  <p:clrMapOvr>
+    <a:masterClrMapping/>
+  </p:clrMapOvr>
+</p:sld>
+</file>
+
+<file path=ppt/slides/slide21.xml><?xml version="1.0" encoding="utf-8"?>
+<p:sld xmlns:a="http://schemas.openxmlformats.org/drawingml/2006/main" xmlns:r="http://schemas.openxmlformats.org/officeDocument/2006/relationships" xmlns:p="http://schemas.openxmlformats.org/presentationml/2006/main">
+  <p:cSld>
+    <p:spTree>
+      <p:nvGrpSpPr>
+        <p:cNvPr id="1" name=""/>
+        <p:cNvGrpSpPr/>
+        <p:nvPr/>
+      </p:nvGrpSpPr>
+      <p:grpSpPr>
+        <a:xfrm>
+          <a:off x="0" y="0"/>
+          <a:ext cx="0" cy="0"/>
+          <a:chOff x="0" y="0"/>
+          <a:chExt cx="0" cy="0"/>
+        </a:xfrm>
+      </p:grpSpPr>
+      <p:sp>
+        <p:nvSpPr>
+          <p:cNvPr id="2" name="Titel 1">
+            <a:extLst>
+              <a:ext uri="{FF2B5EF4-FFF2-40B4-BE49-F238E27FC236}">
+                <a16:creationId xmlns:a16="http://schemas.microsoft.com/office/drawing/2014/main" id="{C2F5861A-BCDE-D2A4-C355-05C8119ED351}"/>
+              </a:ext>
+            </a:extLst>
+          </p:cNvPr>
+          <p:cNvSpPr>
+            <a:spLocks noGrp="1"/>
+          </p:cNvSpPr>
+          <p:nvPr>
+            <p:ph type="ctrTitle"/>
+          </p:nvPr>
+        </p:nvSpPr>
+        <p:spPr>
+          <a:xfrm>
+            <a:off x="431533" y="258609"/>
+            <a:ext cx="11328934" cy="892887"/>
+          </a:xfrm>
+        </p:spPr>
+        <p:txBody>
+          <a:bodyPr>
+            <a:normAutofit fontScale="90000"/>
+          </a:bodyPr>
+          <a:lstStyle/>
+          <a:p>
+            <a:r>
+              <a:rPr lang="nl-NL" dirty="0"/>
+              <a:t>Voorbeeld Horizontale as &amp; x-as</a:t>
+            </a:r>
+          </a:p>
+        </p:txBody>
+      </p:sp>
+      <p:sp>
+        <p:nvSpPr>
+          <p:cNvPr id="3" name="AutoShape 2" descr="Ruimtelijke figuren">
+            <a:extLst>
+              <a:ext uri="{FF2B5EF4-FFF2-40B4-BE49-F238E27FC236}">
+                <a16:creationId xmlns:a16="http://schemas.microsoft.com/office/drawing/2014/main" id="{35816B3A-C1C1-A387-7798-2FFF4CAA28A9}"/>
+              </a:ext>
+            </a:extLst>
+          </p:cNvPr>
+          <p:cNvSpPr>
+            <a:spLocks noChangeAspect="1" noChangeArrowheads="1"/>
+          </p:cNvSpPr>
+          <p:nvPr/>
+        </p:nvSpPr>
+        <p:spPr bwMode="auto">
+          <a:xfrm>
+            <a:off x="5943600" y="3276600"/>
+            <a:ext cx="304800" cy="304800"/>
+          </a:xfrm>
+          <a:prstGeom prst="rect">
+            <a:avLst/>
+          </a:prstGeom>
+          <a:noFill/>
+          <a:extLst>
+            <a:ext uri="{909E8E84-426E-40DD-AFC4-6F175D3DCCD1}">
+              <a14:hiddenFill xmlns:a14="http://schemas.microsoft.com/office/drawing/2010/main">
+                <a:solidFill>
+                  <a:srgbClr val="FFFFFF"/>
+                </a:solidFill>
+              </a14:hiddenFill>
+            </a:ext>
+          </a:extLst>
+        </p:spPr>
+        <p:txBody>
+          <a:bodyPr vert="horz" wrap="square" lIns="91440" tIns="45720" rIns="91440" bIns="45720" numCol="1" anchor="t" anchorCtr="0" compatLnSpc="1">
+            <a:prstTxWarp prst="textNoShape">
+              <a:avLst/>
+            </a:prstTxWarp>
+          </a:bodyPr>
+          <a:lstStyle/>
+          <a:p>
+            <a:endParaRPr lang="nl-NL"/>
+          </a:p>
+        </p:txBody>
+      </p:sp>
+      <p:sp>
+        <p:nvSpPr>
+          <p:cNvPr id="4" name="AutoShape 4" descr="Ruimtelijke figuren">
+            <a:extLst>
+              <a:ext uri="{FF2B5EF4-FFF2-40B4-BE49-F238E27FC236}">
+                <a16:creationId xmlns:a16="http://schemas.microsoft.com/office/drawing/2014/main" id="{B82310C2-292E-F815-60F6-3FFD0672F290}"/>
+              </a:ext>
+            </a:extLst>
+          </p:cNvPr>
+          <p:cNvSpPr>
+            <a:spLocks noChangeAspect="1" noChangeArrowheads="1"/>
+          </p:cNvSpPr>
+          <p:nvPr/>
+        </p:nvSpPr>
+        <p:spPr bwMode="auto">
+          <a:xfrm>
+            <a:off x="6096000" y="3429000"/>
+            <a:ext cx="304800" cy="304800"/>
+          </a:xfrm>
+          <a:prstGeom prst="rect">
+            <a:avLst/>
+          </a:prstGeom>
+          <a:noFill/>
+          <a:extLst>
+            <a:ext uri="{909E8E84-426E-40DD-AFC4-6F175D3DCCD1}">
+              <a14:hiddenFill xmlns:a14="http://schemas.microsoft.com/office/drawing/2010/main">
+                <a:solidFill>
+                  <a:srgbClr val="FFFFFF"/>
+                </a:solidFill>
+              </a14:hiddenFill>
+            </a:ext>
+          </a:extLst>
+        </p:spPr>
+        <p:txBody>
+          <a:bodyPr vert="horz" wrap="square" lIns="91440" tIns="45720" rIns="91440" bIns="45720" numCol="1" anchor="t" anchorCtr="0" compatLnSpc="1">
+            <a:prstTxWarp prst="textNoShape">
+              <a:avLst/>
+            </a:prstTxWarp>
+          </a:bodyPr>
+          <a:lstStyle/>
+          <a:p>
+            <a:endParaRPr lang="nl-NL"/>
+          </a:p>
+        </p:txBody>
+      </p:sp>
+      <p:pic>
+        <p:nvPicPr>
+          <p:cNvPr id="8" name="Picture 10" descr="Coördinatenstelsel - Wikipedia">
+            <a:extLst>
+              <a:ext uri="{FF2B5EF4-FFF2-40B4-BE49-F238E27FC236}">
+                <a16:creationId xmlns:a16="http://schemas.microsoft.com/office/drawing/2014/main" id="{0C042713-F178-010D-DD61-7B48AD25ED06}"/>
+              </a:ext>
+            </a:extLst>
+          </p:cNvPr>
+          <p:cNvPicPr>
+            <a:picLocks noChangeAspect="1" noChangeArrowheads="1"/>
+          </p:cNvPicPr>
+          <p:nvPr/>
+        </p:nvPicPr>
+        <p:blipFill>
+          <a:blip r:embed="rId2">
+            <a:extLst>
+              <a:ext uri="{28A0092B-C50C-407E-A947-70E740481C1C}">
+                <a14:useLocalDpi xmlns:a14="http://schemas.microsoft.com/office/drawing/2010/main" val="0"/>
+              </a:ext>
+            </a:extLst>
+          </a:blip>
+          <a:srcRect/>
+          <a:stretch>
+            <a:fillRect/>
+          </a:stretch>
+        </p:blipFill>
+        <p:spPr bwMode="auto">
+          <a:xfrm>
+            <a:off x="3709160" y="1115237"/>
+            <a:ext cx="6080884" cy="5237125"/>
+          </a:xfrm>
+          <a:prstGeom prst="rect">
+            <a:avLst/>
+          </a:prstGeom>
+          <a:noFill/>
+          <a:extLst>
+            <a:ext uri="{909E8E84-426E-40DD-AFC4-6F175D3DCCD1}">
+              <a14:hiddenFill xmlns:a14="http://schemas.microsoft.com/office/drawing/2010/main">
+                <a:solidFill>
+                  <a:srgbClr val="FFFFFF"/>
+                </a:solidFill>
+              </a14:hiddenFill>
+            </a:ext>
+          </a:extLst>
+        </p:spPr>
+      </p:pic>
+      <p:sp>
+        <p:nvSpPr>
+          <p:cNvPr id="9" name="Tekstvak 8">
+            <a:extLst>
+              <a:ext uri="{FF2B5EF4-FFF2-40B4-BE49-F238E27FC236}">
+                <a16:creationId xmlns:a16="http://schemas.microsoft.com/office/drawing/2014/main" id="{F7F2A4CF-4747-72DF-2E4F-DCB0C8DDB181}"/>
+              </a:ext>
+            </a:extLst>
+          </p:cNvPr>
+          <p:cNvSpPr txBox="1"/>
+          <p:nvPr/>
+        </p:nvSpPr>
+        <p:spPr>
+          <a:xfrm>
+            <a:off x="5907157" y="3867815"/>
+            <a:ext cx="336952" cy="369332"/>
+          </a:xfrm>
+          <a:prstGeom prst="rect">
+            <a:avLst/>
+          </a:prstGeom>
+          <a:noFill/>
+        </p:spPr>
+        <p:txBody>
+          <a:bodyPr wrap="none" rtlCol="0">
+            <a:spAutoFit/>
+          </a:bodyPr>
+          <a:lstStyle/>
+          <a:p>
+            <a:r>
+              <a:rPr lang="nl-NL" dirty="0"/>
+              <a:t>O</a:t>
+            </a:r>
+          </a:p>
+        </p:txBody>
+      </p:sp>
+    </p:spTree>
+    <p:extLst>
+      <p:ext uri="{BB962C8B-B14F-4D97-AF65-F5344CB8AC3E}">
+        <p14:creationId xmlns:p14="http://schemas.microsoft.com/office/powerpoint/2010/main" val="2283966496"/>
+      </p:ext>
+    </p:extLst>
+  </p:cSld>
+  <p:clrMapOvr>
+    <a:masterClrMapping/>
+  </p:clrMapOvr>
+</p:sld>
+</file>
+
+<file path=ppt/slides/slide22.xml><?xml version="1.0" encoding="utf-8"?>
+<p:sld xmlns:a="http://schemas.openxmlformats.org/drawingml/2006/main" xmlns:r="http://schemas.openxmlformats.org/officeDocument/2006/relationships" xmlns:p="http://schemas.openxmlformats.org/presentationml/2006/main">
+  <p:cSld>
+    <p:spTree>
+      <p:nvGrpSpPr>
+        <p:cNvPr id="1" name=""/>
+        <p:cNvGrpSpPr/>
+        <p:nvPr/>
+      </p:nvGrpSpPr>
+      <p:grpSpPr>
+        <a:xfrm>
+          <a:off x="0" y="0"/>
+          <a:ext cx="0" cy="0"/>
+          <a:chOff x="0" y="0"/>
+          <a:chExt cx="0" cy="0"/>
+        </a:xfrm>
+      </p:grpSpPr>
+      <p:sp>
+        <p:nvSpPr>
+          <p:cNvPr id="2" name="Titel 1">
+            <a:extLst>
+              <a:ext uri="{FF2B5EF4-FFF2-40B4-BE49-F238E27FC236}">
+                <a16:creationId xmlns:a16="http://schemas.microsoft.com/office/drawing/2014/main" id="{73168B85-7905-DEBC-34BC-B73EB909DDCD}"/>
+              </a:ext>
+            </a:extLst>
+          </p:cNvPr>
+          <p:cNvSpPr>
+            <a:spLocks noGrp="1"/>
+          </p:cNvSpPr>
+          <p:nvPr>
+            <p:ph type="title"/>
+          </p:nvPr>
+        </p:nvSpPr>
+        <p:spPr/>
+        <p:txBody>
+          <a:bodyPr/>
+          <a:lstStyle/>
+          <a:p>
+            <a:r>
+              <a:rPr lang="nl-NL" dirty="0"/>
+              <a:t>Wiskunde Termen</a:t>
+            </a:r>
+          </a:p>
+        </p:txBody>
+      </p:sp>
+      <p:sp>
+        <p:nvSpPr>
+          <p:cNvPr id="4" name="Titel 1">
+            <a:extLst>
+              <a:ext uri="{FF2B5EF4-FFF2-40B4-BE49-F238E27FC236}">
+                <a16:creationId xmlns:a16="http://schemas.microsoft.com/office/drawing/2014/main" id="{61ED484A-E87E-7D07-D06C-3D405D336CC2}"/>
+              </a:ext>
+            </a:extLst>
+          </p:cNvPr>
+          <p:cNvSpPr txBox="1">
+            <a:spLocks/>
+          </p:cNvSpPr>
+          <p:nvPr/>
+        </p:nvSpPr>
+        <p:spPr>
+          <a:xfrm>
+            <a:off x="1524000" y="2105897"/>
+            <a:ext cx="9144000" cy="2646206"/>
+          </a:xfrm>
+          <a:prstGeom prst="rect">
+            <a:avLst/>
+          </a:prstGeom>
+        </p:spPr>
+        <p:txBody>
+          <a:bodyPr vert="horz" lIns="91440" tIns="45720" rIns="91440" bIns="45720" rtlCol="0" anchor="ctr">
+            <a:normAutofit fontScale="97500"/>
+          </a:bodyPr>
+          <a:lstStyle>
+            <a:lvl1pPr algn="l" defTabSz="914400" rtl="0" eaLnBrk="1" latinLnBrk="0" hangingPunct="1">
+              <a:lnSpc>
+                <a:spcPct val="90000"/>
+              </a:lnSpc>
+              <a:spcBef>
+                <a:spcPct val="0"/>
+              </a:spcBef>
+              <a:buNone/>
+              <a:defRPr sz="4400" kern="1200">
+                <a:solidFill>
+                  <a:schemeClr val="tx1"/>
+                </a:solidFill>
+                <a:latin typeface="+mj-lt"/>
+                <a:ea typeface="+mj-ea"/>
+                <a:cs typeface="+mj-cs"/>
+              </a:defRPr>
+            </a:lvl1pPr>
+          </a:lstStyle>
+          <a:p>
+            <a:pPr algn="ctr"/>
+            <a:r>
+              <a:rPr lang="nl-NL" sz="9000" b="1" dirty="0"/>
+              <a:t>Coördinaten</a:t>
+            </a:r>
+          </a:p>
+        </p:txBody>
+      </p:sp>
+    </p:spTree>
+    <p:extLst>
+      <p:ext uri="{BB962C8B-B14F-4D97-AF65-F5344CB8AC3E}">
+        <p14:creationId xmlns:p14="http://schemas.microsoft.com/office/powerpoint/2010/main" val="3503657720"/>
+      </p:ext>
+    </p:extLst>
+  </p:cSld>
+  <p:clrMapOvr>
+    <a:masterClrMapping/>
+  </p:clrMapOvr>
+</p:sld>
+</file>
+
+<file path=ppt/slides/slide23.xml><?xml version="1.0" encoding="utf-8"?>
+<p:sld xmlns:a="http://schemas.openxmlformats.org/drawingml/2006/main" xmlns:r="http://schemas.openxmlformats.org/officeDocument/2006/relationships" xmlns:p="http://schemas.openxmlformats.org/presentationml/2006/main">
+  <p:cSld>
+    <p:spTree>
+      <p:nvGrpSpPr>
+        <p:cNvPr id="1" name=""/>
+        <p:cNvGrpSpPr/>
+        <p:nvPr/>
+      </p:nvGrpSpPr>
+      <p:grpSpPr>
+        <a:xfrm>
+          <a:off x="0" y="0"/>
+          <a:ext cx="0" cy="0"/>
+          <a:chOff x="0" y="0"/>
+          <a:chExt cx="0" cy="0"/>
+        </a:xfrm>
+      </p:grpSpPr>
+      <p:sp>
+        <p:nvSpPr>
+          <p:cNvPr id="2" name="Titel 1">
+            <a:extLst>
+              <a:ext uri="{FF2B5EF4-FFF2-40B4-BE49-F238E27FC236}">
+                <a16:creationId xmlns:a16="http://schemas.microsoft.com/office/drawing/2014/main" id="{C2F5861A-BCDE-D2A4-C355-05C8119ED351}"/>
+              </a:ext>
+            </a:extLst>
+          </p:cNvPr>
+          <p:cNvSpPr>
+            <a:spLocks noGrp="1"/>
+          </p:cNvSpPr>
+          <p:nvPr>
+            <p:ph type="ctrTitle"/>
+          </p:nvPr>
+        </p:nvSpPr>
+        <p:spPr>
+          <a:xfrm>
+            <a:off x="1524000" y="236482"/>
+            <a:ext cx="9144000" cy="892887"/>
+          </a:xfrm>
+        </p:spPr>
+        <p:txBody>
+          <a:bodyPr>
+            <a:normAutofit fontScale="90000"/>
+          </a:bodyPr>
+          <a:lstStyle/>
+          <a:p>
+            <a:r>
+              <a:rPr lang="nl-NL" dirty="0"/>
+              <a:t>Coördinaten</a:t>
+            </a:r>
+          </a:p>
+        </p:txBody>
+      </p:sp>
+      <p:sp>
+        <p:nvSpPr>
+          <p:cNvPr id="3" name="Ondertitel 2">
+            <a:extLst>
+              <a:ext uri="{FF2B5EF4-FFF2-40B4-BE49-F238E27FC236}">
+                <a16:creationId xmlns:a16="http://schemas.microsoft.com/office/drawing/2014/main" id="{7988AA68-FB88-7C7C-5E47-2AE86A2EFD72}"/>
+              </a:ext>
+            </a:extLst>
+          </p:cNvPr>
+          <p:cNvSpPr>
+            <a:spLocks noGrp="1"/>
+          </p:cNvSpPr>
+          <p:nvPr>
+            <p:ph type="subTitle" idx="1"/>
+          </p:nvPr>
+        </p:nvSpPr>
+        <p:spPr>
+          <a:xfrm>
+            <a:off x="601851" y="1342364"/>
+            <a:ext cx="10988297" cy="2530747"/>
+          </a:xfrm>
+        </p:spPr>
+        <p:txBody>
+          <a:bodyPr>
+            <a:normAutofit lnSpcReduction="10000"/>
+          </a:bodyPr>
+          <a:lstStyle/>
+          <a:p>
+            <a:r>
+              <a:rPr lang="nl-NL" dirty="0"/>
+              <a:t>Coördinaten geven de plaats aan van een </a:t>
+            </a:r>
+            <a:r>
+              <a:rPr lang="nl-NL" dirty="0">
+                <a:solidFill>
+                  <a:srgbClr val="7030A0"/>
+                </a:solidFill>
+              </a:rPr>
+              <a:t>punt</a:t>
+            </a:r>
+            <a:r>
+              <a:rPr lang="nl-NL" dirty="0"/>
+              <a:t> in bijvoorbeeld een </a:t>
+            </a:r>
+            <a:r>
+              <a:rPr lang="nl-NL" dirty="0">
+                <a:solidFill>
+                  <a:srgbClr val="7030A0"/>
+                </a:solidFill>
+              </a:rPr>
+              <a:t>assenstelsel</a:t>
+            </a:r>
+            <a:r>
+              <a:rPr lang="nl-NL" dirty="0"/>
+              <a:t>.</a:t>
+            </a:r>
+          </a:p>
+          <a:p>
+            <a:r>
+              <a:rPr lang="nl-NL" dirty="0"/>
+              <a:t>Deze coördinaten bestaan uit een </a:t>
+            </a:r>
+            <a:r>
+              <a:rPr lang="nl-NL" dirty="0">
+                <a:solidFill>
+                  <a:srgbClr val="7030A0"/>
+                </a:solidFill>
+              </a:rPr>
+              <a:t>x-coördinaat</a:t>
+            </a:r>
+            <a:r>
+              <a:rPr lang="nl-NL" dirty="0"/>
+              <a:t> en </a:t>
+            </a:r>
+            <a:r>
+              <a:rPr lang="nl-NL" dirty="0">
+                <a:solidFill>
+                  <a:srgbClr val="7030A0"/>
+                </a:solidFill>
+              </a:rPr>
+              <a:t>y-coördinaat.</a:t>
+            </a:r>
+          </a:p>
+          <a:p>
+            <a:r>
+              <a:rPr lang="nl-NL" dirty="0"/>
+              <a:t>Coördinaten worden tussen haakjes geschreven en met behulp van een komma van elkaar gescheiden.</a:t>
+            </a:r>
+          </a:p>
+          <a:p>
+            <a:r>
+              <a:rPr lang="nl-NL" dirty="0"/>
+              <a:t>Deze komma wordt een puntkomma bij </a:t>
+            </a:r>
+            <a:r>
+              <a:rPr lang="nl-NL" dirty="0">
+                <a:solidFill>
+                  <a:srgbClr val="7030A0"/>
+                </a:solidFill>
+              </a:rPr>
+              <a:t>decimale getallen</a:t>
+            </a:r>
+            <a:r>
+              <a:rPr lang="nl-NL" dirty="0"/>
+              <a:t>.</a:t>
+            </a:r>
+          </a:p>
+          <a:p>
+            <a:r>
+              <a:rPr lang="nl-NL" dirty="0"/>
+              <a:t>Coördinaten worden ook gebruikt om de locatie aan de geven op de aardbol.</a:t>
+            </a:r>
+          </a:p>
+          <a:p>
+            <a:endParaRPr lang="nl-NL" dirty="0"/>
+          </a:p>
+          <a:p>
+            <a:endParaRPr lang="nl-NL" dirty="0"/>
+          </a:p>
+          <a:p>
+            <a:endParaRPr lang="nl-NL" dirty="0"/>
+          </a:p>
+          <a:p>
+            <a:endParaRPr lang="nl-NL" dirty="0"/>
+          </a:p>
+        </p:txBody>
+      </p:sp>
+    </p:spTree>
+    <p:extLst>
+      <p:ext uri="{BB962C8B-B14F-4D97-AF65-F5344CB8AC3E}">
+        <p14:creationId xmlns:p14="http://schemas.microsoft.com/office/powerpoint/2010/main" val="1057477903"/>
+      </p:ext>
+    </p:extLst>
+  </p:cSld>
+  <p:clrMapOvr>
+    <a:masterClrMapping/>
+  </p:clrMapOvr>
+</p:sld>
+</file>
+
+<file path=ppt/slides/slide24.xml><?xml version="1.0" encoding="utf-8"?>
+<p:sld xmlns:a="http://schemas.openxmlformats.org/drawingml/2006/main" xmlns:r="http://schemas.openxmlformats.org/officeDocument/2006/relationships" xmlns:p="http://schemas.openxmlformats.org/presentationml/2006/main">
+  <p:cSld>
+    <p:spTree>
+      <p:nvGrpSpPr>
+        <p:cNvPr id="1" name=""/>
+        <p:cNvGrpSpPr/>
+        <p:nvPr/>
+      </p:nvGrpSpPr>
+      <p:grpSpPr>
+        <a:xfrm>
+          <a:off x="0" y="0"/>
+          <a:ext cx="0" cy="0"/>
+          <a:chOff x="0" y="0"/>
+          <a:chExt cx="0" cy="0"/>
+        </a:xfrm>
+      </p:grpSpPr>
+      <p:sp>
+        <p:nvSpPr>
+          <p:cNvPr id="2" name="Titel 1">
+            <a:extLst>
+              <a:ext uri="{FF2B5EF4-FFF2-40B4-BE49-F238E27FC236}">
+                <a16:creationId xmlns:a16="http://schemas.microsoft.com/office/drawing/2014/main" id="{C2F5861A-BCDE-D2A4-C355-05C8119ED351}"/>
+              </a:ext>
+            </a:extLst>
+          </p:cNvPr>
+          <p:cNvSpPr>
+            <a:spLocks noGrp="1"/>
+          </p:cNvSpPr>
+          <p:nvPr>
+            <p:ph type="ctrTitle"/>
+          </p:nvPr>
+        </p:nvSpPr>
+        <p:spPr>
+          <a:xfrm>
+            <a:off x="431533" y="258609"/>
+            <a:ext cx="11328934" cy="892887"/>
+          </a:xfrm>
+        </p:spPr>
+        <p:txBody>
+          <a:bodyPr>
+            <a:normAutofit fontScale="90000"/>
+          </a:bodyPr>
+          <a:lstStyle/>
+          <a:p>
+            <a:r>
+              <a:rPr lang="nl-NL" dirty="0"/>
+              <a:t>Voorbeeld Coördinaten</a:t>
+            </a:r>
+          </a:p>
+        </p:txBody>
+      </p:sp>
+      <p:sp>
+        <p:nvSpPr>
+          <p:cNvPr id="3" name="AutoShape 2" descr="Ruimtelijke figuren">
+            <a:extLst>
+              <a:ext uri="{FF2B5EF4-FFF2-40B4-BE49-F238E27FC236}">
+                <a16:creationId xmlns:a16="http://schemas.microsoft.com/office/drawing/2014/main" id="{35816B3A-C1C1-A387-7798-2FFF4CAA28A9}"/>
+              </a:ext>
+            </a:extLst>
+          </p:cNvPr>
+          <p:cNvSpPr>
+            <a:spLocks noChangeAspect="1" noChangeArrowheads="1"/>
+          </p:cNvSpPr>
+          <p:nvPr/>
+        </p:nvSpPr>
+        <p:spPr bwMode="auto">
+          <a:xfrm>
+            <a:off x="5943600" y="3276600"/>
+            <a:ext cx="304800" cy="304800"/>
+          </a:xfrm>
+          <a:prstGeom prst="rect">
+            <a:avLst/>
+          </a:prstGeom>
+          <a:noFill/>
+          <a:extLst>
+            <a:ext uri="{909E8E84-426E-40DD-AFC4-6F175D3DCCD1}">
+              <a14:hiddenFill xmlns:a14="http://schemas.microsoft.com/office/drawing/2010/main">
+                <a:solidFill>
+                  <a:srgbClr val="FFFFFF"/>
+                </a:solidFill>
+              </a14:hiddenFill>
+            </a:ext>
+          </a:extLst>
+        </p:spPr>
+        <p:txBody>
+          <a:bodyPr vert="horz" wrap="square" lIns="91440" tIns="45720" rIns="91440" bIns="45720" numCol="1" anchor="t" anchorCtr="0" compatLnSpc="1">
+            <a:prstTxWarp prst="textNoShape">
+              <a:avLst/>
+            </a:prstTxWarp>
+          </a:bodyPr>
+          <a:lstStyle/>
+          <a:p>
+            <a:endParaRPr lang="nl-NL"/>
+          </a:p>
+        </p:txBody>
+      </p:sp>
+      <p:sp>
+        <p:nvSpPr>
+          <p:cNvPr id="4" name="AutoShape 4" descr="Ruimtelijke figuren">
+            <a:extLst>
+              <a:ext uri="{FF2B5EF4-FFF2-40B4-BE49-F238E27FC236}">
+                <a16:creationId xmlns:a16="http://schemas.microsoft.com/office/drawing/2014/main" id="{B82310C2-292E-F815-60F6-3FFD0672F290}"/>
+              </a:ext>
+            </a:extLst>
+          </p:cNvPr>
+          <p:cNvSpPr>
+            <a:spLocks noChangeAspect="1" noChangeArrowheads="1"/>
+          </p:cNvSpPr>
+          <p:nvPr/>
+        </p:nvSpPr>
+        <p:spPr bwMode="auto">
+          <a:xfrm>
+            <a:off x="6096000" y="3429000"/>
+            <a:ext cx="304800" cy="304800"/>
+          </a:xfrm>
+          <a:prstGeom prst="rect">
+            <a:avLst/>
+          </a:prstGeom>
+          <a:noFill/>
+          <a:extLst>
+            <a:ext uri="{909E8E84-426E-40DD-AFC4-6F175D3DCCD1}">
+              <a14:hiddenFill xmlns:a14="http://schemas.microsoft.com/office/drawing/2010/main">
+                <a:solidFill>
+                  <a:srgbClr val="FFFFFF"/>
+                </a:solidFill>
+              </a14:hiddenFill>
+            </a:ext>
+          </a:extLst>
+        </p:spPr>
+        <p:txBody>
+          <a:bodyPr vert="horz" wrap="square" lIns="91440" tIns="45720" rIns="91440" bIns="45720" numCol="1" anchor="t" anchorCtr="0" compatLnSpc="1">
+            <a:prstTxWarp prst="textNoShape">
+              <a:avLst/>
+            </a:prstTxWarp>
+          </a:bodyPr>
+          <a:lstStyle/>
+          <a:p>
+            <a:endParaRPr lang="nl-NL"/>
+          </a:p>
+        </p:txBody>
+      </p:sp>
+      <p:pic>
+        <p:nvPicPr>
+          <p:cNvPr id="3074" name="Picture 2" descr="Alles over GPS - wat is gps, cursussen, routes, geocaching etc.">
+            <a:extLst>
+              <a:ext uri="{FF2B5EF4-FFF2-40B4-BE49-F238E27FC236}">
+                <a16:creationId xmlns:a16="http://schemas.microsoft.com/office/drawing/2014/main" id="{BFC232E1-DE94-9174-075F-C637FE9F2016}"/>
+              </a:ext>
+            </a:extLst>
+          </p:cNvPr>
+          <p:cNvPicPr>
+            <a:picLocks noChangeAspect="1" noChangeArrowheads="1"/>
+          </p:cNvPicPr>
+          <p:nvPr/>
+        </p:nvPicPr>
+        <p:blipFill>
+          <a:blip r:embed="rId2">
+            <a:extLst>
+              <a:ext uri="{28A0092B-C50C-407E-A947-70E740481C1C}">
+                <a14:useLocalDpi xmlns:a14="http://schemas.microsoft.com/office/drawing/2010/main" val="0"/>
+              </a:ext>
+            </a:extLst>
+          </a:blip>
+          <a:srcRect/>
+          <a:stretch>
+            <a:fillRect/>
+          </a:stretch>
+        </p:blipFill>
+        <p:spPr bwMode="auto">
+          <a:xfrm>
+            <a:off x="621143" y="1195220"/>
+            <a:ext cx="5170057" cy="4772360"/>
+          </a:xfrm>
+          <a:prstGeom prst="rect">
+            <a:avLst/>
+          </a:prstGeom>
+          <a:noFill/>
+          <a:extLst>
+            <a:ext uri="{909E8E84-426E-40DD-AFC4-6F175D3DCCD1}">
+              <a14:hiddenFill xmlns:a14="http://schemas.microsoft.com/office/drawing/2010/main">
+                <a:solidFill>
+                  <a:srgbClr val="FFFFFF"/>
+                </a:solidFill>
+              </a14:hiddenFill>
+            </a:ext>
+          </a:extLst>
+        </p:spPr>
+      </p:pic>
+      <mc:AlternateContent xmlns:mc="http://schemas.openxmlformats.org/markup-compatibility/2006" xmlns:a14="http://schemas.microsoft.com/office/drawing/2010/main">
+        <mc:Choice Requires="a14">
+          <p:sp>
+            <p:nvSpPr>
+              <p:cNvPr id="7" name="Tekstvak 6">
+                <a:extLst>
+                  <a:ext uri="{FF2B5EF4-FFF2-40B4-BE49-F238E27FC236}">
+                    <a16:creationId xmlns:a16="http://schemas.microsoft.com/office/drawing/2014/main" id="{B9944D1C-BDAA-5D58-EBCE-0AB0434D7EB5}"/>
+                  </a:ext>
+                </a:extLst>
+              </p:cNvPr>
+              <p:cNvSpPr txBox="1"/>
+              <p:nvPr/>
+            </p:nvSpPr>
+            <p:spPr>
+              <a:xfrm>
+                <a:off x="7710407" y="1440404"/>
+                <a:ext cx="2440283" cy="1446550"/>
+              </a:xfrm>
+              <a:prstGeom prst="rect">
+                <a:avLst/>
+              </a:prstGeom>
+              <a:noFill/>
+            </p:spPr>
+            <p:txBody>
+              <a:bodyPr wrap="none" rtlCol="0">
+                <a:spAutoFit/>
+              </a:bodyPr>
+              <a:lstStyle/>
+              <a:p>
+                <a:pPr/>
+                <a14:m>
+                  <m:oMathPara xmlns:m="http://schemas.openxmlformats.org/officeDocument/2006/math">
+                    <m:oMathParaPr>
+                      <m:jc m:val="centerGroup"/>
+                    </m:oMathParaPr>
+                    <m:oMath xmlns:m="http://schemas.openxmlformats.org/officeDocument/2006/math">
+                      <m:r>
+                        <a:rPr lang="nl-NL" sz="4400" i="1" dirty="0" smtClean="0">
+                          <a:latin typeface="Cambria Math" panose="02040503050406030204" pitchFamily="18" charset="0"/>
+                        </a:rPr>
+                        <m:t>𝐴</m:t>
+                      </m:r>
+                      <m:r>
+                        <a:rPr lang="nl-NL" sz="4400" i="1" dirty="0" smtClean="0">
+                          <a:latin typeface="Cambria Math" panose="02040503050406030204" pitchFamily="18" charset="0"/>
+                        </a:rPr>
+                        <m:t>(3,5;7)</m:t>
+                      </m:r>
+                    </m:oMath>
+                  </m:oMathPara>
+                </a14:m>
+                <a:endParaRPr lang="nl-NL" sz="4400" dirty="0"/>
+              </a:p>
+              <a:p>
+                <a:pPr/>
+                <a14:m>
+                  <m:oMathPara xmlns:m="http://schemas.openxmlformats.org/officeDocument/2006/math">
+                    <m:oMathParaPr>
+                      <m:jc m:val="centerGroup"/>
+                    </m:oMathParaPr>
+                    <m:oMath xmlns:m="http://schemas.openxmlformats.org/officeDocument/2006/math">
+                      <m:r>
+                        <a:rPr lang="nl-NL" sz="4400" i="1" dirty="0" smtClean="0">
+                          <a:latin typeface="Cambria Math" panose="02040503050406030204" pitchFamily="18" charset="0"/>
+                        </a:rPr>
+                        <m:t>𝐵</m:t>
+                      </m:r>
+                      <m:r>
+                        <a:rPr lang="nl-NL" sz="4400" i="1" dirty="0" smtClean="0">
+                          <a:latin typeface="Cambria Math" panose="02040503050406030204" pitchFamily="18" charset="0"/>
+                        </a:rPr>
+                        <m:t>(5,9,1)</m:t>
+                      </m:r>
+                    </m:oMath>
+                  </m:oMathPara>
+                </a14:m>
+                <a:endParaRPr lang="nl-NL" sz="4400" dirty="0"/>
+              </a:p>
+            </p:txBody>
+          </p:sp>
+        </mc:Choice>
+        <mc:Fallback xmlns="">
+          <p:sp>
+            <p:nvSpPr>
+              <p:cNvPr id="7" name="Tekstvak 6">
+                <a:extLst>
+                  <a:ext uri="{FF2B5EF4-FFF2-40B4-BE49-F238E27FC236}">
+                    <a16:creationId xmlns:a16="http://schemas.microsoft.com/office/drawing/2014/main" id="{B9944D1C-BDAA-5D58-EBCE-0AB0434D7EB5}"/>
+                  </a:ext>
+                </a:extLst>
+              </p:cNvPr>
+              <p:cNvSpPr txBox="1">
+                <a:spLocks noRot="1" noChangeAspect="1" noMove="1" noResize="1" noEditPoints="1" noAdjustHandles="1" noChangeArrowheads="1" noChangeShapeType="1" noTextEdit="1"/>
+              </p:cNvSpPr>
+              <p:nvPr/>
+            </p:nvSpPr>
+            <p:spPr>
+              <a:xfrm>
+                <a:off x="7710407" y="1440404"/>
+                <a:ext cx="2440283" cy="1446550"/>
+              </a:xfrm>
+              <a:prstGeom prst="rect">
+                <a:avLst/>
+              </a:prstGeom>
+              <a:blipFill>
+                <a:blip r:embed="rId3"/>
+                <a:stretch>
+                  <a:fillRect/>
+                </a:stretch>
+              </a:blipFill>
+            </p:spPr>
+            <p:txBody>
+              <a:bodyPr/>
+              <a:lstStyle/>
+              <a:p>
+                <a:r>
+                  <a:rPr lang="nl-NL">
+                    <a:noFill/>
+                  </a:rPr>
+                  <a:t> </a:t>
+                </a:r>
+              </a:p>
+            </p:txBody>
+          </p:sp>
+        </mc:Fallback>
+      </mc:AlternateContent>
+    </p:spTree>
+    <p:extLst>
+      <p:ext uri="{BB962C8B-B14F-4D97-AF65-F5344CB8AC3E}">
+        <p14:creationId xmlns:p14="http://schemas.microsoft.com/office/powerpoint/2010/main" val="1641875162"/>
+      </p:ext>
+    </p:extLst>
+  </p:cSld>
+  <p:clrMapOvr>
+    <a:masterClrMapping/>
+  </p:clrMapOvr>
+</p:sld>
+</file>
+
+<file path=ppt/slides/slide25.xml><?xml version="1.0" encoding="utf-8"?>
+<p:sld xmlns:a="http://schemas.openxmlformats.org/drawingml/2006/main" xmlns:r="http://schemas.openxmlformats.org/officeDocument/2006/relationships" xmlns:p="http://schemas.openxmlformats.org/presentationml/2006/main">
+  <p:cSld>
+    <p:spTree>
+      <p:nvGrpSpPr>
+        <p:cNvPr id="1" name=""/>
+        <p:cNvGrpSpPr/>
+        <p:nvPr/>
+      </p:nvGrpSpPr>
+      <p:grpSpPr>
+        <a:xfrm>
+          <a:off x="0" y="0"/>
+          <a:ext cx="0" cy="0"/>
+          <a:chOff x="0" y="0"/>
+          <a:chExt cx="0" cy="0"/>
+        </a:xfrm>
+      </p:grpSpPr>
+      <p:sp>
+        <p:nvSpPr>
+          <p:cNvPr id="2" name="Titel 1">
+            <a:extLst>
+              <a:ext uri="{FF2B5EF4-FFF2-40B4-BE49-F238E27FC236}">
+                <a16:creationId xmlns:a16="http://schemas.microsoft.com/office/drawing/2014/main" id="{73168B85-7905-DEBC-34BC-B73EB909DDCD}"/>
+              </a:ext>
+            </a:extLst>
+          </p:cNvPr>
+          <p:cNvSpPr>
+            <a:spLocks noGrp="1"/>
+          </p:cNvSpPr>
+          <p:nvPr>
+            <p:ph type="title"/>
+          </p:nvPr>
+        </p:nvSpPr>
+        <p:spPr/>
+        <p:txBody>
+          <a:bodyPr/>
+          <a:lstStyle/>
+          <a:p>
+            <a:r>
+              <a:rPr lang="nl-NL" dirty="0"/>
+              <a:t>Wiskunde Termen</a:t>
+            </a:r>
+          </a:p>
+        </p:txBody>
+      </p:sp>
+      <p:sp>
+        <p:nvSpPr>
+          <p:cNvPr id="4" name="Titel 1">
+            <a:extLst>
+              <a:ext uri="{FF2B5EF4-FFF2-40B4-BE49-F238E27FC236}">
+                <a16:creationId xmlns:a16="http://schemas.microsoft.com/office/drawing/2014/main" id="{61ED484A-E87E-7D07-D06C-3D405D336CC2}"/>
+              </a:ext>
+            </a:extLst>
+          </p:cNvPr>
+          <p:cNvSpPr txBox="1">
+            <a:spLocks/>
+          </p:cNvSpPr>
+          <p:nvPr/>
+        </p:nvSpPr>
+        <p:spPr>
+          <a:xfrm>
+            <a:off x="1524000" y="2105897"/>
+            <a:ext cx="9144000" cy="2646206"/>
+          </a:xfrm>
+          <a:prstGeom prst="rect">
+            <a:avLst/>
+          </a:prstGeom>
+        </p:spPr>
+        <p:txBody>
+          <a:bodyPr vert="horz" lIns="91440" tIns="45720" rIns="91440" bIns="45720" rtlCol="0" anchor="ctr">
+            <a:normAutofit fontScale="97500"/>
+          </a:bodyPr>
+          <a:lstStyle>
+            <a:lvl1pPr algn="l" defTabSz="914400" rtl="0" eaLnBrk="1" latinLnBrk="0" hangingPunct="1">
+              <a:lnSpc>
+                <a:spcPct val="90000"/>
+              </a:lnSpc>
+              <a:spcBef>
+                <a:spcPct val="0"/>
+              </a:spcBef>
+              <a:buNone/>
+              <a:defRPr sz="4400" kern="1200">
+                <a:solidFill>
+                  <a:schemeClr val="tx1"/>
+                </a:solidFill>
+                <a:latin typeface="+mj-lt"/>
+                <a:ea typeface="+mj-ea"/>
+                <a:cs typeface="+mj-cs"/>
+              </a:defRPr>
+            </a:lvl1pPr>
+          </a:lstStyle>
+          <a:p>
+            <a:pPr algn="ctr"/>
+            <a:r>
+              <a:rPr lang="nl-NL" sz="9000" b="1" dirty="0"/>
+              <a:t>Assenstelsel</a:t>
+            </a:r>
+          </a:p>
+        </p:txBody>
+      </p:sp>
+    </p:spTree>
+    <p:extLst>
+      <p:ext uri="{BB962C8B-B14F-4D97-AF65-F5344CB8AC3E}">
+        <p14:creationId xmlns:p14="http://schemas.microsoft.com/office/powerpoint/2010/main" val="1008998556"/>
+      </p:ext>
+    </p:extLst>
+  </p:cSld>
+  <p:clrMapOvr>
+    <a:masterClrMapping/>
+  </p:clrMapOvr>
+</p:sld>
+</file>
+
+<file path=ppt/slides/slide26.xml><?xml version="1.0" encoding="utf-8"?>
+<p:sld xmlns:a="http://schemas.openxmlformats.org/drawingml/2006/main" xmlns:r="http://schemas.openxmlformats.org/officeDocument/2006/relationships" xmlns:p="http://schemas.openxmlformats.org/presentationml/2006/main">
+  <p:cSld>
+    <p:spTree>
+      <p:nvGrpSpPr>
+        <p:cNvPr id="1" name=""/>
+        <p:cNvGrpSpPr/>
+        <p:nvPr/>
+      </p:nvGrpSpPr>
+      <p:grpSpPr>
+        <a:xfrm>
+          <a:off x="0" y="0"/>
+          <a:ext cx="0" cy="0"/>
+          <a:chOff x="0" y="0"/>
+          <a:chExt cx="0" cy="0"/>
+        </a:xfrm>
+      </p:grpSpPr>
+      <p:sp>
+        <p:nvSpPr>
+          <p:cNvPr id="2" name="Titel 1">
+            <a:extLst>
+              <a:ext uri="{FF2B5EF4-FFF2-40B4-BE49-F238E27FC236}">
+                <a16:creationId xmlns:a16="http://schemas.microsoft.com/office/drawing/2014/main" id="{C2F5861A-BCDE-D2A4-C355-05C8119ED351}"/>
+              </a:ext>
+            </a:extLst>
+          </p:cNvPr>
+          <p:cNvSpPr>
+            <a:spLocks noGrp="1"/>
+          </p:cNvSpPr>
+          <p:nvPr>
+            <p:ph type="ctrTitle"/>
+          </p:nvPr>
+        </p:nvSpPr>
+        <p:spPr>
+          <a:xfrm>
+            <a:off x="1524000" y="236482"/>
+            <a:ext cx="9144000" cy="892887"/>
+          </a:xfrm>
+        </p:spPr>
+        <p:txBody>
+          <a:bodyPr>
+            <a:normAutofit fontScale="90000"/>
+          </a:bodyPr>
+          <a:lstStyle/>
+          <a:p>
+            <a:r>
+              <a:rPr lang="nl-NL" dirty="0"/>
+              <a:t>Assenstelsel</a:t>
+            </a:r>
+          </a:p>
+        </p:txBody>
+      </p:sp>
+      <p:sp>
+        <p:nvSpPr>
+          <p:cNvPr id="3" name="Ondertitel 2">
+            <a:extLst>
+              <a:ext uri="{FF2B5EF4-FFF2-40B4-BE49-F238E27FC236}">
+                <a16:creationId xmlns:a16="http://schemas.microsoft.com/office/drawing/2014/main" id="{7988AA68-FB88-7C7C-5E47-2AE86A2EFD72}"/>
+              </a:ext>
+            </a:extLst>
+          </p:cNvPr>
+          <p:cNvSpPr>
+            <a:spLocks noGrp="1"/>
+          </p:cNvSpPr>
+          <p:nvPr>
+            <p:ph type="subTitle" idx="1"/>
+          </p:nvPr>
+        </p:nvSpPr>
+        <p:spPr>
+          <a:xfrm>
+            <a:off x="601851" y="1342364"/>
+            <a:ext cx="10988297" cy="2530747"/>
+          </a:xfrm>
+        </p:spPr>
+        <p:txBody>
+          <a:bodyPr>
+            <a:normAutofit/>
+          </a:bodyPr>
+          <a:lstStyle/>
+          <a:p>
+            <a:r>
+              <a:rPr lang="nl-NL" dirty="0"/>
+              <a:t>Een assenstelsel is een figuur dat je krijgt door een </a:t>
+            </a:r>
+            <a:r>
+              <a:rPr lang="nl-NL" dirty="0">
+                <a:solidFill>
+                  <a:srgbClr val="7030A0"/>
+                </a:solidFill>
+              </a:rPr>
+              <a:t>horizontale</a:t>
+            </a:r>
+            <a:r>
+              <a:rPr lang="nl-NL" dirty="0"/>
+              <a:t> en </a:t>
+            </a:r>
+            <a:r>
+              <a:rPr lang="nl-NL" dirty="0">
+                <a:solidFill>
+                  <a:srgbClr val="7030A0"/>
+                </a:solidFill>
+              </a:rPr>
+              <a:t>verticale</a:t>
+            </a:r>
+            <a:r>
+              <a:rPr lang="nl-NL" dirty="0"/>
+              <a:t> </a:t>
+            </a:r>
+            <a:r>
+              <a:rPr lang="nl-NL" dirty="0">
+                <a:solidFill>
+                  <a:srgbClr val="7030A0"/>
+                </a:solidFill>
+              </a:rPr>
+              <a:t>as</a:t>
+            </a:r>
+            <a:r>
+              <a:rPr lang="nl-NL" dirty="0"/>
+              <a:t> elkaar te laten </a:t>
+            </a:r>
+            <a:r>
+              <a:rPr lang="nl-NL" dirty="0">
+                <a:solidFill>
+                  <a:srgbClr val="7030A0"/>
+                </a:solidFill>
+              </a:rPr>
+              <a:t>snijden</a:t>
+            </a:r>
+            <a:r>
+              <a:rPr lang="nl-NL" dirty="0"/>
+              <a:t>. Dit snijpunt heet de </a:t>
+            </a:r>
+            <a:r>
+              <a:rPr lang="nl-NL" dirty="0">
+                <a:solidFill>
+                  <a:srgbClr val="7030A0"/>
+                </a:solidFill>
+              </a:rPr>
+              <a:t>oorsprong</a:t>
+            </a:r>
+            <a:r>
+              <a:rPr lang="nl-NL" dirty="0"/>
+              <a:t>.</a:t>
+            </a:r>
+          </a:p>
+          <a:p>
+            <a:r>
+              <a:rPr lang="nl-NL" dirty="0"/>
+              <a:t>Een assenstelsel wordt gebruikt om </a:t>
+            </a:r>
+            <a:r>
+              <a:rPr lang="nl-NL" dirty="0">
+                <a:solidFill>
+                  <a:srgbClr val="7030A0"/>
+                </a:solidFill>
+              </a:rPr>
+              <a:t>grafieken</a:t>
+            </a:r>
+            <a:r>
+              <a:rPr lang="nl-NL" dirty="0"/>
+              <a:t> te tekenen.</a:t>
+            </a:r>
+          </a:p>
+          <a:p>
+            <a:endParaRPr lang="nl-NL" dirty="0"/>
+          </a:p>
+          <a:p>
+            <a:endParaRPr lang="nl-NL" dirty="0"/>
+          </a:p>
+          <a:p>
+            <a:endParaRPr lang="nl-NL" dirty="0"/>
+          </a:p>
+          <a:p>
+            <a:endParaRPr lang="nl-NL" dirty="0"/>
+          </a:p>
+        </p:txBody>
+      </p:sp>
+    </p:spTree>
+    <p:extLst>
+      <p:ext uri="{BB962C8B-B14F-4D97-AF65-F5344CB8AC3E}">
+        <p14:creationId xmlns:p14="http://schemas.microsoft.com/office/powerpoint/2010/main" val="4041691485"/>
+      </p:ext>
+    </p:extLst>
+  </p:cSld>
+  <p:clrMapOvr>
+    <a:masterClrMapping/>
+  </p:clrMapOvr>
+</p:sld>
+</file>
+
+<file path=ppt/slides/slide27.xml><?xml version="1.0" encoding="utf-8"?>
+<p:sld xmlns:a="http://schemas.openxmlformats.org/drawingml/2006/main" xmlns:r="http://schemas.openxmlformats.org/officeDocument/2006/relationships" xmlns:p="http://schemas.openxmlformats.org/presentationml/2006/main">
+  <p:cSld>
+    <p:spTree>
+      <p:nvGrpSpPr>
+        <p:cNvPr id="1" name=""/>
+        <p:cNvGrpSpPr/>
+        <p:nvPr/>
+      </p:nvGrpSpPr>
+      <p:grpSpPr>
+        <a:xfrm>
+          <a:off x="0" y="0"/>
+          <a:ext cx="0" cy="0"/>
+          <a:chOff x="0" y="0"/>
+          <a:chExt cx="0" cy="0"/>
+        </a:xfrm>
+      </p:grpSpPr>
+      <p:sp>
+        <p:nvSpPr>
+          <p:cNvPr id="2" name="Titel 1">
+            <a:extLst>
+              <a:ext uri="{FF2B5EF4-FFF2-40B4-BE49-F238E27FC236}">
+                <a16:creationId xmlns:a16="http://schemas.microsoft.com/office/drawing/2014/main" id="{C2F5861A-BCDE-D2A4-C355-05C8119ED351}"/>
+              </a:ext>
+            </a:extLst>
+          </p:cNvPr>
+          <p:cNvSpPr>
+            <a:spLocks noGrp="1"/>
+          </p:cNvSpPr>
+          <p:nvPr>
+            <p:ph type="ctrTitle"/>
+          </p:nvPr>
+        </p:nvSpPr>
+        <p:spPr>
+          <a:xfrm>
+            <a:off x="431533" y="258609"/>
+            <a:ext cx="11328934" cy="892887"/>
+          </a:xfrm>
+        </p:spPr>
+        <p:txBody>
+          <a:bodyPr>
+            <a:normAutofit fontScale="90000"/>
+          </a:bodyPr>
+          <a:lstStyle/>
+          <a:p>
+            <a:r>
+              <a:rPr lang="nl-NL" dirty="0"/>
+              <a:t>Voorbeeld Assenstelsel</a:t>
+            </a:r>
+          </a:p>
+        </p:txBody>
+      </p:sp>
+      <p:sp>
+        <p:nvSpPr>
+          <p:cNvPr id="3" name="AutoShape 2" descr="Ruimtelijke figuren">
+            <a:extLst>
+              <a:ext uri="{FF2B5EF4-FFF2-40B4-BE49-F238E27FC236}">
+                <a16:creationId xmlns:a16="http://schemas.microsoft.com/office/drawing/2014/main" id="{35816B3A-C1C1-A387-7798-2FFF4CAA28A9}"/>
+              </a:ext>
+            </a:extLst>
+          </p:cNvPr>
+          <p:cNvSpPr>
+            <a:spLocks noChangeAspect="1" noChangeArrowheads="1"/>
+          </p:cNvSpPr>
+          <p:nvPr/>
+        </p:nvSpPr>
+        <p:spPr bwMode="auto">
+          <a:xfrm>
+            <a:off x="5943600" y="3276600"/>
+            <a:ext cx="304800" cy="304800"/>
+          </a:xfrm>
+          <a:prstGeom prst="rect">
+            <a:avLst/>
+          </a:prstGeom>
+          <a:noFill/>
+          <a:extLst>
+            <a:ext uri="{909E8E84-426E-40DD-AFC4-6F175D3DCCD1}">
+              <a14:hiddenFill xmlns:a14="http://schemas.microsoft.com/office/drawing/2010/main">
+                <a:solidFill>
+                  <a:srgbClr val="FFFFFF"/>
+                </a:solidFill>
+              </a14:hiddenFill>
+            </a:ext>
+          </a:extLst>
+        </p:spPr>
+        <p:txBody>
+          <a:bodyPr vert="horz" wrap="square" lIns="91440" tIns="45720" rIns="91440" bIns="45720" numCol="1" anchor="t" anchorCtr="0" compatLnSpc="1">
+            <a:prstTxWarp prst="textNoShape">
+              <a:avLst/>
+            </a:prstTxWarp>
+          </a:bodyPr>
+          <a:lstStyle/>
+          <a:p>
+            <a:endParaRPr lang="nl-NL"/>
+          </a:p>
+        </p:txBody>
+      </p:sp>
+      <p:sp>
+        <p:nvSpPr>
+          <p:cNvPr id="4" name="AutoShape 4" descr="Ruimtelijke figuren">
+            <a:extLst>
+              <a:ext uri="{FF2B5EF4-FFF2-40B4-BE49-F238E27FC236}">
+                <a16:creationId xmlns:a16="http://schemas.microsoft.com/office/drawing/2014/main" id="{B82310C2-292E-F815-60F6-3FFD0672F290}"/>
+              </a:ext>
+            </a:extLst>
+          </p:cNvPr>
+          <p:cNvSpPr>
+            <a:spLocks noChangeAspect="1" noChangeArrowheads="1"/>
+          </p:cNvSpPr>
+          <p:nvPr/>
+        </p:nvSpPr>
+        <p:spPr bwMode="auto">
+          <a:xfrm>
+            <a:off x="6096000" y="3429000"/>
+            <a:ext cx="304800" cy="304800"/>
+          </a:xfrm>
+          <a:prstGeom prst="rect">
+            <a:avLst/>
+          </a:prstGeom>
+          <a:noFill/>
+          <a:extLst>
+            <a:ext uri="{909E8E84-426E-40DD-AFC4-6F175D3DCCD1}">
+              <a14:hiddenFill xmlns:a14="http://schemas.microsoft.com/office/drawing/2010/main">
+                <a:solidFill>
+                  <a:srgbClr val="FFFFFF"/>
+                </a:solidFill>
+              </a14:hiddenFill>
+            </a:ext>
+          </a:extLst>
+        </p:spPr>
+        <p:txBody>
+          <a:bodyPr vert="horz" wrap="square" lIns="91440" tIns="45720" rIns="91440" bIns="45720" numCol="1" anchor="t" anchorCtr="0" compatLnSpc="1">
+            <a:prstTxWarp prst="textNoShape">
+              <a:avLst/>
+            </a:prstTxWarp>
+          </a:bodyPr>
+          <a:lstStyle/>
+          <a:p>
+            <a:endParaRPr lang="nl-NL"/>
+          </a:p>
+        </p:txBody>
+      </p:sp>
+      <p:pic>
+        <p:nvPicPr>
+          <p:cNvPr id="2058" name="Picture 10" descr="Coördinatenstelsel - Wikipedia">
+            <a:extLst>
+              <a:ext uri="{FF2B5EF4-FFF2-40B4-BE49-F238E27FC236}">
+                <a16:creationId xmlns:a16="http://schemas.microsoft.com/office/drawing/2014/main" id="{A0A4AC4F-8AE9-6176-9ECA-A237B2F8DAF9}"/>
+              </a:ext>
+            </a:extLst>
+          </p:cNvPr>
+          <p:cNvPicPr>
+            <a:picLocks noChangeAspect="1" noChangeArrowheads="1"/>
+          </p:cNvPicPr>
+          <p:nvPr/>
+        </p:nvPicPr>
+        <p:blipFill>
+          <a:blip r:embed="rId2">
+            <a:extLst>
+              <a:ext uri="{28A0092B-C50C-407E-A947-70E740481C1C}">
+                <a14:useLocalDpi xmlns:a14="http://schemas.microsoft.com/office/drawing/2010/main" val="0"/>
+              </a:ext>
+            </a:extLst>
+          </a:blip>
+          <a:srcRect/>
+          <a:stretch>
+            <a:fillRect/>
+          </a:stretch>
+        </p:blipFill>
+        <p:spPr bwMode="auto">
+          <a:xfrm>
+            <a:off x="3709160" y="1115237"/>
+            <a:ext cx="6080884" cy="5237125"/>
+          </a:xfrm>
+          <a:prstGeom prst="rect">
+            <a:avLst/>
+          </a:prstGeom>
+          <a:noFill/>
+          <a:extLst>
+            <a:ext uri="{909E8E84-426E-40DD-AFC4-6F175D3DCCD1}">
+              <a14:hiddenFill xmlns:a14="http://schemas.microsoft.com/office/drawing/2010/main">
+                <a:solidFill>
+                  <a:srgbClr val="FFFFFF"/>
+                </a:solidFill>
+              </a14:hiddenFill>
+            </a:ext>
+          </a:extLst>
+        </p:spPr>
+      </p:pic>
+      <p:sp>
+        <p:nvSpPr>
+          <p:cNvPr id="5" name="Tekstvak 4">
+            <a:extLst>
+              <a:ext uri="{FF2B5EF4-FFF2-40B4-BE49-F238E27FC236}">
+                <a16:creationId xmlns:a16="http://schemas.microsoft.com/office/drawing/2014/main" id="{4839423A-2872-4F84-2B51-1ADC39A0F827}"/>
+              </a:ext>
+            </a:extLst>
+          </p:cNvPr>
+          <p:cNvSpPr txBox="1"/>
+          <p:nvPr/>
+        </p:nvSpPr>
+        <p:spPr>
+          <a:xfrm>
+            <a:off x="5907157" y="3867815"/>
+            <a:ext cx="336952" cy="369332"/>
+          </a:xfrm>
+          <a:prstGeom prst="rect">
+            <a:avLst/>
+          </a:prstGeom>
+          <a:noFill/>
+        </p:spPr>
+        <p:txBody>
+          <a:bodyPr wrap="none" rtlCol="0">
+            <a:spAutoFit/>
+          </a:bodyPr>
+          <a:lstStyle/>
+          <a:p>
+            <a:r>
+              <a:rPr lang="nl-NL" dirty="0"/>
+              <a:t>O</a:t>
+            </a:r>
+          </a:p>
+        </p:txBody>
+      </p:sp>
+    </p:spTree>
+    <p:extLst>
+      <p:ext uri="{BB962C8B-B14F-4D97-AF65-F5344CB8AC3E}">
+        <p14:creationId xmlns:p14="http://schemas.microsoft.com/office/powerpoint/2010/main" val="2237670558"/>
+      </p:ext>
+    </p:extLst>
+  </p:cSld>
+  <p:clrMapOvr>
+    <a:masterClrMapping/>
+  </p:clrMapOvr>
+</p:sld>
+</file>
+
+<file path=ppt/slides/slide28.xml><?xml version="1.0" encoding="utf-8"?>
+<p:sld xmlns:a="http://schemas.openxmlformats.org/drawingml/2006/main" xmlns:r="http://schemas.openxmlformats.org/officeDocument/2006/relationships" xmlns:p="http://schemas.openxmlformats.org/presentationml/2006/main">
+  <p:cSld>
+    <p:spTree>
+      <p:nvGrpSpPr>
+        <p:cNvPr id="1" name=""/>
+        <p:cNvGrpSpPr/>
+        <p:nvPr/>
+      </p:nvGrpSpPr>
+      <p:grpSpPr>
+        <a:xfrm>
+          <a:off x="0" y="0"/>
+          <a:ext cx="0" cy="0"/>
+          <a:chOff x="0" y="0"/>
+          <a:chExt cx="0" cy="0"/>
+        </a:xfrm>
+      </p:grpSpPr>
+      <p:sp>
+        <p:nvSpPr>
+          <p:cNvPr id="2" name="Titel 1">
+            <a:extLst>
+              <a:ext uri="{FF2B5EF4-FFF2-40B4-BE49-F238E27FC236}">
+                <a16:creationId xmlns:a16="http://schemas.microsoft.com/office/drawing/2014/main" id="{73168B85-7905-DEBC-34BC-B73EB909DDCD}"/>
+              </a:ext>
+            </a:extLst>
+          </p:cNvPr>
+          <p:cNvSpPr>
+            <a:spLocks noGrp="1"/>
+          </p:cNvSpPr>
+          <p:nvPr>
+            <p:ph type="title"/>
+          </p:nvPr>
+        </p:nvSpPr>
+        <p:spPr/>
+        <p:txBody>
+          <a:bodyPr/>
+          <a:lstStyle/>
+          <a:p>
+            <a:r>
+              <a:rPr lang="nl-NL" dirty="0"/>
+              <a:t>Wiskunde Termen</a:t>
+            </a:r>
+          </a:p>
+        </p:txBody>
+      </p:sp>
+      <p:sp>
+        <p:nvSpPr>
+          <p:cNvPr id="4" name="Titel 1">
+            <a:extLst>
+              <a:ext uri="{FF2B5EF4-FFF2-40B4-BE49-F238E27FC236}">
+                <a16:creationId xmlns:a16="http://schemas.microsoft.com/office/drawing/2014/main" id="{61ED484A-E87E-7D07-D06C-3D405D336CC2}"/>
+              </a:ext>
+            </a:extLst>
+          </p:cNvPr>
+          <p:cNvSpPr txBox="1">
+            <a:spLocks/>
+          </p:cNvSpPr>
+          <p:nvPr/>
+        </p:nvSpPr>
+        <p:spPr>
+          <a:xfrm>
+            <a:off x="1524000" y="2105897"/>
+            <a:ext cx="9144000" cy="2646206"/>
+          </a:xfrm>
+          <a:prstGeom prst="rect">
+            <a:avLst/>
+          </a:prstGeom>
+        </p:spPr>
+        <p:txBody>
+          <a:bodyPr vert="horz" lIns="91440" tIns="45720" rIns="91440" bIns="45720" rtlCol="0" anchor="ctr">
+            <a:normAutofit fontScale="97500"/>
+          </a:bodyPr>
+          <a:lstStyle>
+            <a:lvl1pPr algn="l" defTabSz="914400" rtl="0" eaLnBrk="1" latinLnBrk="0" hangingPunct="1">
+              <a:lnSpc>
+                <a:spcPct val="90000"/>
+              </a:lnSpc>
+              <a:spcBef>
+                <a:spcPct val="0"/>
+              </a:spcBef>
+              <a:buNone/>
+              <a:defRPr sz="4400" kern="1200">
+                <a:solidFill>
+                  <a:schemeClr val="tx1"/>
+                </a:solidFill>
+                <a:latin typeface="+mj-lt"/>
+                <a:ea typeface="+mj-ea"/>
+                <a:cs typeface="+mj-cs"/>
+              </a:defRPr>
+            </a:lvl1pPr>
+          </a:lstStyle>
+          <a:p>
+            <a:pPr algn="ctr"/>
+            <a:r>
+              <a:rPr lang="nl-NL" sz="9000" b="1" dirty="0"/>
+              <a:t>Roosterpapier</a:t>
+            </a:r>
+          </a:p>
+        </p:txBody>
+      </p:sp>
+    </p:spTree>
+    <p:extLst>
+      <p:ext uri="{BB962C8B-B14F-4D97-AF65-F5344CB8AC3E}">
+        <p14:creationId xmlns:p14="http://schemas.microsoft.com/office/powerpoint/2010/main" val="3650281463"/>
+      </p:ext>
+    </p:extLst>
+  </p:cSld>
+  <p:clrMapOvr>
+    <a:masterClrMapping/>
+  </p:clrMapOvr>
+</p:sld>
+</file>
+
+<file path=ppt/slides/slide29.xml><?xml version="1.0" encoding="utf-8"?>
+<p:sld xmlns:a="http://schemas.openxmlformats.org/drawingml/2006/main" xmlns:r="http://schemas.openxmlformats.org/officeDocument/2006/relationships" xmlns:p="http://schemas.openxmlformats.org/presentationml/2006/main">
+  <p:cSld>
+    <p:spTree>
+      <p:nvGrpSpPr>
+        <p:cNvPr id="1" name=""/>
+        <p:cNvGrpSpPr/>
+        <p:nvPr/>
+      </p:nvGrpSpPr>
+      <p:grpSpPr>
+        <a:xfrm>
+          <a:off x="0" y="0"/>
+          <a:ext cx="0" cy="0"/>
+          <a:chOff x="0" y="0"/>
+          <a:chExt cx="0" cy="0"/>
+        </a:xfrm>
+      </p:grpSpPr>
+      <p:sp>
+        <p:nvSpPr>
+          <p:cNvPr id="2" name="Titel 1">
+            <a:extLst>
+              <a:ext uri="{FF2B5EF4-FFF2-40B4-BE49-F238E27FC236}">
+                <a16:creationId xmlns:a16="http://schemas.microsoft.com/office/drawing/2014/main" id="{C2F5861A-BCDE-D2A4-C355-05C8119ED351}"/>
+              </a:ext>
+            </a:extLst>
+          </p:cNvPr>
+          <p:cNvSpPr>
+            <a:spLocks noGrp="1"/>
+          </p:cNvSpPr>
+          <p:nvPr>
+            <p:ph type="ctrTitle"/>
+          </p:nvPr>
+        </p:nvSpPr>
+        <p:spPr>
+          <a:xfrm>
+            <a:off x="1524000" y="236482"/>
+            <a:ext cx="9144000" cy="892887"/>
+          </a:xfrm>
+        </p:spPr>
+        <p:txBody>
+          <a:bodyPr>
+            <a:normAutofit fontScale="90000"/>
+          </a:bodyPr>
+          <a:lstStyle/>
+          <a:p>
+            <a:r>
+              <a:rPr lang="nl-NL" dirty="0"/>
+              <a:t>Roosterpapier</a:t>
+            </a:r>
+          </a:p>
+        </p:txBody>
+      </p:sp>
+      <p:sp>
+        <p:nvSpPr>
+          <p:cNvPr id="3" name="Ondertitel 2">
+            <a:extLst>
+              <a:ext uri="{FF2B5EF4-FFF2-40B4-BE49-F238E27FC236}">
+                <a16:creationId xmlns:a16="http://schemas.microsoft.com/office/drawing/2014/main" id="{7988AA68-FB88-7C7C-5E47-2AE86A2EFD72}"/>
+              </a:ext>
+            </a:extLst>
+          </p:cNvPr>
+          <p:cNvSpPr>
+            <a:spLocks noGrp="1"/>
+          </p:cNvSpPr>
+          <p:nvPr>
+            <p:ph type="subTitle" idx="1"/>
+          </p:nvPr>
+        </p:nvSpPr>
+        <p:spPr>
+          <a:xfrm>
+            <a:off x="601851" y="1342364"/>
+            <a:ext cx="10988297" cy="2530747"/>
+          </a:xfrm>
+        </p:spPr>
+        <p:txBody>
+          <a:bodyPr>
+            <a:normAutofit/>
+          </a:bodyPr>
+          <a:lstStyle/>
+          <a:p>
+            <a:r>
+              <a:rPr lang="nl-NL" dirty="0"/>
+              <a:t>Roosterpapier is papier met waarop </a:t>
+            </a:r>
+            <a:r>
+              <a:rPr lang="nl-NL" dirty="0">
+                <a:solidFill>
+                  <a:srgbClr val="7030A0"/>
+                </a:solidFill>
+              </a:rPr>
+              <a:t>vierkantjes </a:t>
+            </a:r>
+            <a:r>
+              <a:rPr lang="nl-NL" dirty="0"/>
+              <a:t>van 1 cm bij 1 cm gedrukt staat.</a:t>
+            </a:r>
+          </a:p>
+          <a:p>
+            <a:r>
+              <a:rPr lang="nl-NL" dirty="0"/>
+              <a:t>Roosterpapier wordt gebruikt voor het maken van </a:t>
+            </a:r>
+            <a:r>
+              <a:rPr lang="nl-NL" dirty="0">
+                <a:solidFill>
+                  <a:srgbClr val="7030A0"/>
+                </a:solidFill>
+              </a:rPr>
+              <a:t>assenstelsels</a:t>
+            </a:r>
+            <a:r>
+              <a:rPr lang="nl-NL" dirty="0"/>
+              <a:t>.</a:t>
+            </a:r>
+          </a:p>
+          <a:p>
+            <a:endParaRPr lang="nl-NL" dirty="0"/>
+          </a:p>
+          <a:p>
+            <a:endParaRPr lang="nl-NL" dirty="0"/>
+          </a:p>
+          <a:p>
+            <a:endParaRPr lang="nl-NL" dirty="0"/>
+          </a:p>
+          <a:p>
+            <a:endParaRPr lang="nl-NL" dirty="0"/>
+          </a:p>
+          <a:p>
+            <a:endParaRPr lang="nl-NL" dirty="0"/>
+          </a:p>
+        </p:txBody>
+      </p:sp>
+    </p:spTree>
+    <p:extLst>
+      <p:ext uri="{BB962C8B-B14F-4D97-AF65-F5344CB8AC3E}">
+        <p14:creationId xmlns:p14="http://schemas.microsoft.com/office/powerpoint/2010/main" val="1009432102"/>
+      </p:ext>
+    </p:extLst>
+  </p:cSld>
+  <p:clrMapOvr>
+    <a:masterClrMapping/>
+  </p:clrMapOvr>
+</p:sld>
+</file>
+
+<file path=ppt/slides/slide3.xml><?xml version="1.0" encoding="utf-8"?>
+<p:sld xmlns:a="http://schemas.openxmlformats.org/drawingml/2006/main" xmlns:r="http://schemas.openxmlformats.org/officeDocument/2006/relationships" xmlns:p="http://schemas.openxmlformats.org/presentationml/2006/main">
+  <p:cSld>
+    <p:spTree>
+      <p:nvGrpSpPr>
+        <p:cNvPr id="1" name=""/>
+        <p:cNvGrpSpPr/>
+        <p:nvPr/>
+      </p:nvGrpSpPr>
+      <p:grpSpPr>
+        <a:xfrm>
+          <a:off x="0" y="0"/>
+          <a:ext cx="0" cy="0"/>
+          <a:chOff x="0" y="0"/>
+          <a:chExt cx="0" cy="0"/>
+        </a:xfrm>
+      </p:grpSpPr>
+      <p:sp>
+        <p:nvSpPr>
+          <p:cNvPr id="2" name="Titel 1">
+            <a:extLst>
+              <a:ext uri="{FF2B5EF4-FFF2-40B4-BE49-F238E27FC236}">
+                <a16:creationId xmlns:a16="http://schemas.microsoft.com/office/drawing/2014/main" id="{C2F5861A-BCDE-D2A4-C355-05C8119ED351}"/>
+              </a:ext>
+            </a:extLst>
+          </p:cNvPr>
+          <p:cNvSpPr>
+            <a:spLocks noGrp="1"/>
+          </p:cNvSpPr>
+          <p:nvPr>
+            <p:ph type="ctrTitle"/>
+          </p:nvPr>
+        </p:nvSpPr>
+        <p:spPr>
+          <a:xfrm>
+            <a:off x="-161441" y="250860"/>
+            <a:ext cx="12514881" cy="892887"/>
+          </a:xfrm>
+        </p:spPr>
+        <p:txBody>
+          <a:bodyPr>
+            <a:normAutofit fontScale="90000"/>
+          </a:bodyPr>
+          <a:lstStyle/>
+          <a:p>
+            <a:r>
+              <a:rPr lang="nl-NL" dirty="0"/>
+              <a:t>Voorbeeld scheurlijn, zaagtand &amp; kreukellijn</a:t>
+            </a:r>
+          </a:p>
+        </p:txBody>
+      </p:sp>
+      <p:sp>
+        <p:nvSpPr>
+          <p:cNvPr id="3" name="AutoShape 2" descr="Ruimtelijke figuren">
+            <a:extLst>
+              <a:ext uri="{FF2B5EF4-FFF2-40B4-BE49-F238E27FC236}">
+                <a16:creationId xmlns:a16="http://schemas.microsoft.com/office/drawing/2014/main" id="{35816B3A-C1C1-A387-7798-2FFF4CAA28A9}"/>
+              </a:ext>
+            </a:extLst>
+          </p:cNvPr>
+          <p:cNvSpPr>
+            <a:spLocks noChangeAspect="1" noChangeArrowheads="1"/>
+          </p:cNvSpPr>
+          <p:nvPr/>
+        </p:nvSpPr>
+        <p:spPr bwMode="auto">
+          <a:xfrm>
+            <a:off x="5943600" y="3276600"/>
+            <a:ext cx="304800" cy="304800"/>
+          </a:xfrm>
+          <a:prstGeom prst="rect">
+            <a:avLst/>
+          </a:prstGeom>
+          <a:noFill/>
+          <a:extLst>
+            <a:ext uri="{909E8E84-426E-40DD-AFC4-6F175D3DCCD1}">
+              <a14:hiddenFill xmlns:a14="http://schemas.microsoft.com/office/drawing/2010/main">
+                <a:solidFill>
+                  <a:srgbClr val="FFFFFF"/>
+                </a:solidFill>
+              </a14:hiddenFill>
+            </a:ext>
+          </a:extLst>
+        </p:spPr>
+        <p:txBody>
+          <a:bodyPr vert="horz" wrap="square" lIns="91440" tIns="45720" rIns="91440" bIns="45720" numCol="1" anchor="t" anchorCtr="0" compatLnSpc="1">
+            <a:prstTxWarp prst="textNoShape">
+              <a:avLst/>
+            </a:prstTxWarp>
+          </a:bodyPr>
+          <a:lstStyle/>
+          <a:p>
+            <a:endParaRPr lang="nl-NL"/>
+          </a:p>
+        </p:txBody>
+      </p:sp>
+      <p:sp>
+        <p:nvSpPr>
+          <p:cNvPr id="4" name="AutoShape 4" descr="Ruimtelijke figuren">
+            <a:extLst>
+              <a:ext uri="{FF2B5EF4-FFF2-40B4-BE49-F238E27FC236}">
+                <a16:creationId xmlns:a16="http://schemas.microsoft.com/office/drawing/2014/main" id="{B82310C2-292E-F815-60F6-3FFD0672F290}"/>
+              </a:ext>
+            </a:extLst>
+          </p:cNvPr>
+          <p:cNvSpPr>
+            <a:spLocks noChangeAspect="1" noChangeArrowheads="1"/>
+          </p:cNvSpPr>
+          <p:nvPr/>
+        </p:nvSpPr>
+        <p:spPr bwMode="auto">
+          <a:xfrm>
+            <a:off x="6096000" y="3429000"/>
+            <a:ext cx="304800" cy="304800"/>
+          </a:xfrm>
+          <a:prstGeom prst="rect">
+            <a:avLst/>
+          </a:prstGeom>
+          <a:noFill/>
+          <a:extLst>
+            <a:ext uri="{909E8E84-426E-40DD-AFC4-6F175D3DCCD1}">
+              <a14:hiddenFill xmlns:a14="http://schemas.microsoft.com/office/drawing/2010/main">
+                <a:solidFill>
+                  <a:srgbClr val="FFFFFF"/>
+                </a:solidFill>
+              </a14:hiddenFill>
+            </a:ext>
+          </a:extLst>
+        </p:spPr>
+        <p:txBody>
+          <a:bodyPr vert="horz" wrap="square" lIns="91440" tIns="45720" rIns="91440" bIns="45720" numCol="1" anchor="t" anchorCtr="0" compatLnSpc="1">
+            <a:prstTxWarp prst="textNoShape">
+              <a:avLst/>
+            </a:prstTxWarp>
+          </a:bodyPr>
+          <a:lstStyle/>
+          <a:p>
+            <a:endParaRPr lang="nl-NL"/>
+          </a:p>
+        </p:txBody>
+      </p:sp>
+    </p:spTree>
+    <p:extLst>
+      <p:ext uri="{BB962C8B-B14F-4D97-AF65-F5344CB8AC3E}">
+        <p14:creationId xmlns:p14="http://schemas.microsoft.com/office/powerpoint/2010/main" val="2174663102"/>
+      </p:ext>
+    </p:extLst>
+  </p:cSld>
+  <p:clrMapOvr>
+    <a:masterClrMapping/>
+  </p:clrMapOvr>
+</p:sld>
+</file>
+
+<file path=ppt/slides/slide30.xml><?xml version="1.0" encoding="utf-8"?>
+<p:sld xmlns:a="http://schemas.openxmlformats.org/drawingml/2006/main" xmlns:r="http://schemas.openxmlformats.org/officeDocument/2006/relationships" xmlns:p="http://schemas.openxmlformats.org/presentationml/2006/main">
+  <p:cSld>
+    <p:spTree>
+      <p:nvGrpSpPr>
+        <p:cNvPr id="1" name=""/>
+        <p:cNvGrpSpPr/>
+        <p:nvPr/>
+      </p:nvGrpSpPr>
+      <p:grpSpPr>
+        <a:xfrm>
+          <a:off x="0" y="0"/>
+          <a:ext cx="0" cy="0"/>
+          <a:chOff x="0" y="0"/>
+          <a:chExt cx="0" cy="0"/>
+        </a:xfrm>
+      </p:grpSpPr>
+      <p:sp>
+        <p:nvSpPr>
+          <p:cNvPr id="2" name="Titel 1">
+            <a:extLst>
+              <a:ext uri="{FF2B5EF4-FFF2-40B4-BE49-F238E27FC236}">
+                <a16:creationId xmlns:a16="http://schemas.microsoft.com/office/drawing/2014/main" id="{C2F5861A-BCDE-D2A4-C355-05C8119ED351}"/>
+              </a:ext>
+            </a:extLst>
+          </p:cNvPr>
+          <p:cNvSpPr>
+            <a:spLocks noGrp="1"/>
+          </p:cNvSpPr>
+          <p:nvPr>
+            <p:ph type="ctrTitle"/>
+          </p:nvPr>
+        </p:nvSpPr>
+        <p:spPr>
+          <a:xfrm>
+            <a:off x="431533" y="258609"/>
+            <a:ext cx="11328934" cy="892887"/>
+          </a:xfrm>
+        </p:spPr>
+        <p:txBody>
+          <a:bodyPr>
+            <a:normAutofit fontScale="90000"/>
+          </a:bodyPr>
+          <a:lstStyle/>
+          <a:p>
+            <a:r>
+              <a:rPr lang="nl-NL" dirty="0"/>
+              <a:t>Voorbeeld Roosterpapier</a:t>
+            </a:r>
+          </a:p>
+        </p:txBody>
+      </p:sp>
+      <p:sp>
+        <p:nvSpPr>
+          <p:cNvPr id="3" name="AutoShape 2" descr="Ruimtelijke figuren">
+            <a:extLst>
+              <a:ext uri="{FF2B5EF4-FFF2-40B4-BE49-F238E27FC236}">
+                <a16:creationId xmlns:a16="http://schemas.microsoft.com/office/drawing/2014/main" id="{35816B3A-C1C1-A387-7798-2FFF4CAA28A9}"/>
+              </a:ext>
+            </a:extLst>
+          </p:cNvPr>
+          <p:cNvSpPr>
+            <a:spLocks noChangeAspect="1" noChangeArrowheads="1"/>
+          </p:cNvSpPr>
+          <p:nvPr/>
+        </p:nvSpPr>
+        <p:spPr bwMode="auto">
+          <a:xfrm>
+            <a:off x="5943600" y="3276600"/>
+            <a:ext cx="304800" cy="304800"/>
+          </a:xfrm>
+          <a:prstGeom prst="rect">
+            <a:avLst/>
+          </a:prstGeom>
+          <a:noFill/>
+          <a:extLst>
+            <a:ext uri="{909E8E84-426E-40DD-AFC4-6F175D3DCCD1}">
+              <a14:hiddenFill xmlns:a14="http://schemas.microsoft.com/office/drawing/2010/main">
+                <a:solidFill>
+                  <a:srgbClr val="FFFFFF"/>
+                </a:solidFill>
+              </a14:hiddenFill>
+            </a:ext>
+          </a:extLst>
+        </p:spPr>
+        <p:txBody>
+          <a:bodyPr vert="horz" wrap="square" lIns="91440" tIns="45720" rIns="91440" bIns="45720" numCol="1" anchor="t" anchorCtr="0" compatLnSpc="1">
+            <a:prstTxWarp prst="textNoShape">
+              <a:avLst/>
+            </a:prstTxWarp>
+          </a:bodyPr>
+          <a:lstStyle/>
+          <a:p>
+            <a:endParaRPr lang="nl-NL"/>
+          </a:p>
+        </p:txBody>
+      </p:sp>
+      <p:sp>
+        <p:nvSpPr>
+          <p:cNvPr id="4" name="AutoShape 4" descr="Ruimtelijke figuren">
+            <a:extLst>
+              <a:ext uri="{FF2B5EF4-FFF2-40B4-BE49-F238E27FC236}">
+                <a16:creationId xmlns:a16="http://schemas.microsoft.com/office/drawing/2014/main" id="{B82310C2-292E-F815-60F6-3FFD0672F290}"/>
+              </a:ext>
+            </a:extLst>
+          </p:cNvPr>
+          <p:cNvSpPr>
+            <a:spLocks noChangeAspect="1" noChangeArrowheads="1"/>
+          </p:cNvSpPr>
+          <p:nvPr/>
+        </p:nvSpPr>
+        <p:spPr bwMode="auto">
+          <a:xfrm>
+            <a:off x="6096000" y="3429000"/>
+            <a:ext cx="304800" cy="304800"/>
+          </a:xfrm>
+          <a:prstGeom prst="rect">
+            <a:avLst/>
+          </a:prstGeom>
+          <a:noFill/>
+          <a:extLst>
+            <a:ext uri="{909E8E84-426E-40DD-AFC4-6F175D3DCCD1}">
+              <a14:hiddenFill xmlns:a14="http://schemas.microsoft.com/office/drawing/2010/main">
+                <a:solidFill>
+                  <a:srgbClr val="FFFFFF"/>
+                </a:solidFill>
+              </a14:hiddenFill>
+            </a:ext>
+          </a:extLst>
+        </p:spPr>
+        <p:txBody>
+          <a:bodyPr vert="horz" wrap="square" lIns="91440" tIns="45720" rIns="91440" bIns="45720" numCol="1" anchor="t" anchorCtr="0" compatLnSpc="1">
+            <a:prstTxWarp prst="textNoShape">
+              <a:avLst/>
+            </a:prstTxWarp>
+          </a:bodyPr>
+          <a:lstStyle/>
+          <a:p>
+            <a:endParaRPr lang="nl-NL"/>
+          </a:p>
+        </p:txBody>
+      </p:sp>
+      <p:pic>
+        <p:nvPicPr>
+          <p:cNvPr id="1026" name="Picture 2">
+            <a:extLst>
+              <a:ext uri="{FF2B5EF4-FFF2-40B4-BE49-F238E27FC236}">
+                <a16:creationId xmlns:a16="http://schemas.microsoft.com/office/drawing/2014/main" id="{8B1FF84A-2B0B-D292-9650-F33DE1FC3F09}"/>
+              </a:ext>
+            </a:extLst>
+          </p:cNvPr>
+          <p:cNvPicPr>
+            <a:picLocks noChangeAspect="1" noChangeArrowheads="1"/>
+          </p:cNvPicPr>
+          <p:nvPr/>
+        </p:nvPicPr>
+        <p:blipFill>
+          <a:blip r:embed="rId2">
+            <a:extLst>
+              <a:ext uri="{28A0092B-C50C-407E-A947-70E740481C1C}">
+                <a14:useLocalDpi xmlns:a14="http://schemas.microsoft.com/office/drawing/2010/main" val="0"/>
+              </a:ext>
+            </a:extLst>
+          </a:blip>
+          <a:srcRect/>
+          <a:stretch>
+            <a:fillRect/>
+          </a:stretch>
+        </p:blipFill>
+        <p:spPr bwMode="auto">
+          <a:xfrm>
+            <a:off x="3502212" y="1221238"/>
+            <a:ext cx="5187575" cy="5217388"/>
+          </a:xfrm>
+          <a:prstGeom prst="rect">
+            <a:avLst/>
+          </a:prstGeom>
+          <a:noFill/>
+          <a:extLst>
+            <a:ext uri="{909E8E84-426E-40DD-AFC4-6F175D3DCCD1}">
+              <a14:hiddenFill xmlns:a14="http://schemas.microsoft.com/office/drawing/2010/main">
+                <a:solidFill>
+                  <a:srgbClr val="FFFFFF"/>
+                </a:solidFill>
+              </a14:hiddenFill>
+            </a:ext>
+          </a:extLst>
+        </p:spPr>
+      </p:pic>
+    </p:spTree>
+    <p:extLst>
+      <p:ext uri="{BB962C8B-B14F-4D97-AF65-F5344CB8AC3E}">
+        <p14:creationId xmlns:p14="http://schemas.microsoft.com/office/powerpoint/2010/main" val="3404872855"/>
+      </p:ext>
+    </p:extLst>
+  </p:cSld>
+  <p:clrMapOvr>
+    <a:masterClrMapping/>
+  </p:clrMapOvr>
+</p:sld>
+</file>
+
+<file path=ppt/slides/slide4.xml><?xml version="1.0" encoding="utf-8"?>
+<p:sld xmlns:a="http://schemas.openxmlformats.org/drawingml/2006/main" xmlns:r="http://schemas.openxmlformats.org/officeDocument/2006/relationships" xmlns:p="http://schemas.openxmlformats.org/presentationml/2006/main">
+  <p:cSld>
+    <p:spTree>
+      <p:nvGrpSpPr>
+        <p:cNvPr id="1" name=""/>
+        <p:cNvGrpSpPr/>
+        <p:nvPr/>
+      </p:nvGrpSpPr>
+      <p:grpSpPr>
+        <a:xfrm>
+          <a:off x="0" y="0"/>
+          <a:ext cx="0" cy="0"/>
+          <a:chOff x="0" y="0"/>
+          <a:chExt cx="0" cy="0"/>
+        </a:xfrm>
+      </p:grpSpPr>
+      <p:sp>
+        <p:nvSpPr>
+          <p:cNvPr id="2" name="Titel 1">
+            <a:extLst>
+              <a:ext uri="{FF2B5EF4-FFF2-40B4-BE49-F238E27FC236}">
+                <a16:creationId xmlns:a16="http://schemas.microsoft.com/office/drawing/2014/main" id="{73168B85-7905-DEBC-34BC-B73EB909DDCD}"/>
+              </a:ext>
+            </a:extLst>
+          </p:cNvPr>
+          <p:cNvSpPr>
+            <a:spLocks noGrp="1"/>
+          </p:cNvSpPr>
+          <p:nvPr>
+            <p:ph type="title"/>
+          </p:nvPr>
+        </p:nvSpPr>
+        <p:spPr/>
+        <p:txBody>
+          <a:bodyPr/>
+          <a:lstStyle/>
+          <a:p>
+            <a:r>
+              <a:rPr lang="nl-NL" dirty="0"/>
+              <a:t>Wiskunde Termen</a:t>
+            </a:r>
+          </a:p>
+        </p:txBody>
+      </p:sp>
+      <p:sp>
+        <p:nvSpPr>
+          <p:cNvPr id="4" name="Titel 1">
+            <a:extLst>
+              <a:ext uri="{FF2B5EF4-FFF2-40B4-BE49-F238E27FC236}">
+                <a16:creationId xmlns:a16="http://schemas.microsoft.com/office/drawing/2014/main" id="{61ED484A-E87E-7D07-D06C-3D405D336CC2}"/>
+              </a:ext>
+            </a:extLst>
+          </p:cNvPr>
+          <p:cNvSpPr txBox="1">
+            <a:spLocks/>
+          </p:cNvSpPr>
+          <p:nvPr/>
+        </p:nvSpPr>
+        <p:spPr>
+          <a:xfrm>
+            <a:off x="1524000" y="2105897"/>
+            <a:ext cx="9144000" cy="2646206"/>
+          </a:xfrm>
+          <a:prstGeom prst="rect">
+            <a:avLst/>
+          </a:prstGeom>
+        </p:spPr>
+        <p:txBody>
+          <a:bodyPr vert="horz" lIns="91440" tIns="45720" rIns="91440" bIns="45720" rtlCol="0" anchor="ctr">
+            <a:normAutofit fontScale="97500"/>
+          </a:bodyPr>
+          <a:lstStyle>
+            <a:lvl1pPr algn="l" defTabSz="914400" rtl="0" eaLnBrk="1" latinLnBrk="0" hangingPunct="1">
+              <a:lnSpc>
+                <a:spcPct val="90000"/>
+              </a:lnSpc>
+              <a:spcBef>
+                <a:spcPct val="0"/>
+              </a:spcBef>
+              <a:buNone/>
+              <a:defRPr sz="4400" kern="1200">
+                <a:solidFill>
+                  <a:schemeClr val="tx1"/>
+                </a:solidFill>
+                <a:latin typeface="+mj-lt"/>
+                <a:ea typeface="+mj-ea"/>
+                <a:cs typeface="+mj-cs"/>
+              </a:defRPr>
+            </a:lvl1pPr>
+          </a:lstStyle>
+          <a:p>
+            <a:pPr algn="ctr"/>
+            <a:r>
+              <a:rPr lang="nl-NL" sz="9000" b="1" dirty="0"/>
+              <a:t>Grafiek</a:t>
+            </a:r>
+          </a:p>
+        </p:txBody>
+      </p:sp>
+    </p:spTree>
+    <p:extLst>
+      <p:ext uri="{BB962C8B-B14F-4D97-AF65-F5344CB8AC3E}">
+        <p14:creationId xmlns:p14="http://schemas.microsoft.com/office/powerpoint/2010/main" val="2165819805"/>
+      </p:ext>
+    </p:extLst>
+  </p:cSld>
+  <p:clrMapOvr>
+    <a:masterClrMapping/>
+  </p:clrMapOvr>
+</p:sld>
+</file>
+
+<file path=ppt/slides/slide5.xml><?xml version="1.0" encoding="utf-8"?>
+<p:sld xmlns:a="http://schemas.openxmlformats.org/drawingml/2006/main" xmlns:r="http://schemas.openxmlformats.org/officeDocument/2006/relationships" xmlns:p="http://schemas.openxmlformats.org/presentationml/2006/main">
+  <p:cSld>
+    <p:spTree>
+      <p:nvGrpSpPr>
+        <p:cNvPr id="1" name=""/>
+        <p:cNvGrpSpPr/>
+        <p:nvPr/>
+      </p:nvGrpSpPr>
+      <p:grpSpPr>
+        <a:xfrm>
+          <a:off x="0" y="0"/>
+          <a:ext cx="0" cy="0"/>
+          <a:chOff x="0" y="0"/>
+          <a:chExt cx="0" cy="0"/>
+        </a:xfrm>
+      </p:grpSpPr>
+      <p:sp>
+        <p:nvSpPr>
+          <p:cNvPr id="2" name="Titel 1">
+            <a:extLst>
+              <a:ext uri="{FF2B5EF4-FFF2-40B4-BE49-F238E27FC236}">
+                <a16:creationId xmlns:a16="http://schemas.microsoft.com/office/drawing/2014/main" id="{C2F5861A-BCDE-D2A4-C355-05C8119ED351}"/>
+              </a:ext>
+            </a:extLst>
+          </p:cNvPr>
+          <p:cNvSpPr>
+            <a:spLocks noGrp="1"/>
+          </p:cNvSpPr>
+          <p:nvPr>
+            <p:ph type="ctrTitle"/>
+          </p:nvPr>
+        </p:nvSpPr>
+        <p:spPr>
+          <a:xfrm>
+            <a:off x="1524000" y="236482"/>
+            <a:ext cx="9144000" cy="892887"/>
+          </a:xfrm>
+        </p:spPr>
+        <p:txBody>
+          <a:bodyPr>
+            <a:normAutofit fontScale="90000"/>
+          </a:bodyPr>
+          <a:lstStyle/>
+          <a:p>
+            <a:r>
+              <a:rPr lang="nl-NL" dirty="0"/>
+              <a:t>Grafiek</a:t>
+            </a:r>
+          </a:p>
+        </p:txBody>
+      </p:sp>
+      <p:sp>
+        <p:nvSpPr>
+          <p:cNvPr id="3" name="Ondertitel 2">
+            <a:extLst>
+              <a:ext uri="{FF2B5EF4-FFF2-40B4-BE49-F238E27FC236}">
+                <a16:creationId xmlns:a16="http://schemas.microsoft.com/office/drawing/2014/main" id="{7988AA68-FB88-7C7C-5E47-2AE86A2EFD72}"/>
+              </a:ext>
+            </a:extLst>
+          </p:cNvPr>
+          <p:cNvSpPr>
+            <a:spLocks noGrp="1"/>
+          </p:cNvSpPr>
+          <p:nvPr>
+            <p:ph type="subTitle" idx="1"/>
+          </p:nvPr>
+        </p:nvSpPr>
+        <p:spPr>
+          <a:xfrm>
+            <a:off x="475282" y="1350113"/>
+            <a:ext cx="11241436" cy="2530747"/>
+          </a:xfrm>
+        </p:spPr>
+        <p:txBody>
+          <a:bodyPr>
+            <a:normAutofit/>
+          </a:bodyPr>
+          <a:lstStyle/>
+          <a:p>
+            <a:r>
+              <a:rPr lang="nl-NL" dirty="0"/>
+              <a:t>Een grafiek wordt gebruikt om </a:t>
+            </a:r>
+            <a:r>
+              <a:rPr lang="nl-NL" dirty="0">
+                <a:solidFill>
+                  <a:srgbClr val="7030A0"/>
+                </a:solidFill>
+              </a:rPr>
+              <a:t>formules, functies</a:t>
+            </a:r>
+            <a:r>
+              <a:rPr lang="nl-NL" dirty="0"/>
+              <a:t> of </a:t>
+            </a:r>
+            <a:r>
+              <a:rPr lang="nl-NL" dirty="0">
+                <a:solidFill>
+                  <a:srgbClr val="7030A0"/>
+                </a:solidFill>
+              </a:rPr>
+              <a:t>data </a:t>
+            </a:r>
+            <a:r>
+              <a:rPr lang="nl-NL" dirty="0"/>
+              <a:t>weer te geven.</a:t>
+            </a:r>
+          </a:p>
+          <a:p>
+            <a:r>
+              <a:rPr lang="nl-NL" dirty="0"/>
+              <a:t>Een grafiek wordt getekend in een </a:t>
+            </a:r>
+            <a:r>
+              <a:rPr lang="nl-NL" dirty="0">
+                <a:solidFill>
+                  <a:srgbClr val="7030A0"/>
+                </a:solidFill>
+              </a:rPr>
+              <a:t>assenstelsel</a:t>
+            </a:r>
+            <a:r>
+              <a:rPr lang="nl-NL" dirty="0"/>
+              <a:t>.</a:t>
+            </a:r>
+          </a:p>
+          <a:p>
+            <a:endParaRPr lang="nl-NL" dirty="0"/>
+          </a:p>
+          <a:p>
+            <a:endParaRPr lang="nl-NL" dirty="0"/>
+          </a:p>
+        </p:txBody>
+      </p:sp>
+    </p:spTree>
+    <p:extLst>
+      <p:ext uri="{BB962C8B-B14F-4D97-AF65-F5344CB8AC3E}">
+        <p14:creationId xmlns:p14="http://schemas.microsoft.com/office/powerpoint/2010/main" val="2154519691"/>
+      </p:ext>
+    </p:extLst>
+  </p:cSld>
+  <p:clrMapOvr>
+    <a:masterClrMapping/>
+  </p:clrMapOvr>
+</p:sld>
+</file>
+
+<file path=ppt/slides/slide6.xml><?xml version="1.0" encoding="utf-8"?>
+<p:sld xmlns:a="http://schemas.openxmlformats.org/drawingml/2006/main" xmlns:r="http://schemas.openxmlformats.org/officeDocument/2006/relationships" xmlns:p="http://schemas.openxmlformats.org/presentationml/2006/main">
+  <p:cSld>
+    <p:spTree>
+      <p:nvGrpSpPr>
+        <p:cNvPr id="1" name=""/>
+        <p:cNvGrpSpPr/>
+        <p:nvPr/>
+      </p:nvGrpSpPr>
+      <p:grpSpPr>
+        <a:xfrm>
+          <a:off x="0" y="0"/>
+          <a:ext cx="0" cy="0"/>
+          <a:chOff x="0" y="0"/>
+          <a:chExt cx="0" cy="0"/>
+        </a:xfrm>
+      </p:grpSpPr>
+      <p:sp>
+        <p:nvSpPr>
+          <p:cNvPr id="2" name="Titel 1">
+            <a:extLst>
+              <a:ext uri="{FF2B5EF4-FFF2-40B4-BE49-F238E27FC236}">
+                <a16:creationId xmlns:a16="http://schemas.microsoft.com/office/drawing/2014/main" id="{C2F5861A-BCDE-D2A4-C355-05C8119ED351}"/>
+              </a:ext>
+            </a:extLst>
+          </p:cNvPr>
+          <p:cNvSpPr>
+            <a:spLocks noGrp="1"/>
+          </p:cNvSpPr>
+          <p:nvPr>
+            <p:ph type="ctrTitle"/>
+          </p:nvPr>
+        </p:nvSpPr>
+        <p:spPr>
+          <a:xfrm>
+            <a:off x="431533" y="258609"/>
+            <a:ext cx="11328934" cy="892887"/>
+          </a:xfrm>
+        </p:spPr>
+        <p:txBody>
+          <a:bodyPr>
+            <a:normAutofit fontScale="90000"/>
+          </a:bodyPr>
+          <a:lstStyle/>
+          <a:p>
+            <a:r>
+              <a:rPr lang="nl-NL" dirty="0"/>
+              <a:t>Voorbeeld grafiek</a:t>
+            </a:r>
+          </a:p>
+        </p:txBody>
+      </p:sp>
+      <p:sp>
+        <p:nvSpPr>
+          <p:cNvPr id="3" name="AutoShape 2" descr="Ruimtelijke figuren">
+            <a:extLst>
+              <a:ext uri="{FF2B5EF4-FFF2-40B4-BE49-F238E27FC236}">
+                <a16:creationId xmlns:a16="http://schemas.microsoft.com/office/drawing/2014/main" id="{35816B3A-C1C1-A387-7798-2FFF4CAA28A9}"/>
+              </a:ext>
+            </a:extLst>
+          </p:cNvPr>
+          <p:cNvSpPr>
+            <a:spLocks noChangeAspect="1" noChangeArrowheads="1"/>
+          </p:cNvSpPr>
+          <p:nvPr/>
+        </p:nvSpPr>
+        <p:spPr bwMode="auto">
+          <a:xfrm>
+            <a:off x="5943600" y="3276600"/>
+            <a:ext cx="304800" cy="304800"/>
+          </a:xfrm>
+          <a:prstGeom prst="rect">
+            <a:avLst/>
+          </a:prstGeom>
+          <a:noFill/>
+          <a:extLst>
+            <a:ext uri="{909E8E84-426E-40DD-AFC4-6F175D3DCCD1}">
+              <a14:hiddenFill xmlns:a14="http://schemas.microsoft.com/office/drawing/2010/main">
+                <a:solidFill>
+                  <a:srgbClr val="FFFFFF"/>
+                </a:solidFill>
+              </a14:hiddenFill>
+            </a:ext>
+          </a:extLst>
+        </p:spPr>
+        <p:txBody>
+          <a:bodyPr vert="horz" wrap="square" lIns="91440" tIns="45720" rIns="91440" bIns="45720" numCol="1" anchor="t" anchorCtr="0" compatLnSpc="1">
+            <a:prstTxWarp prst="textNoShape">
+              <a:avLst/>
+            </a:prstTxWarp>
+          </a:bodyPr>
+          <a:lstStyle/>
+          <a:p>
+            <a:endParaRPr lang="nl-NL"/>
+          </a:p>
+        </p:txBody>
+      </p:sp>
+      <p:sp>
+        <p:nvSpPr>
+          <p:cNvPr id="4" name="AutoShape 4" descr="Ruimtelijke figuren">
+            <a:extLst>
+              <a:ext uri="{FF2B5EF4-FFF2-40B4-BE49-F238E27FC236}">
+                <a16:creationId xmlns:a16="http://schemas.microsoft.com/office/drawing/2014/main" id="{B82310C2-292E-F815-60F6-3FFD0672F290}"/>
+              </a:ext>
+            </a:extLst>
+          </p:cNvPr>
+          <p:cNvSpPr>
+            <a:spLocks noChangeAspect="1" noChangeArrowheads="1"/>
+          </p:cNvSpPr>
+          <p:nvPr/>
+        </p:nvSpPr>
+        <p:spPr bwMode="auto">
+          <a:xfrm>
+            <a:off x="6096000" y="3429000"/>
+            <a:ext cx="304800" cy="304800"/>
+          </a:xfrm>
+          <a:prstGeom prst="rect">
+            <a:avLst/>
+          </a:prstGeom>
+          <a:noFill/>
+          <a:extLst>
+            <a:ext uri="{909E8E84-426E-40DD-AFC4-6F175D3DCCD1}">
+              <a14:hiddenFill xmlns:a14="http://schemas.microsoft.com/office/drawing/2010/main">
+                <a:solidFill>
+                  <a:srgbClr val="FFFFFF"/>
+                </a:solidFill>
+              </a14:hiddenFill>
+            </a:ext>
+          </a:extLst>
+        </p:spPr>
+        <p:txBody>
+          <a:bodyPr vert="horz" wrap="square" lIns="91440" tIns="45720" rIns="91440" bIns="45720" numCol="1" anchor="t" anchorCtr="0" compatLnSpc="1">
+            <a:prstTxWarp prst="textNoShape">
+              <a:avLst/>
+            </a:prstTxWarp>
+          </a:bodyPr>
+          <a:lstStyle/>
+          <a:p>
+            <a:endParaRPr lang="nl-NL"/>
+          </a:p>
+        </p:txBody>
+      </p:sp>
+      <p:pic>
+        <p:nvPicPr>
+          <p:cNvPr id="1026" name="Picture 2" descr="Grafieken">
+            <a:extLst>
+              <a:ext uri="{FF2B5EF4-FFF2-40B4-BE49-F238E27FC236}">
+                <a16:creationId xmlns:a16="http://schemas.microsoft.com/office/drawing/2014/main" id="{ED43F231-9D0C-D44A-E0C8-C393AC8708FF}"/>
+              </a:ext>
+            </a:extLst>
+          </p:cNvPr>
+          <p:cNvPicPr>
+            <a:picLocks noChangeAspect="1" noChangeArrowheads="1"/>
+          </p:cNvPicPr>
+          <p:nvPr/>
+        </p:nvPicPr>
+        <p:blipFill>
+          <a:blip r:embed="rId2">
+            <a:extLst>
+              <a:ext uri="{28A0092B-C50C-407E-A947-70E740481C1C}">
+                <a14:useLocalDpi xmlns:a14="http://schemas.microsoft.com/office/drawing/2010/main" val="0"/>
+              </a:ext>
+            </a:extLst>
+          </a:blip>
+          <a:srcRect/>
+          <a:stretch>
+            <a:fillRect/>
+          </a:stretch>
+        </p:blipFill>
+        <p:spPr bwMode="auto">
+          <a:xfrm>
+            <a:off x="1159980" y="1356321"/>
+            <a:ext cx="9567240" cy="5014341"/>
+          </a:xfrm>
+          <a:prstGeom prst="rect">
+            <a:avLst/>
+          </a:prstGeom>
+          <a:noFill/>
+          <a:extLst>
+            <a:ext uri="{909E8E84-426E-40DD-AFC4-6F175D3DCCD1}">
+              <a14:hiddenFill xmlns:a14="http://schemas.microsoft.com/office/drawing/2010/main">
+                <a:solidFill>
+                  <a:srgbClr val="FFFFFF"/>
+                </a:solidFill>
+              </a14:hiddenFill>
+            </a:ext>
+          </a:extLst>
+        </p:spPr>
+      </p:pic>
+    </p:spTree>
+    <p:extLst>
+      <p:ext uri="{BB962C8B-B14F-4D97-AF65-F5344CB8AC3E}">
+        <p14:creationId xmlns:p14="http://schemas.microsoft.com/office/powerpoint/2010/main" val="4249121548"/>
+      </p:ext>
+    </p:extLst>
+  </p:cSld>
+  <p:clrMapOvr>
+    <a:masterClrMapping/>
+  </p:clrMapOvr>
+</p:sld>
+</file>
+
+<file path=ppt/slides/slide7.xml><?xml version="1.0" encoding="utf-8"?>
+<p:sld xmlns:a="http://schemas.openxmlformats.org/drawingml/2006/main" xmlns:r="http://schemas.openxmlformats.org/officeDocument/2006/relationships" xmlns:p="http://schemas.openxmlformats.org/presentationml/2006/main">
+  <p:cSld>
+    <p:spTree>
+      <p:nvGrpSpPr>
+        <p:cNvPr id="1" name=""/>
+        <p:cNvGrpSpPr/>
+        <p:nvPr/>
+      </p:nvGrpSpPr>
+      <p:grpSpPr>
+        <a:xfrm>
+          <a:off x="0" y="0"/>
+          <a:ext cx="0" cy="0"/>
+          <a:chOff x="0" y="0"/>
+          <a:chExt cx="0" cy="0"/>
+        </a:xfrm>
+      </p:grpSpPr>
+      <p:sp>
+        <p:nvSpPr>
+          <p:cNvPr id="2" name="Titel 1">
+            <a:extLst>
+              <a:ext uri="{FF2B5EF4-FFF2-40B4-BE49-F238E27FC236}">
+                <a16:creationId xmlns:a16="http://schemas.microsoft.com/office/drawing/2014/main" id="{73168B85-7905-DEBC-34BC-B73EB909DDCD}"/>
+              </a:ext>
+            </a:extLst>
+          </p:cNvPr>
+          <p:cNvSpPr>
+            <a:spLocks noGrp="1"/>
+          </p:cNvSpPr>
+          <p:nvPr>
+            <p:ph type="title"/>
+          </p:nvPr>
+        </p:nvSpPr>
+        <p:spPr/>
+        <p:txBody>
+          <a:bodyPr/>
+          <a:lstStyle/>
+          <a:p>
+            <a:r>
+              <a:rPr lang="nl-NL" dirty="0"/>
+              <a:t>Wiskunde Termen</a:t>
+            </a:r>
+          </a:p>
+        </p:txBody>
+      </p:sp>
+      <p:sp>
+        <p:nvSpPr>
+          <p:cNvPr id="4" name="Titel 1">
+            <a:extLst>
+              <a:ext uri="{FF2B5EF4-FFF2-40B4-BE49-F238E27FC236}">
+                <a16:creationId xmlns:a16="http://schemas.microsoft.com/office/drawing/2014/main" id="{61ED484A-E87E-7D07-D06C-3D405D336CC2}"/>
+              </a:ext>
+            </a:extLst>
+          </p:cNvPr>
+          <p:cNvSpPr txBox="1">
+            <a:spLocks/>
+          </p:cNvSpPr>
+          <p:nvPr/>
+        </p:nvSpPr>
+        <p:spPr>
+          <a:xfrm>
+            <a:off x="1524000" y="2105897"/>
+            <a:ext cx="9144000" cy="2646206"/>
+          </a:xfrm>
+          <a:prstGeom prst="rect">
+            <a:avLst/>
+          </a:prstGeom>
+        </p:spPr>
+        <p:txBody>
+          <a:bodyPr vert="horz" lIns="91440" tIns="45720" rIns="91440" bIns="45720" rtlCol="0" anchor="ctr">
+            <a:normAutofit fontScale="97500"/>
+          </a:bodyPr>
+          <a:lstStyle>
+            <a:lvl1pPr algn="l" defTabSz="914400" rtl="0" eaLnBrk="1" latinLnBrk="0" hangingPunct="1">
+              <a:lnSpc>
+                <a:spcPct val="90000"/>
+              </a:lnSpc>
+              <a:spcBef>
+                <a:spcPct val="0"/>
+              </a:spcBef>
+              <a:buNone/>
+              <a:defRPr sz="4400" kern="1200">
+                <a:solidFill>
+                  <a:schemeClr val="tx1"/>
+                </a:solidFill>
+                <a:latin typeface="+mj-lt"/>
+                <a:ea typeface="+mj-ea"/>
+                <a:cs typeface="+mj-cs"/>
+              </a:defRPr>
+            </a:lvl1pPr>
+          </a:lstStyle>
+          <a:p>
+            <a:pPr algn="ctr"/>
+            <a:r>
+              <a:rPr lang="nl-NL" sz="9000" b="1" dirty="0"/>
+              <a:t>Roosterpunt</a:t>
+            </a:r>
+          </a:p>
+        </p:txBody>
+      </p:sp>
+    </p:spTree>
+    <p:extLst>
+      <p:ext uri="{BB962C8B-B14F-4D97-AF65-F5344CB8AC3E}">
+        <p14:creationId xmlns:p14="http://schemas.microsoft.com/office/powerpoint/2010/main" val="3133758886"/>
+      </p:ext>
+    </p:extLst>
+  </p:cSld>
+  <p:clrMapOvr>
+    <a:masterClrMapping/>
+  </p:clrMapOvr>
+</p:sld>
+</file>
+
+<file path=ppt/slides/slide8.xml><?xml version="1.0" encoding="utf-8"?>
+<p:sld xmlns:a="http://schemas.openxmlformats.org/drawingml/2006/main" xmlns:r="http://schemas.openxmlformats.org/officeDocument/2006/relationships" xmlns:p="http://schemas.openxmlformats.org/presentationml/2006/main">
+  <p:cSld>
+    <p:spTree>
+      <p:nvGrpSpPr>
+        <p:cNvPr id="1" name=""/>
+        <p:cNvGrpSpPr/>
+        <p:nvPr/>
+      </p:nvGrpSpPr>
+      <p:grpSpPr>
+        <a:xfrm>
+          <a:off x="0" y="0"/>
+          <a:ext cx="0" cy="0"/>
+          <a:chOff x="0" y="0"/>
+          <a:chExt cx="0" cy="0"/>
+        </a:xfrm>
+      </p:grpSpPr>
+      <p:sp>
+        <p:nvSpPr>
+          <p:cNvPr id="2" name="Titel 1">
+            <a:extLst>
+              <a:ext uri="{FF2B5EF4-FFF2-40B4-BE49-F238E27FC236}">
+                <a16:creationId xmlns:a16="http://schemas.microsoft.com/office/drawing/2014/main" id="{C2F5861A-BCDE-D2A4-C355-05C8119ED351}"/>
+              </a:ext>
+            </a:extLst>
+          </p:cNvPr>
+          <p:cNvSpPr>
+            <a:spLocks noGrp="1"/>
+          </p:cNvSpPr>
+          <p:nvPr>
+            <p:ph type="ctrTitle"/>
+          </p:nvPr>
+        </p:nvSpPr>
+        <p:spPr>
+          <a:xfrm>
+            <a:off x="1524000" y="236482"/>
+            <a:ext cx="9144000" cy="892887"/>
+          </a:xfrm>
+        </p:spPr>
+        <p:txBody>
+          <a:bodyPr>
+            <a:normAutofit fontScale="90000"/>
+          </a:bodyPr>
+          <a:lstStyle/>
+          <a:p>
+            <a:r>
+              <a:rPr lang="nl-NL" dirty="0"/>
+              <a:t>Roosterpunt</a:t>
+            </a:r>
+          </a:p>
+        </p:txBody>
+      </p:sp>
+      <p:sp>
+        <p:nvSpPr>
+          <p:cNvPr id="3" name="Ondertitel 2">
+            <a:extLst>
+              <a:ext uri="{FF2B5EF4-FFF2-40B4-BE49-F238E27FC236}">
+                <a16:creationId xmlns:a16="http://schemas.microsoft.com/office/drawing/2014/main" id="{7988AA68-FB88-7C7C-5E47-2AE86A2EFD72}"/>
+              </a:ext>
+            </a:extLst>
+          </p:cNvPr>
+          <p:cNvSpPr>
+            <a:spLocks noGrp="1"/>
+          </p:cNvSpPr>
+          <p:nvPr>
+            <p:ph type="subTitle" idx="1"/>
+          </p:nvPr>
+        </p:nvSpPr>
+        <p:spPr>
+          <a:xfrm>
+            <a:off x="475282" y="1350113"/>
+            <a:ext cx="11241436" cy="2530747"/>
+          </a:xfrm>
+        </p:spPr>
+        <p:txBody>
+          <a:bodyPr>
+            <a:normAutofit/>
+          </a:bodyPr>
+          <a:lstStyle/>
+          <a:p>
+            <a:r>
+              <a:rPr lang="nl-NL" dirty="0"/>
+              <a:t>Een roosterpunt is een </a:t>
+            </a:r>
+            <a:r>
+              <a:rPr lang="nl-NL" dirty="0">
+                <a:solidFill>
+                  <a:srgbClr val="7030A0"/>
+                </a:solidFill>
+              </a:rPr>
+              <a:t>punt</a:t>
+            </a:r>
+            <a:r>
+              <a:rPr lang="nl-NL" dirty="0"/>
+              <a:t> waarvan de </a:t>
+            </a:r>
+            <a:r>
+              <a:rPr lang="nl-NL" dirty="0">
+                <a:solidFill>
+                  <a:srgbClr val="7030A0"/>
+                </a:solidFill>
+              </a:rPr>
+              <a:t>coördinaten</a:t>
+            </a:r>
+            <a:r>
+              <a:rPr lang="nl-NL" dirty="0"/>
+              <a:t> uit </a:t>
+            </a:r>
+            <a:r>
+              <a:rPr lang="nl-NL" dirty="0">
+                <a:solidFill>
+                  <a:srgbClr val="7030A0"/>
+                </a:solidFill>
+              </a:rPr>
+              <a:t>gehele getallen</a:t>
+            </a:r>
+            <a:r>
+              <a:rPr lang="nl-NL" dirty="0"/>
+              <a:t> bestaat.</a:t>
+            </a:r>
+          </a:p>
+          <a:p>
+            <a:endParaRPr lang="nl-NL" dirty="0"/>
+          </a:p>
+          <a:p>
+            <a:endParaRPr lang="nl-NL" dirty="0"/>
+          </a:p>
+          <a:p>
+            <a:endParaRPr lang="nl-NL" dirty="0"/>
+          </a:p>
+        </p:txBody>
+      </p:sp>
+    </p:spTree>
+    <p:extLst>
+      <p:ext uri="{BB962C8B-B14F-4D97-AF65-F5344CB8AC3E}">
+        <p14:creationId xmlns:p14="http://schemas.microsoft.com/office/powerpoint/2010/main" val="851143483"/>
+      </p:ext>
+    </p:extLst>
+  </p:cSld>
+  <p:clrMapOvr>
+    <a:masterClrMapping/>
+  </p:clrMapOvr>
+</p:sld>
+</file>
+
+<file path=ppt/slides/slide9.xml><?xml version="1.0" encoding="utf-8"?>
+<p:sld xmlns:a="http://schemas.openxmlformats.org/drawingml/2006/main" xmlns:r="http://schemas.openxmlformats.org/officeDocument/2006/relationships" xmlns:p="http://schemas.openxmlformats.org/presentationml/2006/main">
+  <p:cSld>
+    <p:spTree>
+      <p:nvGrpSpPr>
+        <p:cNvPr id="1" name=""/>
+        <p:cNvGrpSpPr/>
+        <p:nvPr/>
+      </p:nvGrpSpPr>
+      <p:grpSpPr>
+        <a:xfrm>
+          <a:off x="0" y="0"/>
+          <a:ext cx="0" cy="0"/>
+          <a:chOff x="0" y="0"/>
+          <a:chExt cx="0" cy="0"/>
+        </a:xfrm>
+      </p:grpSpPr>
+      <p:sp>
+        <p:nvSpPr>
+          <p:cNvPr id="2" name="Titel 1">
+            <a:extLst>
+              <a:ext uri="{FF2B5EF4-FFF2-40B4-BE49-F238E27FC236}">
+                <a16:creationId xmlns:a16="http://schemas.microsoft.com/office/drawing/2014/main" id="{C2F5861A-BCDE-D2A4-C355-05C8119ED351}"/>
+              </a:ext>
+            </a:extLst>
+          </p:cNvPr>
+          <p:cNvSpPr>
+            <a:spLocks noGrp="1"/>
+          </p:cNvSpPr>
+          <p:nvPr>
+            <p:ph type="ctrTitle"/>
+          </p:nvPr>
+        </p:nvSpPr>
+        <p:spPr>
+          <a:xfrm>
+            <a:off x="431533" y="258609"/>
+            <a:ext cx="11328934" cy="892887"/>
+          </a:xfrm>
+        </p:spPr>
+        <p:txBody>
+          <a:bodyPr>
+            <a:normAutofit fontScale="90000"/>
+          </a:bodyPr>
+          <a:lstStyle/>
+          <a:p>
+            <a:r>
+              <a:rPr lang="nl-NL" dirty="0"/>
+              <a:t>Voorbeeld roosterpunt</a:t>
+            </a:r>
+          </a:p>
+        </p:txBody>
+      </p:sp>
+      <p:sp>
+        <p:nvSpPr>
+          <p:cNvPr id="3" name="AutoShape 2" descr="Ruimtelijke figuren">
+            <a:extLst>
+              <a:ext uri="{FF2B5EF4-FFF2-40B4-BE49-F238E27FC236}">
+                <a16:creationId xmlns:a16="http://schemas.microsoft.com/office/drawing/2014/main" id="{35816B3A-C1C1-A387-7798-2FFF4CAA28A9}"/>
+              </a:ext>
+            </a:extLst>
+          </p:cNvPr>
+          <p:cNvSpPr>
+            <a:spLocks noChangeAspect="1" noChangeArrowheads="1"/>
+          </p:cNvSpPr>
+          <p:nvPr/>
+        </p:nvSpPr>
+        <p:spPr bwMode="auto">
+          <a:xfrm>
+            <a:off x="5943600" y="3276600"/>
+            <a:ext cx="304800" cy="304800"/>
+          </a:xfrm>
+          <a:prstGeom prst="rect">
+            <a:avLst/>
+          </a:prstGeom>
+          <a:noFill/>
+          <a:extLst>
+            <a:ext uri="{909E8E84-426E-40DD-AFC4-6F175D3DCCD1}">
+              <a14:hiddenFill xmlns:a14="http://schemas.microsoft.com/office/drawing/2010/main">
+                <a:solidFill>
+                  <a:srgbClr val="FFFFFF"/>
+                </a:solidFill>
+              </a14:hiddenFill>
+            </a:ext>
+          </a:extLst>
+        </p:spPr>
+        <p:txBody>
+          <a:bodyPr vert="horz" wrap="square" lIns="91440" tIns="45720" rIns="91440" bIns="45720" numCol="1" anchor="t" anchorCtr="0" compatLnSpc="1">
+            <a:prstTxWarp prst="textNoShape">
+              <a:avLst/>
+            </a:prstTxWarp>
+          </a:bodyPr>
+          <a:lstStyle/>
+          <a:p>
+            <a:endParaRPr lang="nl-NL"/>
+          </a:p>
+        </p:txBody>
+      </p:sp>
+      <p:sp>
+        <p:nvSpPr>
+          <p:cNvPr id="4" name="AutoShape 4" descr="Ruimtelijke figuren">
+            <a:extLst>
+              <a:ext uri="{FF2B5EF4-FFF2-40B4-BE49-F238E27FC236}">
+                <a16:creationId xmlns:a16="http://schemas.microsoft.com/office/drawing/2014/main" id="{B82310C2-292E-F815-60F6-3FFD0672F290}"/>
+              </a:ext>
+            </a:extLst>
+          </p:cNvPr>
+          <p:cNvSpPr>
+            <a:spLocks noChangeAspect="1" noChangeArrowheads="1"/>
+          </p:cNvSpPr>
+          <p:nvPr/>
+        </p:nvSpPr>
+        <p:spPr bwMode="auto">
+          <a:xfrm>
+            <a:off x="6096000" y="3429000"/>
+            <a:ext cx="304800" cy="304800"/>
+          </a:xfrm>
+          <a:prstGeom prst="rect">
+            <a:avLst/>
+          </a:prstGeom>
+          <a:noFill/>
+          <a:extLst>
+            <a:ext uri="{909E8E84-426E-40DD-AFC4-6F175D3DCCD1}">
+              <a14:hiddenFill xmlns:a14="http://schemas.microsoft.com/office/drawing/2010/main">
+                <a:solidFill>
+                  <a:srgbClr val="FFFFFF"/>
+                </a:solidFill>
+              </a14:hiddenFill>
+            </a:ext>
+          </a:extLst>
+        </p:spPr>
+        <p:txBody>
+          <a:bodyPr vert="horz" wrap="square" lIns="91440" tIns="45720" rIns="91440" bIns="45720" numCol="1" anchor="t" anchorCtr="0" compatLnSpc="1">
+            <a:prstTxWarp prst="textNoShape">
+              <a:avLst/>
+            </a:prstTxWarp>
+          </a:bodyPr>
+          <a:lstStyle/>
+          <a:p>
+            <a:endParaRPr lang="nl-NL"/>
+          </a:p>
+        </p:txBody>
+      </p:sp>
+      <p:pic>
+        <p:nvPicPr>
+          <p:cNvPr id="7" name="Picture 2" descr="Alles over GPS - wat is gps, cursussen, routes, geocaching etc.">
+            <a:extLst>
+              <a:ext uri="{FF2B5EF4-FFF2-40B4-BE49-F238E27FC236}">
+                <a16:creationId xmlns:a16="http://schemas.microsoft.com/office/drawing/2014/main" id="{0F0DF19E-C775-767D-49BC-C8A3DCA16BFC}"/>
+              </a:ext>
+            </a:extLst>
+          </p:cNvPr>
+          <p:cNvPicPr>
+            <a:picLocks noChangeAspect="1" noChangeArrowheads="1"/>
+          </p:cNvPicPr>
+          <p:nvPr/>
+        </p:nvPicPr>
+        <p:blipFill>
+          <a:blip r:embed="rId2">
+            <a:extLst>
+              <a:ext uri="{28A0092B-C50C-407E-A947-70E740481C1C}">
+                <a14:useLocalDpi xmlns:a14="http://schemas.microsoft.com/office/drawing/2010/main" val="0"/>
+              </a:ext>
+            </a:extLst>
+          </a:blip>
+          <a:srcRect/>
+          <a:stretch>
+            <a:fillRect/>
+          </a:stretch>
+        </p:blipFill>
+        <p:spPr bwMode="auto">
+          <a:xfrm>
+            <a:off x="621143" y="1195220"/>
+            <a:ext cx="5170057" cy="4772360"/>
+          </a:xfrm>
+          <a:prstGeom prst="rect">
+            <a:avLst/>
+          </a:prstGeom>
+          <a:noFill/>
+          <a:extLst>
+            <a:ext uri="{909E8E84-426E-40DD-AFC4-6F175D3DCCD1}">
+              <a14:hiddenFill xmlns:a14="http://schemas.microsoft.com/office/drawing/2010/main">
+                <a:solidFill>
+                  <a:srgbClr val="FFFFFF"/>
+                </a:solidFill>
+              </a14:hiddenFill>
+            </a:ext>
+          </a:extLst>
+        </p:spPr>
+      </p:pic>
+      <mc:AlternateContent xmlns:mc="http://schemas.openxmlformats.org/markup-compatibility/2006" xmlns:a14="http://schemas.microsoft.com/office/drawing/2010/main">
+        <mc:Choice Requires="a14">
+          <p:sp>
+            <p:nvSpPr>
+              <p:cNvPr id="10" name="Tekstvak 9">
+                <a:extLst>
+                  <a:ext uri="{FF2B5EF4-FFF2-40B4-BE49-F238E27FC236}">
+                    <a16:creationId xmlns:a16="http://schemas.microsoft.com/office/drawing/2014/main" id="{2BD6AE24-64BF-8AAF-EF81-AF358116046C}"/>
+                  </a:ext>
+                </a:extLst>
+              </p:cNvPr>
+              <p:cNvSpPr txBox="1"/>
+              <p:nvPr/>
+            </p:nvSpPr>
+            <p:spPr>
+              <a:xfrm>
+                <a:off x="6553200" y="1544510"/>
+                <a:ext cx="2655086" cy="3768980"/>
+              </a:xfrm>
+              <a:prstGeom prst="rect">
+                <a:avLst/>
+              </a:prstGeom>
+              <a:noFill/>
+            </p:spPr>
+            <p:txBody>
+              <a:bodyPr wrap="none" rtlCol="0">
+                <a:spAutoFit/>
+              </a:bodyPr>
+              <a:lstStyle/>
+              <a:p>
+                <a:pPr/>
+                <a14:m>
+                  <m:oMathPara xmlns:m="http://schemas.openxmlformats.org/officeDocument/2006/math">
+                    <m:oMathParaPr>
+                      <m:jc m:val="centerGroup"/>
+                    </m:oMathParaPr>
+                    <m:oMath xmlns:m="http://schemas.openxmlformats.org/officeDocument/2006/math">
+                      <m:r>
+                        <a:rPr lang="nl-NL" sz="4400" i="1" dirty="0" smtClean="0">
+                          <a:latin typeface="Cambria Math" panose="02040503050406030204" pitchFamily="18" charset="0"/>
+                        </a:rPr>
+                        <m:t>𝐴</m:t>
+                      </m:r>
+                      <m:d>
+                        <m:dPr>
+                          <m:ctrlPr>
+                            <a:rPr lang="nl-NL" sz="4400" i="1" dirty="0" smtClean="0">
+                              <a:latin typeface="Cambria Math" panose="02040503050406030204" pitchFamily="18" charset="0"/>
+                            </a:rPr>
+                          </m:ctrlPr>
+                        </m:dPr>
+                        <m:e>
+                          <m:r>
+                            <a:rPr lang="nl-NL" sz="4400" i="1" dirty="0" smtClean="0">
+                              <a:latin typeface="Cambria Math" panose="02040503050406030204" pitchFamily="18" charset="0"/>
+                            </a:rPr>
+                            <m:t>3,5;7</m:t>
+                          </m:r>
+                        </m:e>
+                      </m:d>
+                    </m:oMath>
+                  </m:oMathPara>
+                </a14:m>
+                <a:endParaRPr lang="nl-NL" sz="4400" dirty="0"/>
+              </a:p>
+              <a:p>
+                <a:pPr/>
+                <a14:m>
+                  <m:oMathPara xmlns:m="http://schemas.openxmlformats.org/officeDocument/2006/math">
+                    <m:oMathParaPr>
+                      <m:jc m:val="centerGroup"/>
+                    </m:oMathParaPr>
+                    <m:oMath xmlns:m="http://schemas.openxmlformats.org/officeDocument/2006/math">
+                      <m:r>
+                        <a:rPr lang="nl-NL" sz="4400" b="0" i="1" smtClean="0">
+                          <a:latin typeface="Cambria Math" panose="02040503050406030204" pitchFamily="18" charset="0"/>
+                        </a:rPr>
+                        <m:t>𝐵</m:t>
+                      </m:r>
+                      <m:d>
+                        <m:dPr>
+                          <m:ctrlPr>
+                            <a:rPr lang="nl-NL" sz="4400" b="0" i="1" smtClean="0">
+                              <a:latin typeface="Cambria Math" panose="02040503050406030204" pitchFamily="18" charset="0"/>
+                            </a:rPr>
+                          </m:ctrlPr>
+                        </m:dPr>
+                        <m:e>
+                          <m:r>
+                            <a:rPr lang="nl-NL" sz="4400" b="0" i="1" smtClean="0">
+                              <a:latin typeface="Cambria Math" panose="02040503050406030204" pitchFamily="18" charset="0"/>
+                            </a:rPr>
+                            <m:t>3,5</m:t>
+                          </m:r>
+                        </m:e>
+                      </m:d>
+                    </m:oMath>
+                  </m:oMathPara>
+                </a14:m>
+                <a:endParaRPr lang="nl-NL" sz="4400" b="0" dirty="0"/>
+              </a:p>
+              <a:p>
+                <a:pPr/>
+                <a14:m>
+                  <m:oMathPara xmlns:m="http://schemas.openxmlformats.org/officeDocument/2006/math">
+                    <m:oMathParaPr>
+                      <m:jc m:val="centerGroup"/>
+                    </m:oMathParaPr>
+                    <m:oMath xmlns:m="http://schemas.openxmlformats.org/officeDocument/2006/math">
+                      <m:r>
+                        <a:rPr lang="nl-NL" sz="4400" b="0" i="1" smtClean="0">
+                          <a:latin typeface="Cambria Math" panose="02040503050406030204" pitchFamily="18" charset="0"/>
+                        </a:rPr>
+                        <m:t>𝐶</m:t>
+                      </m:r>
+                      <m:d>
+                        <m:dPr>
+                          <m:ctrlPr>
+                            <a:rPr lang="nl-NL" sz="4400" b="0" i="1" smtClean="0">
+                              <a:latin typeface="Cambria Math" panose="02040503050406030204" pitchFamily="18" charset="0"/>
+                            </a:rPr>
+                          </m:ctrlPr>
+                        </m:dPr>
+                        <m:e>
+                          <m:r>
+                            <a:rPr lang="nl-NL" sz="4400" b="0" i="1" smtClean="0">
+                              <a:latin typeface="Cambria Math" panose="02040503050406030204" pitchFamily="18" charset="0"/>
+                            </a:rPr>
+                            <m:t>−2,4</m:t>
+                          </m:r>
+                        </m:e>
+                      </m:d>
+                    </m:oMath>
+                  </m:oMathPara>
+                </a14:m>
+                <a:endParaRPr lang="nl-NL" sz="4400" b="0" dirty="0"/>
+              </a:p>
+              <a:p>
+                <a14:m>
+                  <m:oMath xmlns:m="http://schemas.openxmlformats.org/officeDocument/2006/math">
+                    <m:r>
+                      <a:rPr lang="nl-NL" sz="4400" b="0" i="1" smtClean="0">
+                        <a:latin typeface="Cambria Math" panose="02040503050406030204" pitchFamily="18" charset="0"/>
+                      </a:rPr>
+                      <m:t>𝐷</m:t>
+                    </m:r>
+                    <m:r>
+                      <a:rPr lang="nl-NL" sz="4400" b="0" i="1" smtClean="0">
+                        <a:latin typeface="Cambria Math" panose="02040503050406030204" pitchFamily="18" charset="0"/>
+                      </a:rPr>
+                      <m:t>(2</m:t>
+                    </m:r>
+                    <m:f>
+                      <m:fPr>
+                        <m:ctrlPr>
+                          <a:rPr lang="nl-NL" sz="4400" b="0" i="1" smtClean="0">
+                            <a:latin typeface="Cambria Math" panose="02040503050406030204" pitchFamily="18" charset="0"/>
+                          </a:rPr>
+                        </m:ctrlPr>
+                      </m:fPr>
+                      <m:num>
+                        <m:r>
+                          <a:rPr lang="nl-NL" sz="4400" b="0" i="1" smtClean="0">
+                            <a:latin typeface="Cambria Math" panose="02040503050406030204" pitchFamily="18" charset="0"/>
+                          </a:rPr>
+                          <m:t>5</m:t>
+                        </m:r>
+                      </m:num>
+                      <m:den>
+                        <m:r>
+                          <a:rPr lang="nl-NL" sz="4400" b="0" i="1" smtClean="0">
+                            <a:latin typeface="Cambria Math" panose="02040503050406030204" pitchFamily="18" charset="0"/>
+                          </a:rPr>
+                          <m:t>7</m:t>
+                        </m:r>
+                      </m:den>
+                    </m:f>
+                    <m:r>
+                      <a:rPr lang="nl-NL" sz="4400" b="0" i="1" smtClean="0">
+                        <a:latin typeface="Cambria Math" panose="02040503050406030204" pitchFamily="18" charset="0"/>
+                      </a:rPr>
+                      <m:t>,5)</m:t>
+                    </m:r>
+                  </m:oMath>
+                </a14:m>
+                <a:r>
+                  <a:rPr lang="nl-NL" sz="4400" dirty="0"/>
+                  <a:t> </a:t>
+                </a:r>
+              </a:p>
+              <a:p>
+                <a:r>
+                  <a:rPr lang="nl-NL" sz="4400" dirty="0"/>
+                  <a:t> </a:t>
+                </a:r>
+              </a:p>
+            </p:txBody>
+          </p:sp>
+        </mc:Choice>
+        <mc:Fallback xmlns="">
+          <p:sp>
+            <p:nvSpPr>
+              <p:cNvPr id="10" name="Tekstvak 9">
+                <a:extLst>
+                  <a:ext uri="{FF2B5EF4-FFF2-40B4-BE49-F238E27FC236}">
+                    <a16:creationId xmlns:a16="http://schemas.microsoft.com/office/drawing/2014/main" id="{2BD6AE24-64BF-8AAF-EF81-AF358116046C}"/>
+                  </a:ext>
+                </a:extLst>
+              </p:cNvPr>
+              <p:cNvSpPr txBox="1">
+                <a:spLocks noRot="1" noChangeAspect="1" noMove="1" noResize="1" noEditPoints="1" noAdjustHandles="1" noChangeArrowheads="1" noChangeShapeType="1" noTextEdit="1"/>
+              </p:cNvSpPr>
+              <p:nvPr/>
+            </p:nvSpPr>
+            <p:spPr>
+              <a:xfrm>
+                <a:off x="6553200" y="1544510"/>
+                <a:ext cx="2655086" cy="3768980"/>
+              </a:xfrm>
+              <a:prstGeom prst="rect">
+                <a:avLst/>
+              </a:prstGeom>
+              <a:blipFill>
+                <a:blip r:embed="rId3"/>
+                <a:stretch>
+                  <a:fillRect/>
+                </a:stretch>
+              </a:blipFill>
+            </p:spPr>
+            <p:txBody>
+              <a:bodyPr/>
+              <a:lstStyle/>
+              <a:p>
+                <a:r>
+                  <a:rPr lang="nl-NL">
+                    <a:noFill/>
+                  </a:rPr>
+                  <a:t> </a:t>
+                </a:r>
+              </a:p>
+            </p:txBody>
+          </p:sp>
+        </mc:Fallback>
+      </mc:AlternateContent>
+    </p:spTree>
+    <p:extLst>
+      <p:ext uri="{BB962C8B-B14F-4D97-AF65-F5344CB8AC3E}">
+        <p14:creationId xmlns:p14="http://schemas.microsoft.com/office/powerpoint/2010/main" val="4269605906"/>
       </p:ext>
     </p:extLst>
   </p:cSld>
